--- a/E-Shop dokumentáció.pptx
+++ b/E-Shop dokumentáció.pptx
@@ -2,8 +2,11 @@
 <file path=ppt/presentation.xml><?xml version="1.0" encoding="utf-8"?>
 <p:presentation xmlns:a="http://schemas.openxmlformats.org/drawingml/2006/main" xmlns:r="http://schemas.openxmlformats.org/officeDocument/2006/relationships" xmlns:p="http://schemas.openxmlformats.org/presentationml/2006/main" saveSubsetFonts="1">
   <p:sldMasterIdLst>
-    <p:sldMasterId id="2147483648" r:id="rId1"/>
+    <p:sldMasterId id="2147483720" r:id="rId1"/>
   </p:sldMasterIdLst>
+  <p:notesMasterIdLst>
+    <p:notesMasterId r:id="rId11"/>
+  </p:notesMasterIdLst>
   <p:sldIdLst>
     <p:sldId id="256" r:id="rId2"/>
     <p:sldId id="257" r:id="rId3"/>
@@ -21,7 +24,7 @@
     <a:defPPr>
       <a:defRPr lang="en-US"/>
     </a:defPPr>
-    <a:lvl1pPr marL="0" algn="l" defTabSz="914400" rtl="0" eaLnBrk="1" latinLnBrk="0" hangingPunct="1">
+    <a:lvl1pPr marL="0" algn="l" defTabSz="457200" rtl="0" eaLnBrk="1" latinLnBrk="0" hangingPunct="1">
       <a:defRPr sz="1800" kern="1200">
         <a:solidFill>
           <a:schemeClr val="tx1"/>
@@ -31,7 +34,7 @@
         <a:cs typeface="+mn-cs"/>
       </a:defRPr>
     </a:lvl1pPr>
-    <a:lvl2pPr marL="457200" algn="l" defTabSz="914400" rtl="0" eaLnBrk="1" latinLnBrk="0" hangingPunct="1">
+    <a:lvl2pPr marL="457200" algn="l" defTabSz="457200" rtl="0" eaLnBrk="1" latinLnBrk="0" hangingPunct="1">
       <a:defRPr sz="1800" kern="1200">
         <a:solidFill>
           <a:schemeClr val="tx1"/>
@@ -41,7 +44,7 @@
         <a:cs typeface="+mn-cs"/>
       </a:defRPr>
     </a:lvl2pPr>
-    <a:lvl3pPr marL="914400" algn="l" defTabSz="914400" rtl="0" eaLnBrk="1" latinLnBrk="0" hangingPunct="1">
+    <a:lvl3pPr marL="914400" algn="l" defTabSz="457200" rtl="0" eaLnBrk="1" latinLnBrk="0" hangingPunct="1">
       <a:defRPr sz="1800" kern="1200">
         <a:solidFill>
           <a:schemeClr val="tx1"/>
@@ -51,7 +54,7 @@
         <a:cs typeface="+mn-cs"/>
       </a:defRPr>
     </a:lvl3pPr>
-    <a:lvl4pPr marL="1371600" algn="l" defTabSz="914400" rtl="0" eaLnBrk="1" latinLnBrk="0" hangingPunct="1">
+    <a:lvl4pPr marL="1371600" algn="l" defTabSz="457200" rtl="0" eaLnBrk="1" latinLnBrk="0" hangingPunct="1">
       <a:defRPr sz="1800" kern="1200">
         <a:solidFill>
           <a:schemeClr val="tx1"/>
@@ -61,7 +64,7 @@
         <a:cs typeface="+mn-cs"/>
       </a:defRPr>
     </a:lvl4pPr>
-    <a:lvl5pPr marL="1828800" algn="l" defTabSz="914400" rtl="0" eaLnBrk="1" latinLnBrk="0" hangingPunct="1">
+    <a:lvl5pPr marL="1828800" algn="l" defTabSz="457200" rtl="0" eaLnBrk="1" latinLnBrk="0" hangingPunct="1">
       <a:defRPr sz="1800" kern="1200">
         <a:solidFill>
           <a:schemeClr val="tx1"/>
@@ -71,7 +74,7 @@
         <a:cs typeface="+mn-cs"/>
       </a:defRPr>
     </a:lvl5pPr>
-    <a:lvl6pPr marL="2286000" algn="l" defTabSz="914400" rtl="0" eaLnBrk="1" latinLnBrk="0" hangingPunct="1">
+    <a:lvl6pPr marL="2286000" algn="l" defTabSz="457200" rtl="0" eaLnBrk="1" latinLnBrk="0" hangingPunct="1">
       <a:defRPr sz="1800" kern="1200">
         <a:solidFill>
           <a:schemeClr val="tx1"/>
@@ -81,7 +84,7 @@
         <a:cs typeface="+mn-cs"/>
       </a:defRPr>
     </a:lvl6pPr>
-    <a:lvl7pPr marL="2743200" algn="l" defTabSz="914400" rtl="0" eaLnBrk="1" latinLnBrk="0" hangingPunct="1">
+    <a:lvl7pPr marL="2743200" algn="l" defTabSz="457200" rtl="0" eaLnBrk="1" latinLnBrk="0" hangingPunct="1">
       <a:defRPr sz="1800" kern="1200">
         <a:solidFill>
           <a:schemeClr val="tx1"/>
@@ -91,7 +94,7 @@
         <a:cs typeface="+mn-cs"/>
       </a:defRPr>
     </a:lvl7pPr>
-    <a:lvl8pPr marL="3200400" algn="l" defTabSz="914400" rtl="0" eaLnBrk="1" latinLnBrk="0" hangingPunct="1">
+    <a:lvl8pPr marL="3200400" algn="l" defTabSz="457200" rtl="0" eaLnBrk="1" latinLnBrk="0" hangingPunct="1">
       <a:defRPr sz="1800" kern="1200">
         <a:solidFill>
           <a:schemeClr val="tx1"/>
@@ -101,7 +104,7 @@
         <a:cs typeface="+mn-cs"/>
       </a:defRPr>
     </a:lvl8pPr>
-    <a:lvl9pPr marL="3657600" algn="l" defTabSz="914400" rtl="0" eaLnBrk="1" latinLnBrk="0" hangingPunct="1">
+    <a:lvl9pPr marL="3657600" algn="l" defTabSz="457200" rtl="0" eaLnBrk="1" latinLnBrk="0" hangingPunct="1">
       <a:defRPr sz="1800" kern="1200">
         <a:solidFill>
           <a:schemeClr val="tx1"/>
@@ -112,11 +115,382 @@
       </a:defRPr>
     </a:lvl9pPr>
   </p:defaultTextStyle>
+  <p:extLst>
+    <p:ext uri="{521415D9-36F7-43E2-AB2F-B90AF26B5E84}">
+      <p14:sectionLst xmlns:p14="http://schemas.microsoft.com/office/powerpoint/2010/main">
+        <p14:section name="Untitled Section" id="{2386A723-CB8C-4B26-8D83-897809EF7970}">
+          <p14:sldIdLst>
+            <p14:sldId id="256"/>
+            <p14:sldId id="257"/>
+            <p14:sldId id="258"/>
+            <p14:sldId id="259"/>
+            <p14:sldId id="260"/>
+            <p14:sldId id="261"/>
+            <p14:sldId id="262"/>
+            <p14:sldId id="263"/>
+            <p14:sldId id="264"/>
+          </p14:sldIdLst>
+        </p14:section>
+      </p14:sectionLst>
+    </p:ext>
+    <p:ext uri="{EFAFB233-063F-42B5-8137-9DF3F51BA10A}">
+      <p15:sldGuideLst xmlns:p15="http://schemas.microsoft.com/office/powerpoint/2012/main"/>
+    </p:ext>
+  </p:extLst>
 </p:presentation>
 </file>
 
+<file path=ppt/notesMasters/notesMaster1.xml><?xml version="1.0" encoding="utf-8"?>
+<p:notesMaster xmlns:a="http://schemas.openxmlformats.org/drawingml/2006/main" xmlns:r="http://schemas.openxmlformats.org/officeDocument/2006/relationships" xmlns:p="http://schemas.openxmlformats.org/presentationml/2006/main">
+  <p:cSld>
+    <p:bg>
+      <p:bgRef idx="1001">
+        <a:schemeClr val="bg1"/>
+      </p:bgRef>
+    </p:bg>
+    <p:spTree>
+      <p:nvGrpSpPr>
+        <p:cNvPr id="1" name=""/>
+        <p:cNvGrpSpPr/>
+        <p:nvPr/>
+      </p:nvGrpSpPr>
+      <p:grpSpPr>
+        <a:xfrm>
+          <a:off x="0" y="0"/>
+          <a:ext cx="0" cy="0"/>
+          <a:chOff x="0" y="0"/>
+          <a:chExt cx="0" cy="0"/>
+        </a:xfrm>
+      </p:grpSpPr>
+      <p:sp>
+        <p:nvSpPr>
+          <p:cNvPr id="2" name="Header Placeholder 1"/>
+          <p:cNvSpPr>
+            <a:spLocks noGrp="1"/>
+          </p:cNvSpPr>
+          <p:nvPr>
+            <p:ph type="hdr" sz="quarter"/>
+          </p:nvPr>
+        </p:nvSpPr>
+        <p:spPr>
+          <a:xfrm>
+            <a:off x="0" y="0"/>
+            <a:ext cx="2971800" cy="458788"/>
+          </a:xfrm>
+          <a:prstGeom prst="rect">
+            <a:avLst/>
+          </a:prstGeom>
+        </p:spPr>
+        <p:txBody>
+          <a:bodyPr vert="horz" lIns="91440" tIns="45720" rIns="91440" bIns="45720" rtlCol="0"/>
+          <a:lstStyle>
+            <a:lvl1pPr algn="l">
+              <a:defRPr sz="1200"/>
+            </a:lvl1pPr>
+          </a:lstStyle>
+          <a:p>
+            <a:endParaRPr lang="en-US"/>
+          </a:p>
+        </p:txBody>
+      </p:sp>
+      <p:sp>
+        <p:nvSpPr>
+          <p:cNvPr id="3" name="Date Placeholder 2"/>
+          <p:cNvSpPr>
+            <a:spLocks noGrp="1"/>
+          </p:cNvSpPr>
+          <p:nvPr>
+            <p:ph type="dt" idx="1"/>
+          </p:nvPr>
+        </p:nvSpPr>
+        <p:spPr>
+          <a:xfrm>
+            <a:off x="3884613" y="0"/>
+            <a:ext cx="2971800" cy="458788"/>
+          </a:xfrm>
+          <a:prstGeom prst="rect">
+            <a:avLst/>
+          </a:prstGeom>
+        </p:spPr>
+        <p:txBody>
+          <a:bodyPr vert="horz" lIns="91440" tIns="45720" rIns="91440" bIns="45720" rtlCol="0"/>
+          <a:lstStyle>
+            <a:lvl1pPr algn="r">
+              <a:defRPr sz="1200"/>
+            </a:lvl1pPr>
+          </a:lstStyle>
+          <a:p>
+            <a:fld id="{09996E18-9394-475A-B1C0-BB907B028A99}" type="datetimeFigureOut">
+              <a:rPr lang="en-US" smtClean="0"/>
+              <a:t>2023-01-16</a:t>
+            </a:fld>
+            <a:endParaRPr lang="en-US"/>
+          </a:p>
+        </p:txBody>
+      </p:sp>
+      <p:sp>
+        <p:nvSpPr>
+          <p:cNvPr id="4" name="Slide Image Placeholder 3"/>
+          <p:cNvSpPr>
+            <a:spLocks noGrp="1" noRot="1" noChangeAspect="1"/>
+          </p:cNvSpPr>
+          <p:nvPr>
+            <p:ph type="sldImg" idx="2"/>
+          </p:nvPr>
+        </p:nvSpPr>
+        <p:spPr>
+          <a:xfrm>
+            <a:off x="685800" y="1143000"/>
+            <a:ext cx="5486400" cy="3086100"/>
+          </a:xfrm>
+          <a:prstGeom prst="rect">
+            <a:avLst/>
+          </a:prstGeom>
+          <a:noFill/>
+          <a:ln w="12700">
+            <a:solidFill>
+              <a:prstClr val="black"/>
+            </a:solidFill>
+          </a:ln>
+        </p:spPr>
+        <p:txBody>
+          <a:bodyPr vert="horz" lIns="91440" tIns="45720" rIns="91440" bIns="45720" rtlCol="0" anchor="ctr"/>
+          <a:lstStyle/>
+          <a:p>
+            <a:endParaRPr lang="en-US"/>
+          </a:p>
+        </p:txBody>
+      </p:sp>
+      <p:sp>
+        <p:nvSpPr>
+          <p:cNvPr id="5" name="Notes Placeholder 4"/>
+          <p:cNvSpPr>
+            <a:spLocks noGrp="1"/>
+          </p:cNvSpPr>
+          <p:nvPr>
+            <p:ph type="body" sz="quarter" idx="3"/>
+          </p:nvPr>
+        </p:nvSpPr>
+        <p:spPr>
+          <a:xfrm>
+            <a:off x="685800" y="4400550"/>
+            <a:ext cx="5486400" cy="3600450"/>
+          </a:xfrm>
+          <a:prstGeom prst="rect">
+            <a:avLst/>
+          </a:prstGeom>
+        </p:spPr>
+        <p:txBody>
+          <a:bodyPr vert="horz" lIns="91440" tIns="45720" rIns="91440" bIns="45720" rtlCol="0"/>
+          <a:lstStyle/>
+          <a:p>
+            <a:pPr lvl="0"/>
+            <a:r>
+              <a:rPr lang="en-US"/>
+              <a:t>Click to edit Master text styles</a:t>
+            </a:r>
+          </a:p>
+          <a:p>
+            <a:pPr lvl="1"/>
+            <a:r>
+              <a:rPr lang="en-US"/>
+              <a:t>Second level</a:t>
+            </a:r>
+          </a:p>
+          <a:p>
+            <a:pPr lvl="2"/>
+            <a:r>
+              <a:rPr lang="en-US"/>
+              <a:t>Third level</a:t>
+            </a:r>
+          </a:p>
+          <a:p>
+            <a:pPr lvl="3"/>
+            <a:r>
+              <a:rPr lang="en-US"/>
+              <a:t>Fourth level</a:t>
+            </a:r>
+          </a:p>
+          <a:p>
+            <a:pPr lvl="4"/>
+            <a:r>
+              <a:rPr lang="en-US"/>
+              <a:t>Fifth level</a:t>
+            </a:r>
+          </a:p>
+        </p:txBody>
+      </p:sp>
+      <p:sp>
+        <p:nvSpPr>
+          <p:cNvPr id="6" name="Footer Placeholder 5"/>
+          <p:cNvSpPr>
+            <a:spLocks noGrp="1"/>
+          </p:cNvSpPr>
+          <p:nvPr>
+            <p:ph type="ftr" sz="quarter" idx="4"/>
+          </p:nvPr>
+        </p:nvSpPr>
+        <p:spPr>
+          <a:xfrm>
+            <a:off x="0" y="8685213"/>
+            <a:ext cx="2971800" cy="458787"/>
+          </a:xfrm>
+          <a:prstGeom prst="rect">
+            <a:avLst/>
+          </a:prstGeom>
+        </p:spPr>
+        <p:txBody>
+          <a:bodyPr vert="horz" lIns="91440" tIns="45720" rIns="91440" bIns="45720" rtlCol="0" anchor="b"/>
+          <a:lstStyle>
+            <a:lvl1pPr algn="l">
+              <a:defRPr sz="1200"/>
+            </a:lvl1pPr>
+          </a:lstStyle>
+          <a:p>
+            <a:endParaRPr lang="en-US"/>
+          </a:p>
+        </p:txBody>
+      </p:sp>
+      <p:sp>
+        <p:nvSpPr>
+          <p:cNvPr id="7" name="Slide Number Placeholder 6"/>
+          <p:cNvSpPr>
+            <a:spLocks noGrp="1"/>
+          </p:cNvSpPr>
+          <p:nvPr>
+            <p:ph type="sldNum" sz="quarter" idx="5"/>
+          </p:nvPr>
+        </p:nvSpPr>
+        <p:spPr>
+          <a:xfrm>
+            <a:off x="3884613" y="8685213"/>
+            <a:ext cx="2971800" cy="458787"/>
+          </a:xfrm>
+          <a:prstGeom prst="rect">
+            <a:avLst/>
+          </a:prstGeom>
+        </p:spPr>
+        <p:txBody>
+          <a:bodyPr vert="horz" lIns="91440" tIns="45720" rIns="91440" bIns="45720" rtlCol="0" anchor="b"/>
+          <a:lstStyle>
+            <a:lvl1pPr algn="r">
+              <a:defRPr sz="1200"/>
+            </a:lvl1pPr>
+          </a:lstStyle>
+          <a:p>
+            <a:fld id="{E227818B-098C-40D4-B3DD-F8F4F0284FEA}" type="slidenum">
+              <a:rPr lang="en-US" smtClean="0"/>
+              <a:t>‹#›</a:t>
+            </a:fld>
+            <a:endParaRPr lang="en-US"/>
+          </a:p>
+        </p:txBody>
+      </p:sp>
+    </p:spTree>
+    <p:extLst>
+      <p:ext uri="{BB962C8B-B14F-4D97-AF65-F5344CB8AC3E}">
+        <p14:creationId xmlns:p14="http://schemas.microsoft.com/office/powerpoint/2010/main" val="2767762242"/>
+      </p:ext>
+    </p:extLst>
+  </p:cSld>
+  <p:clrMap bg1="lt1" tx1="dk1" bg2="lt2" tx2="dk2" accent1="accent1" accent2="accent2" accent3="accent3" accent4="accent4" accent5="accent5" accent6="accent6" hlink="hlink" folHlink="folHlink"/>
+  <p:notesStyle>
+    <a:lvl1pPr marL="0" algn="l" defTabSz="914400" rtl="0" eaLnBrk="1" latinLnBrk="0" hangingPunct="1">
+      <a:defRPr sz="1200" kern="1200">
+        <a:solidFill>
+          <a:schemeClr val="tx1"/>
+        </a:solidFill>
+        <a:latin typeface="+mn-lt"/>
+        <a:ea typeface="+mn-ea"/>
+        <a:cs typeface="+mn-cs"/>
+      </a:defRPr>
+    </a:lvl1pPr>
+    <a:lvl2pPr marL="457200" algn="l" defTabSz="914400" rtl="0" eaLnBrk="1" latinLnBrk="0" hangingPunct="1">
+      <a:defRPr sz="1200" kern="1200">
+        <a:solidFill>
+          <a:schemeClr val="tx1"/>
+        </a:solidFill>
+        <a:latin typeface="+mn-lt"/>
+        <a:ea typeface="+mn-ea"/>
+        <a:cs typeface="+mn-cs"/>
+      </a:defRPr>
+    </a:lvl2pPr>
+    <a:lvl3pPr marL="914400" algn="l" defTabSz="914400" rtl="0" eaLnBrk="1" latinLnBrk="0" hangingPunct="1">
+      <a:defRPr sz="1200" kern="1200">
+        <a:solidFill>
+          <a:schemeClr val="tx1"/>
+        </a:solidFill>
+        <a:latin typeface="+mn-lt"/>
+        <a:ea typeface="+mn-ea"/>
+        <a:cs typeface="+mn-cs"/>
+      </a:defRPr>
+    </a:lvl3pPr>
+    <a:lvl4pPr marL="1371600" algn="l" defTabSz="914400" rtl="0" eaLnBrk="1" latinLnBrk="0" hangingPunct="1">
+      <a:defRPr sz="1200" kern="1200">
+        <a:solidFill>
+          <a:schemeClr val="tx1"/>
+        </a:solidFill>
+        <a:latin typeface="+mn-lt"/>
+        <a:ea typeface="+mn-ea"/>
+        <a:cs typeface="+mn-cs"/>
+      </a:defRPr>
+    </a:lvl4pPr>
+    <a:lvl5pPr marL="1828800" algn="l" defTabSz="914400" rtl="0" eaLnBrk="1" latinLnBrk="0" hangingPunct="1">
+      <a:defRPr sz="1200" kern="1200">
+        <a:solidFill>
+          <a:schemeClr val="tx1"/>
+        </a:solidFill>
+        <a:latin typeface="+mn-lt"/>
+        <a:ea typeface="+mn-ea"/>
+        <a:cs typeface="+mn-cs"/>
+      </a:defRPr>
+    </a:lvl5pPr>
+    <a:lvl6pPr marL="2286000" algn="l" defTabSz="914400" rtl="0" eaLnBrk="1" latinLnBrk="0" hangingPunct="1">
+      <a:defRPr sz="1200" kern="1200">
+        <a:solidFill>
+          <a:schemeClr val="tx1"/>
+        </a:solidFill>
+        <a:latin typeface="+mn-lt"/>
+        <a:ea typeface="+mn-ea"/>
+        <a:cs typeface="+mn-cs"/>
+      </a:defRPr>
+    </a:lvl6pPr>
+    <a:lvl7pPr marL="2743200" algn="l" defTabSz="914400" rtl="0" eaLnBrk="1" latinLnBrk="0" hangingPunct="1">
+      <a:defRPr sz="1200" kern="1200">
+        <a:solidFill>
+          <a:schemeClr val="tx1"/>
+        </a:solidFill>
+        <a:latin typeface="+mn-lt"/>
+        <a:ea typeface="+mn-ea"/>
+        <a:cs typeface="+mn-cs"/>
+      </a:defRPr>
+    </a:lvl7pPr>
+    <a:lvl8pPr marL="3200400" algn="l" defTabSz="914400" rtl="0" eaLnBrk="1" latinLnBrk="0" hangingPunct="1">
+      <a:defRPr sz="1200" kern="1200">
+        <a:solidFill>
+          <a:schemeClr val="tx1"/>
+        </a:solidFill>
+        <a:latin typeface="+mn-lt"/>
+        <a:ea typeface="+mn-ea"/>
+        <a:cs typeface="+mn-cs"/>
+      </a:defRPr>
+    </a:lvl8pPr>
+    <a:lvl9pPr marL="3657600" algn="l" defTabSz="914400" rtl="0" eaLnBrk="1" latinLnBrk="0" hangingPunct="1">
+      <a:defRPr sz="1200" kern="1200">
+        <a:solidFill>
+          <a:schemeClr val="tx1"/>
+        </a:solidFill>
+        <a:latin typeface="+mn-lt"/>
+        <a:ea typeface="+mn-ea"/>
+        <a:cs typeface="+mn-cs"/>
+      </a:defRPr>
+    </a:lvl9pPr>
+  </p:notesStyle>
+</p:notesMaster>
+</file>
+
 <file path=ppt/slideLayouts/slideLayout1.xml><?xml version="1.0" encoding="utf-8"?>
-<p:sldLayout xmlns:a="http://schemas.openxmlformats.org/drawingml/2006/main" xmlns:r="http://schemas.openxmlformats.org/officeDocument/2006/relationships" xmlns:p="http://schemas.openxmlformats.org/presentationml/2006/main" type="title" preserve="1">
+<p:sldLayout xmlns:a="http://schemas.openxmlformats.org/drawingml/2006/main" xmlns:r="http://schemas.openxmlformats.org/officeDocument/2006/relationships" xmlns:p="http://schemas.openxmlformats.org/presentationml/2006/main" showMasterSp="0" type="title" preserve="1">
   <p:cSld name="Title Slide">
     <p:spTree>
       <p:nvGrpSpPr>
@@ -134,13 +508,83 @@
       </p:grpSpPr>
       <p:sp>
         <p:nvSpPr>
-          <p:cNvPr id="2" name="Title 1">
-            <a:extLst>
-              <a:ext uri="{FF2B5EF4-FFF2-40B4-BE49-F238E27FC236}">
-                <a16:creationId xmlns:a16="http://schemas.microsoft.com/office/drawing/2014/main" id="{E98B918C-C51F-0E41-1DFE-D8C600FC3DBA}"/>
-              </a:ext>
-            </a:extLst>
-          </p:cNvPr>
+          <p:cNvPr id="7" name="Rectangle 6"/>
+          <p:cNvSpPr/>
+          <p:nvPr/>
+        </p:nvSpPr>
+        <p:spPr>
+          <a:xfrm>
+            <a:off x="3175" y="6400800"/>
+            <a:ext cx="12188825" cy="457200"/>
+          </a:xfrm>
+          <a:prstGeom prst="rect">
+            <a:avLst/>
+          </a:prstGeom>
+          <a:solidFill>
+            <a:schemeClr val="accent2"/>
+          </a:solidFill>
+          <a:ln>
+            <a:noFill/>
+          </a:ln>
+        </p:spPr>
+        <p:style>
+          <a:lnRef idx="2">
+            <a:schemeClr val="accent1">
+              <a:shade val="50000"/>
+            </a:schemeClr>
+          </a:lnRef>
+          <a:fillRef idx="1">
+            <a:schemeClr val="accent1"/>
+          </a:fillRef>
+          <a:effectRef idx="0">
+            <a:schemeClr val="accent1"/>
+          </a:effectRef>
+          <a:fontRef idx="minor">
+            <a:schemeClr val="lt1"/>
+          </a:fontRef>
+        </p:style>
+      </p:sp>
+      <p:sp>
+        <p:nvSpPr>
+          <p:cNvPr id="8" name="Rectangle 7"/>
+          <p:cNvSpPr/>
+          <p:nvPr/>
+        </p:nvSpPr>
+        <p:spPr>
+          <a:xfrm>
+            <a:off x="15" y="6334316"/>
+            <a:ext cx="12188825" cy="64008"/>
+          </a:xfrm>
+          <a:prstGeom prst="rect">
+            <a:avLst/>
+          </a:prstGeom>
+          <a:solidFill>
+            <a:schemeClr val="accent1"/>
+          </a:solidFill>
+          <a:ln>
+            <a:noFill/>
+          </a:ln>
+        </p:spPr>
+        <p:style>
+          <a:lnRef idx="2">
+            <a:schemeClr val="accent1">
+              <a:shade val="50000"/>
+            </a:schemeClr>
+          </a:lnRef>
+          <a:fillRef idx="1">
+            <a:schemeClr val="accent1"/>
+          </a:fillRef>
+          <a:effectRef idx="0">
+            <a:schemeClr val="accent1"/>
+          </a:effectRef>
+          <a:fontRef idx="minor">
+            <a:schemeClr val="lt1"/>
+          </a:fontRef>
+        </p:style>
+      </p:sp>
+      <p:sp>
+        <p:nvSpPr>
+          <p:cNvPr id="2" name="Title 1"/>
           <p:cNvSpPr>
             <a:spLocks noGrp="1"/>
           </p:cNvSpPr>
@@ -150,15 +594,27 @@
         </p:nvSpPr>
         <p:spPr>
           <a:xfrm>
-            <a:off x="1524000" y="1122363"/>
-            <a:ext cx="9144000" cy="2387600"/>
-          </a:xfrm>
-        </p:spPr>
-        <p:txBody>
-          <a:bodyPr anchor="b"/>
+            <a:off x="1097280" y="758952"/>
+            <a:ext cx="10058400" cy="3566160"/>
+          </a:xfrm>
+        </p:spPr>
+        <p:txBody>
+          <a:bodyPr anchor="b">
+            <a:normAutofit/>
+          </a:bodyPr>
           <a:lstStyle>
-            <a:lvl1pPr algn="ctr">
-              <a:defRPr sz="6000"/>
+            <a:lvl1pPr algn="l">
+              <a:lnSpc>
+                <a:spcPct val="85000"/>
+              </a:lnSpc>
+              <a:defRPr sz="8000" spc="-50" baseline="0">
+                <a:solidFill>
+                  <a:schemeClr val="tx1">
+                    <a:lumMod val="85000"/>
+                    <a:lumOff val="15000"/>
+                  </a:schemeClr>
+                </a:solidFill>
+              </a:defRPr>
             </a:lvl1pPr>
           </a:lstStyle>
           <a:p>
@@ -166,18 +622,13 @@
               <a:rPr lang="en-US"/>
               <a:t>Click to edit Master title style</a:t>
             </a:r>
-          </a:p>
-        </p:txBody>
-      </p:sp>
-      <p:sp>
-        <p:nvSpPr>
-          <p:cNvPr id="3" name="Subtitle 2">
-            <a:extLst>
-              <a:ext uri="{FF2B5EF4-FFF2-40B4-BE49-F238E27FC236}">
-                <a16:creationId xmlns:a16="http://schemas.microsoft.com/office/drawing/2014/main" id="{B1029216-3D0D-C320-3F79-0B8D9677AD6E}"/>
-              </a:ext>
-            </a:extLst>
-          </p:cNvPr>
+            <a:endParaRPr lang="en-US" dirty="0"/>
+          </a:p>
+        </p:txBody>
+      </p:sp>
+      <p:sp>
+        <p:nvSpPr>
+          <p:cNvPr id="3" name="Subtitle 2"/>
           <p:cNvSpPr>
             <a:spLocks noGrp="1"/>
           </p:cNvSpPr>
@@ -187,48 +638,55 @@
         </p:nvSpPr>
         <p:spPr>
           <a:xfrm>
-            <a:off x="1524000" y="3602038"/>
-            <a:ext cx="9144000" cy="1655762"/>
-          </a:xfrm>
-        </p:spPr>
-        <p:txBody>
-          <a:bodyPr/>
+            <a:off x="1100051" y="4455620"/>
+            <a:ext cx="10058400" cy="1143000"/>
+          </a:xfrm>
+        </p:spPr>
+        <p:txBody>
+          <a:bodyPr lIns="91440" rIns="91440">
+            <a:normAutofit/>
+          </a:bodyPr>
           <a:lstStyle>
-            <a:lvl1pPr marL="0" indent="0" algn="ctr">
+            <a:lvl1pPr marL="0" indent="0" algn="l">
               <a:buNone/>
-              <a:defRPr sz="2400"/>
+              <a:defRPr sz="2400" cap="all" spc="200" baseline="0">
+                <a:solidFill>
+                  <a:schemeClr val="tx2"/>
+                </a:solidFill>
+                <a:latin typeface="+mj-lt"/>
+              </a:defRPr>
             </a:lvl1pPr>
             <a:lvl2pPr marL="457200" indent="0" algn="ctr">
               <a:buNone/>
-              <a:defRPr sz="2000"/>
+              <a:defRPr sz="2400"/>
             </a:lvl2pPr>
             <a:lvl3pPr marL="914400" indent="0" algn="ctr">
               <a:buNone/>
-              <a:defRPr sz="1800"/>
+              <a:defRPr sz="2400"/>
             </a:lvl3pPr>
             <a:lvl4pPr marL="1371600" indent="0" algn="ctr">
               <a:buNone/>
-              <a:defRPr sz="1600"/>
+              <a:defRPr sz="2000"/>
             </a:lvl4pPr>
             <a:lvl5pPr marL="1828800" indent="0" algn="ctr">
               <a:buNone/>
-              <a:defRPr sz="1600"/>
+              <a:defRPr sz="2000"/>
             </a:lvl5pPr>
             <a:lvl6pPr marL="2286000" indent="0" algn="ctr">
               <a:buNone/>
-              <a:defRPr sz="1600"/>
+              <a:defRPr sz="2000"/>
             </a:lvl6pPr>
             <a:lvl7pPr marL="2743200" indent="0" algn="ctr">
               <a:buNone/>
-              <a:defRPr sz="1600"/>
+              <a:defRPr sz="2000"/>
             </a:lvl7pPr>
             <a:lvl8pPr marL="3200400" indent="0" algn="ctr">
               <a:buNone/>
-              <a:defRPr sz="1600"/>
+              <a:defRPr sz="2000"/>
             </a:lvl8pPr>
             <a:lvl9pPr marL="3657600" indent="0" algn="ctr">
               <a:buNone/>
-              <a:defRPr sz="1600"/>
+              <a:defRPr sz="2000"/>
             </a:lvl9pPr>
           </a:lstStyle>
           <a:p>
@@ -236,18 +694,13 @@
               <a:rPr lang="en-US"/>
               <a:t>Click to edit Master subtitle style</a:t>
             </a:r>
-          </a:p>
-        </p:txBody>
-      </p:sp>
-      <p:sp>
-        <p:nvSpPr>
-          <p:cNvPr id="4" name="Date Placeholder 3">
-            <a:extLst>
-              <a:ext uri="{FF2B5EF4-FFF2-40B4-BE49-F238E27FC236}">
-                <a16:creationId xmlns:a16="http://schemas.microsoft.com/office/drawing/2014/main" id="{251623DB-E662-2925-8F50-D8D92E42FF8E}"/>
-              </a:ext>
-            </a:extLst>
-          </p:cNvPr>
+            <a:endParaRPr lang="en-US" dirty="0"/>
+          </a:p>
+        </p:txBody>
+      </p:sp>
+      <p:sp>
+        <p:nvSpPr>
+          <p:cNvPr id="4" name="Date Placeholder 3"/>
           <p:cNvSpPr>
             <a:spLocks noGrp="1"/>
           </p:cNvSpPr>
@@ -260,7 +713,7 @@
           <a:bodyPr/>
           <a:lstStyle/>
           <a:p>
-            <a:fld id="{F755C95E-9898-4742-9708-0CF6314E9C1F}" type="datetimeFigureOut">
+            <a:fld id="{8CA7FD17-4F6F-4C64-91F8-572A5A71E019}" type="datetime1">
               <a:rPr lang="en-US" smtClean="0"/>
               <a:t>2023-01-16</a:t>
             </a:fld>
@@ -270,13 +723,7 @@
       </p:sp>
       <p:sp>
         <p:nvSpPr>
-          <p:cNvPr id="5" name="Footer Placeholder 4">
-            <a:extLst>
-              <a:ext uri="{FF2B5EF4-FFF2-40B4-BE49-F238E27FC236}">
-                <a16:creationId xmlns:a16="http://schemas.microsoft.com/office/drawing/2014/main" id="{7FCA407C-218F-2707-2EE0-8322A8197EEF}"/>
-              </a:ext>
-            </a:extLst>
-          </p:cNvPr>
+          <p:cNvPr id="5" name="Footer Placeholder 4"/>
           <p:cNvSpPr>
             <a:spLocks noGrp="1"/>
           </p:cNvSpPr>
@@ -289,19 +736,16 @@
           <a:bodyPr/>
           <a:lstStyle/>
           <a:p>
-            <a:endParaRPr lang="en-US"/>
-          </a:p>
-        </p:txBody>
-      </p:sp>
-      <p:sp>
-        <p:nvSpPr>
-          <p:cNvPr id="6" name="Slide Number Placeholder 5">
-            <a:extLst>
-              <a:ext uri="{FF2B5EF4-FFF2-40B4-BE49-F238E27FC236}">
-                <a16:creationId xmlns:a16="http://schemas.microsoft.com/office/drawing/2014/main" id="{DB1AB4BD-CA00-E0DE-10D6-0CACA60C1FA1}"/>
-              </a:ext>
-            </a:extLst>
-          </p:cNvPr>
+            <a:r>
+              <a:rPr lang="en-US"/>
+              <a:t>Készítette: Toroczkai Attila</a:t>
+            </a:r>
+          </a:p>
+        </p:txBody>
+      </p:sp>
+      <p:sp>
+        <p:nvSpPr>
+          <p:cNvPr id="6" name="Slide Number Placeholder 5"/>
           <p:cNvSpPr>
             <a:spLocks noGrp="1"/>
           </p:cNvSpPr>
@@ -322,10 +766,48 @@
           </a:p>
         </p:txBody>
       </p:sp>
+      <p:cxnSp>
+        <p:nvCxnSpPr>
+          <p:cNvPr id="9" name="Straight Connector 8"/>
+          <p:cNvCxnSpPr/>
+          <p:nvPr/>
+        </p:nvCxnSpPr>
+        <p:spPr>
+          <a:xfrm>
+            <a:off x="1207658" y="4343400"/>
+            <a:ext cx="9875520" cy="0"/>
+          </a:xfrm>
+          <a:prstGeom prst="line">
+            <a:avLst/>
+          </a:prstGeom>
+          <a:ln w="6350">
+            <a:solidFill>
+              <a:schemeClr val="tx1">
+                <a:lumMod val="50000"/>
+                <a:lumOff val="50000"/>
+              </a:schemeClr>
+            </a:solidFill>
+          </a:ln>
+        </p:spPr>
+        <p:style>
+          <a:lnRef idx="1">
+            <a:schemeClr val="accent1"/>
+          </a:lnRef>
+          <a:fillRef idx="0">
+            <a:schemeClr val="accent1"/>
+          </a:fillRef>
+          <a:effectRef idx="0">
+            <a:schemeClr val="accent1"/>
+          </a:effectRef>
+          <a:fontRef idx="minor">
+            <a:schemeClr val="tx1"/>
+          </a:fontRef>
+        </p:style>
+      </p:cxnSp>
     </p:spTree>
     <p:extLst>
       <p:ext uri="{BB962C8B-B14F-4D97-AF65-F5344CB8AC3E}">
-        <p14:creationId xmlns:p14="http://schemas.microsoft.com/office/powerpoint/2010/main" val="356729054"/>
+        <p14:creationId xmlns:p14="http://schemas.microsoft.com/office/powerpoint/2010/main" val="848583984"/>
       </p:ext>
     </p:extLst>
   </p:cSld>
@@ -354,13 +836,7 @@
       </p:grpSpPr>
       <p:sp>
         <p:nvSpPr>
-          <p:cNvPr id="2" name="Title 1">
-            <a:extLst>
-              <a:ext uri="{FF2B5EF4-FFF2-40B4-BE49-F238E27FC236}">
-                <a16:creationId xmlns:a16="http://schemas.microsoft.com/office/drawing/2014/main" id="{6C5B3CFF-4AEE-5107-949D-F5CB4448F4DB}"/>
-              </a:ext>
-            </a:extLst>
-          </p:cNvPr>
+          <p:cNvPr id="2" name="Title 1"/>
           <p:cNvSpPr>
             <a:spLocks noGrp="1"/>
           </p:cNvSpPr>
@@ -377,18 +853,13 @@
               <a:rPr lang="en-US"/>
               <a:t>Click to edit Master title style</a:t>
             </a:r>
-          </a:p>
-        </p:txBody>
-      </p:sp>
-      <p:sp>
-        <p:nvSpPr>
-          <p:cNvPr id="3" name="Vertical Text Placeholder 2">
-            <a:extLst>
-              <a:ext uri="{FF2B5EF4-FFF2-40B4-BE49-F238E27FC236}">
-                <a16:creationId xmlns:a16="http://schemas.microsoft.com/office/drawing/2014/main" id="{547FB698-C592-B353-E1EC-72DC0E53660A}"/>
-              </a:ext>
-            </a:extLst>
-          </p:cNvPr>
+            <a:endParaRPr lang="en-US" dirty="0"/>
+          </a:p>
+        </p:txBody>
+      </p:sp>
+      <p:sp>
+        <p:nvSpPr>
+          <p:cNvPr id="3" name="Vertical Text Placeholder 2"/>
           <p:cNvSpPr>
             <a:spLocks noGrp="1"/>
           </p:cNvSpPr>
@@ -398,7 +869,7 @@
         </p:nvSpPr>
         <p:spPr/>
         <p:txBody>
-          <a:bodyPr vert="eaVert"/>
+          <a:bodyPr vert="eaVert" lIns="45720" tIns="0" rIns="45720" bIns="0"/>
           <a:lstStyle/>
           <a:p>
             <a:pPr lvl="0"/>
@@ -434,18 +905,13 @@
               <a:rPr lang="en-US"/>
               <a:t>Fifth level</a:t>
             </a:r>
-          </a:p>
-        </p:txBody>
-      </p:sp>
-      <p:sp>
-        <p:nvSpPr>
-          <p:cNvPr id="4" name="Date Placeholder 3">
-            <a:extLst>
-              <a:ext uri="{FF2B5EF4-FFF2-40B4-BE49-F238E27FC236}">
-                <a16:creationId xmlns:a16="http://schemas.microsoft.com/office/drawing/2014/main" id="{F9E39E0D-AEE9-4ED9-4DC9-8474F1A3A7C2}"/>
-              </a:ext>
-            </a:extLst>
-          </p:cNvPr>
+            <a:endParaRPr lang="en-US" dirty="0"/>
+          </a:p>
+        </p:txBody>
+      </p:sp>
+      <p:sp>
+        <p:nvSpPr>
+          <p:cNvPr id="4" name="Date Placeholder 3"/>
           <p:cNvSpPr>
             <a:spLocks noGrp="1"/>
           </p:cNvSpPr>
@@ -458,7 +924,7 @@
           <a:bodyPr/>
           <a:lstStyle/>
           <a:p>
-            <a:fld id="{F755C95E-9898-4742-9708-0CF6314E9C1F}" type="datetimeFigureOut">
+            <a:fld id="{FC2D0716-2130-42BE-A999-68DF163E12AB}" type="datetime1">
               <a:rPr lang="en-US" smtClean="0"/>
               <a:t>2023-01-16</a:t>
             </a:fld>
@@ -468,13 +934,7 @@
       </p:sp>
       <p:sp>
         <p:nvSpPr>
-          <p:cNvPr id="5" name="Footer Placeholder 4">
-            <a:extLst>
-              <a:ext uri="{FF2B5EF4-FFF2-40B4-BE49-F238E27FC236}">
-                <a16:creationId xmlns:a16="http://schemas.microsoft.com/office/drawing/2014/main" id="{3F87E9B4-149D-6CE4-0696-6E13E2970CDD}"/>
-              </a:ext>
-            </a:extLst>
-          </p:cNvPr>
+          <p:cNvPr id="5" name="Footer Placeholder 4"/>
           <p:cNvSpPr>
             <a:spLocks noGrp="1"/>
           </p:cNvSpPr>
@@ -487,19 +947,16 @@
           <a:bodyPr/>
           <a:lstStyle/>
           <a:p>
-            <a:endParaRPr lang="en-US"/>
-          </a:p>
-        </p:txBody>
-      </p:sp>
-      <p:sp>
-        <p:nvSpPr>
-          <p:cNvPr id="6" name="Slide Number Placeholder 5">
-            <a:extLst>
-              <a:ext uri="{FF2B5EF4-FFF2-40B4-BE49-F238E27FC236}">
-                <a16:creationId xmlns:a16="http://schemas.microsoft.com/office/drawing/2014/main" id="{39094DB3-4544-6AE1-B903-E3634EE6B869}"/>
-              </a:ext>
-            </a:extLst>
-          </p:cNvPr>
+            <a:r>
+              <a:rPr lang="en-US"/>
+              <a:t>Készítette: Toroczkai Attila</a:t>
+            </a:r>
+          </a:p>
+        </p:txBody>
+      </p:sp>
+      <p:sp>
+        <p:nvSpPr>
+          <p:cNvPr id="6" name="Slide Number Placeholder 5"/>
           <p:cNvSpPr>
             <a:spLocks noGrp="1"/>
           </p:cNvSpPr>
@@ -523,7 +980,7 @@
     </p:spTree>
     <p:extLst>
       <p:ext uri="{BB962C8B-B14F-4D97-AF65-F5344CB8AC3E}">
-        <p14:creationId xmlns:p14="http://schemas.microsoft.com/office/powerpoint/2010/main" val="3516083432"/>
+        <p14:creationId xmlns:p14="http://schemas.microsoft.com/office/powerpoint/2010/main" val="519787010"/>
       </p:ext>
     </p:extLst>
   </p:cSld>
@@ -534,7 +991,7 @@
 </file>
 
 <file path=ppt/slideLayouts/slideLayout11.xml><?xml version="1.0" encoding="utf-8"?>
-<p:sldLayout xmlns:a="http://schemas.openxmlformats.org/drawingml/2006/main" xmlns:r="http://schemas.openxmlformats.org/officeDocument/2006/relationships" xmlns:p="http://schemas.openxmlformats.org/presentationml/2006/main" type="vertTitleAndTx" preserve="1">
+<p:sldLayout xmlns:a="http://schemas.openxmlformats.org/drawingml/2006/main" xmlns:r="http://schemas.openxmlformats.org/officeDocument/2006/relationships" xmlns:p="http://schemas.openxmlformats.org/presentationml/2006/main" showMasterSp="0" type="vertTitleAndTx" preserve="1">
   <p:cSld name="Vertical Title and Text">
     <p:spTree>
       <p:nvGrpSpPr>
@@ -552,13 +1009,83 @@
       </p:grpSpPr>
       <p:sp>
         <p:nvSpPr>
-          <p:cNvPr id="2" name="Vertical Title 1">
-            <a:extLst>
-              <a:ext uri="{FF2B5EF4-FFF2-40B4-BE49-F238E27FC236}">
-                <a16:creationId xmlns:a16="http://schemas.microsoft.com/office/drawing/2014/main" id="{E4830571-A406-53BF-A98D-A40BB817C683}"/>
-              </a:ext>
-            </a:extLst>
-          </p:cNvPr>
+          <p:cNvPr id="7" name="Rectangle 6"/>
+          <p:cNvSpPr/>
+          <p:nvPr/>
+        </p:nvSpPr>
+        <p:spPr>
+          <a:xfrm>
+            <a:off x="3175" y="6400800"/>
+            <a:ext cx="12188825" cy="457200"/>
+          </a:xfrm>
+          <a:prstGeom prst="rect">
+            <a:avLst/>
+          </a:prstGeom>
+          <a:solidFill>
+            <a:schemeClr val="accent2"/>
+          </a:solidFill>
+          <a:ln>
+            <a:noFill/>
+          </a:ln>
+        </p:spPr>
+        <p:style>
+          <a:lnRef idx="2">
+            <a:schemeClr val="accent1">
+              <a:shade val="50000"/>
+            </a:schemeClr>
+          </a:lnRef>
+          <a:fillRef idx="1">
+            <a:schemeClr val="accent1"/>
+          </a:fillRef>
+          <a:effectRef idx="0">
+            <a:schemeClr val="accent1"/>
+          </a:effectRef>
+          <a:fontRef idx="minor">
+            <a:schemeClr val="lt1"/>
+          </a:fontRef>
+        </p:style>
+      </p:sp>
+      <p:sp>
+        <p:nvSpPr>
+          <p:cNvPr id="8" name="Rectangle 7"/>
+          <p:cNvSpPr/>
+          <p:nvPr/>
+        </p:nvSpPr>
+        <p:spPr>
+          <a:xfrm>
+            <a:off x="15" y="6334316"/>
+            <a:ext cx="12188825" cy="64008"/>
+          </a:xfrm>
+          <a:prstGeom prst="rect">
+            <a:avLst/>
+          </a:prstGeom>
+          <a:solidFill>
+            <a:schemeClr val="accent1"/>
+          </a:solidFill>
+          <a:ln>
+            <a:noFill/>
+          </a:ln>
+        </p:spPr>
+        <p:style>
+          <a:lnRef idx="2">
+            <a:schemeClr val="accent1">
+              <a:shade val="50000"/>
+            </a:schemeClr>
+          </a:lnRef>
+          <a:fillRef idx="1">
+            <a:schemeClr val="accent1"/>
+          </a:fillRef>
+          <a:effectRef idx="0">
+            <a:schemeClr val="accent1"/>
+          </a:effectRef>
+          <a:fontRef idx="minor">
+            <a:schemeClr val="lt1"/>
+          </a:fontRef>
+        </p:style>
+      </p:sp>
+      <p:sp>
+        <p:nvSpPr>
+          <p:cNvPr id="2" name="Vertical Title 1"/>
           <p:cNvSpPr>
             <a:spLocks noGrp="1"/>
           </p:cNvSpPr>
@@ -568,8 +1095,8 @@
         </p:nvSpPr>
         <p:spPr>
           <a:xfrm>
-            <a:off x="8724900" y="365125"/>
-            <a:ext cx="2628900" cy="5811838"/>
+            <a:off x="8724900" y="414778"/>
+            <a:ext cx="2628900" cy="5757421"/>
           </a:xfrm>
         </p:spPr>
         <p:txBody>
@@ -580,18 +1107,13 @@
               <a:rPr lang="en-US"/>
               <a:t>Click to edit Master title style</a:t>
             </a:r>
-          </a:p>
-        </p:txBody>
-      </p:sp>
-      <p:sp>
-        <p:nvSpPr>
-          <p:cNvPr id="3" name="Vertical Text Placeholder 2">
-            <a:extLst>
-              <a:ext uri="{FF2B5EF4-FFF2-40B4-BE49-F238E27FC236}">
-                <a16:creationId xmlns:a16="http://schemas.microsoft.com/office/drawing/2014/main" id="{7EC56070-A0A2-59CE-2422-56C6599A2950}"/>
-              </a:ext>
-            </a:extLst>
-          </p:cNvPr>
+            <a:endParaRPr lang="en-US" dirty="0"/>
+          </a:p>
+        </p:txBody>
+      </p:sp>
+      <p:sp>
+        <p:nvSpPr>
+          <p:cNvPr id="3" name="Vertical Text Placeholder 2"/>
           <p:cNvSpPr>
             <a:spLocks noGrp="1"/>
           </p:cNvSpPr>
@@ -601,12 +1123,12 @@
         </p:nvSpPr>
         <p:spPr>
           <a:xfrm>
-            <a:off x="838200" y="365125"/>
-            <a:ext cx="7734300" cy="5811838"/>
-          </a:xfrm>
-        </p:spPr>
-        <p:txBody>
-          <a:bodyPr vert="eaVert"/>
+            <a:off x="838200" y="414778"/>
+            <a:ext cx="7734300" cy="5757422"/>
+          </a:xfrm>
+        </p:spPr>
+        <p:txBody>
+          <a:bodyPr vert="eaVert" lIns="45720" tIns="0" rIns="45720" bIns="0"/>
           <a:lstStyle/>
           <a:p>
             <a:pPr lvl="0"/>
@@ -642,18 +1164,13 @@
               <a:rPr lang="en-US"/>
               <a:t>Fifth level</a:t>
             </a:r>
-          </a:p>
-        </p:txBody>
-      </p:sp>
-      <p:sp>
-        <p:nvSpPr>
-          <p:cNvPr id="4" name="Date Placeholder 3">
-            <a:extLst>
-              <a:ext uri="{FF2B5EF4-FFF2-40B4-BE49-F238E27FC236}">
-                <a16:creationId xmlns:a16="http://schemas.microsoft.com/office/drawing/2014/main" id="{151D61EB-AB45-2A8F-39B4-DCA4CFA3AFB8}"/>
-              </a:ext>
-            </a:extLst>
-          </p:cNvPr>
+            <a:endParaRPr lang="en-US" dirty="0"/>
+          </a:p>
+        </p:txBody>
+      </p:sp>
+      <p:sp>
+        <p:nvSpPr>
+          <p:cNvPr id="4" name="Date Placeholder 3"/>
           <p:cNvSpPr>
             <a:spLocks noGrp="1"/>
           </p:cNvSpPr>
@@ -666,7 +1183,7 @@
           <a:bodyPr/>
           <a:lstStyle/>
           <a:p>
-            <a:fld id="{F755C95E-9898-4742-9708-0CF6314E9C1F}" type="datetimeFigureOut">
+            <a:fld id="{43BED16E-430D-45B8-93C8-CBDFA6C9B808}" type="datetime1">
               <a:rPr lang="en-US" smtClean="0"/>
               <a:t>2023-01-16</a:t>
             </a:fld>
@@ -676,13 +1193,7 @@
       </p:sp>
       <p:sp>
         <p:nvSpPr>
-          <p:cNvPr id="5" name="Footer Placeholder 4">
-            <a:extLst>
-              <a:ext uri="{FF2B5EF4-FFF2-40B4-BE49-F238E27FC236}">
-                <a16:creationId xmlns:a16="http://schemas.microsoft.com/office/drawing/2014/main" id="{E9AF3FA4-FF89-0B00-E0F4-6DB770ECC699}"/>
-              </a:ext>
-            </a:extLst>
-          </p:cNvPr>
+          <p:cNvPr id="5" name="Footer Placeholder 4"/>
           <p:cNvSpPr>
             <a:spLocks noGrp="1"/>
           </p:cNvSpPr>
@@ -695,19 +1206,16 @@
           <a:bodyPr/>
           <a:lstStyle/>
           <a:p>
-            <a:endParaRPr lang="en-US"/>
-          </a:p>
-        </p:txBody>
-      </p:sp>
-      <p:sp>
-        <p:nvSpPr>
-          <p:cNvPr id="6" name="Slide Number Placeholder 5">
-            <a:extLst>
-              <a:ext uri="{FF2B5EF4-FFF2-40B4-BE49-F238E27FC236}">
-                <a16:creationId xmlns:a16="http://schemas.microsoft.com/office/drawing/2014/main" id="{C65A10A3-550A-6147-0FA5-847B15125BAC}"/>
-              </a:ext>
-            </a:extLst>
-          </p:cNvPr>
+            <a:r>
+              <a:rPr lang="en-US"/>
+              <a:t>Készítette: Toroczkai Attila</a:t>
+            </a:r>
+          </a:p>
+        </p:txBody>
+      </p:sp>
+      <p:sp>
+        <p:nvSpPr>
+          <p:cNvPr id="6" name="Slide Number Placeholder 5"/>
           <p:cNvSpPr>
             <a:spLocks noGrp="1"/>
           </p:cNvSpPr>
@@ -731,7 +1239,7 @@
     </p:spTree>
     <p:extLst>
       <p:ext uri="{BB962C8B-B14F-4D97-AF65-F5344CB8AC3E}">
-        <p14:creationId xmlns:p14="http://schemas.microsoft.com/office/powerpoint/2010/main" val="3463448521"/>
+        <p14:creationId xmlns:p14="http://schemas.microsoft.com/office/powerpoint/2010/main" val="261219405"/>
       </p:ext>
     </p:extLst>
   </p:cSld>
@@ -760,13 +1268,7 @@
       </p:grpSpPr>
       <p:sp>
         <p:nvSpPr>
-          <p:cNvPr id="2" name="Title 1">
-            <a:extLst>
-              <a:ext uri="{FF2B5EF4-FFF2-40B4-BE49-F238E27FC236}">
-                <a16:creationId xmlns:a16="http://schemas.microsoft.com/office/drawing/2014/main" id="{45E07AD1-2099-A967-2A55-62FFFE3B4C6F}"/>
-              </a:ext>
-            </a:extLst>
-          </p:cNvPr>
+          <p:cNvPr id="2" name="Title 1"/>
           <p:cNvSpPr>
             <a:spLocks noGrp="1"/>
           </p:cNvSpPr>
@@ -777,24 +1279,23 @@
         <p:spPr/>
         <p:txBody>
           <a:bodyPr/>
-          <a:lstStyle/>
+          <a:lstStyle>
+            <a:lvl1pPr marL="0">
+              <a:defRPr/>
+            </a:lvl1pPr>
+          </a:lstStyle>
           <a:p>
             <a:r>
               <a:rPr lang="en-US"/>
               <a:t>Click to edit Master title style</a:t>
             </a:r>
-          </a:p>
-        </p:txBody>
-      </p:sp>
-      <p:sp>
-        <p:nvSpPr>
-          <p:cNvPr id="3" name="Content Placeholder 2">
-            <a:extLst>
-              <a:ext uri="{FF2B5EF4-FFF2-40B4-BE49-F238E27FC236}">
-                <a16:creationId xmlns:a16="http://schemas.microsoft.com/office/drawing/2014/main" id="{7C3AAEA5-B7B1-F3EE-DCCB-1461C3114C16}"/>
-              </a:ext>
-            </a:extLst>
-          </p:cNvPr>
+            <a:endParaRPr lang="en-US" dirty="0"/>
+          </a:p>
+        </p:txBody>
+      </p:sp>
+      <p:sp>
+        <p:nvSpPr>
+          <p:cNvPr id="3" name="Content Placeholder 2"/>
           <p:cNvSpPr>
             <a:spLocks noGrp="1"/>
           </p:cNvSpPr>
@@ -840,18 +1341,13 @@
               <a:rPr lang="en-US"/>
               <a:t>Fifth level</a:t>
             </a:r>
-          </a:p>
-        </p:txBody>
-      </p:sp>
-      <p:sp>
-        <p:nvSpPr>
-          <p:cNvPr id="4" name="Date Placeholder 3">
-            <a:extLst>
-              <a:ext uri="{FF2B5EF4-FFF2-40B4-BE49-F238E27FC236}">
-                <a16:creationId xmlns:a16="http://schemas.microsoft.com/office/drawing/2014/main" id="{0A428B6E-68EA-610E-E99F-E58C6340A246}"/>
-              </a:ext>
-            </a:extLst>
-          </p:cNvPr>
+            <a:endParaRPr lang="en-US" dirty="0"/>
+          </a:p>
+        </p:txBody>
+      </p:sp>
+      <p:sp>
+        <p:nvSpPr>
+          <p:cNvPr id="4" name="Date Placeholder 3"/>
           <p:cNvSpPr>
             <a:spLocks noGrp="1"/>
           </p:cNvSpPr>
@@ -864,7 +1360,7 @@
           <a:bodyPr/>
           <a:lstStyle/>
           <a:p>
-            <a:fld id="{F755C95E-9898-4742-9708-0CF6314E9C1F}" type="datetimeFigureOut">
+            <a:fld id="{A22FB1B5-519E-415F-BD53-E704E4537F5D}" type="datetime1">
               <a:rPr lang="en-US" smtClean="0"/>
               <a:t>2023-01-16</a:t>
             </a:fld>
@@ -874,13 +1370,7 @@
       </p:sp>
       <p:sp>
         <p:nvSpPr>
-          <p:cNvPr id="5" name="Footer Placeholder 4">
-            <a:extLst>
-              <a:ext uri="{FF2B5EF4-FFF2-40B4-BE49-F238E27FC236}">
-                <a16:creationId xmlns:a16="http://schemas.microsoft.com/office/drawing/2014/main" id="{6FEE910D-22ED-F297-7564-F3BD38660C0A}"/>
-              </a:ext>
-            </a:extLst>
-          </p:cNvPr>
+          <p:cNvPr id="5" name="Footer Placeholder 4"/>
           <p:cNvSpPr>
             <a:spLocks noGrp="1"/>
           </p:cNvSpPr>
@@ -893,19 +1383,16 @@
           <a:bodyPr/>
           <a:lstStyle/>
           <a:p>
-            <a:endParaRPr lang="en-US"/>
-          </a:p>
-        </p:txBody>
-      </p:sp>
-      <p:sp>
-        <p:nvSpPr>
-          <p:cNvPr id="6" name="Slide Number Placeholder 5">
-            <a:extLst>
-              <a:ext uri="{FF2B5EF4-FFF2-40B4-BE49-F238E27FC236}">
-                <a16:creationId xmlns:a16="http://schemas.microsoft.com/office/drawing/2014/main" id="{6D2FDE55-34A1-393D-EEBA-67A104B3C166}"/>
-              </a:ext>
-            </a:extLst>
-          </p:cNvPr>
+            <a:r>
+              <a:rPr lang="en-US"/>
+              <a:t>Készítette: Toroczkai Attila</a:t>
+            </a:r>
+          </a:p>
+        </p:txBody>
+      </p:sp>
+      <p:sp>
+        <p:nvSpPr>
+          <p:cNvPr id="6" name="Slide Number Placeholder 5"/>
           <p:cNvSpPr>
             <a:spLocks noGrp="1"/>
           </p:cNvSpPr>
@@ -929,7 +1416,7 @@
     </p:spTree>
     <p:extLst>
       <p:ext uri="{BB962C8B-B14F-4D97-AF65-F5344CB8AC3E}">
-        <p14:creationId xmlns:p14="http://schemas.microsoft.com/office/powerpoint/2010/main" val="1835972711"/>
+        <p14:creationId xmlns:p14="http://schemas.microsoft.com/office/powerpoint/2010/main" val="2375365621"/>
       </p:ext>
     </p:extLst>
   </p:cSld>
@@ -940,8 +1427,16 @@
 </file>
 
 <file path=ppt/slideLayouts/slideLayout3.xml><?xml version="1.0" encoding="utf-8"?>
-<p:sldLayout xmlns:a="http://schemas.openxmlformats.org/drawingml/2006/main" xmlns:r="http://schemas.openxmlformats.org/officeDocument/2006/relationships" xmlns:p="http://schemas.openxmlformats.org/presentationml/2006/main" type="secHead" preserve="1">
+<p:sldLayout xmlns:a="http://schemas.openxmlformats.org/drawingml/2006/main" xmlns:r="http://schemas.openxmlformats.org/officeDocument/2006/relationships" xmlns:p="http://schemas.openxmlformats.org/presentationml/2006/main" showMasterSp="0" type="secHead" preserve="1">
   <p:cSld name="Section Header">
+    <p:bg>
+      <p:bgPr>
+        <a:solidFill>
+          <a:schemeClr val="bg1"/>
+        </a:solidFill>
+        <a:effectLst/>
+      </p:bgPr>
+    </p:bg>
     <p:spTree>
       <p:nvGrpSpPr>
         <p:cNvPr id="1" name=""/>
@@ -958,13 +1453,83 @@
       </p:grpSpPr>
       <p:sp>
         <p:nvSpPr>
-          <p:cNvPr id="2" name="Title 1">
-            <a:extLst>
-              <a:ext uri="{FF2B5EF4-FFF2-40B4-BE49-F238E27FC236}">
-                <a16:creationId xmlns:a16="http://schemas.microsoft.com/office/drawing/2014/main" id="{40D120D7-D43C-7094-E6C9-634E5B76FE22}"/>
-              </a:ext>
-            </a:extLst>
-          </p:cNvPr>
+          <p:cNvPr id="7" name="Rectangle 6"/>
+          <p:cNvSpPr/>
+          <p:nvPr/>
+        </p:nvSpPr>
+        <p:spPr>
+          <a:xfrm>
+            <a:off x="3175" y="6400800"/>
+            <a:ext cx="12188825" cy="457200"/>
+          </a:xfrm>
+          <a:prstGeom prst="rect">
+            <a:avLst/>
+          </a:prstGeom>
+          <a:solidFill>
+            <a:schemeClr val="accent2"/>
+          </a:solidFill>
+          <a:ln>
+            <a:noFill/>
+          </a:ln>
+        </p:spPr>
+        <p:style>
+          <a:lnRef idx="2">
+            <a:schemeClr val="accent1">
+              <a:shade val="50000"/>
+            </a:schemeClr>
+          </a:lnRef>
+          <a:fillRef idx="1">
+            <a:schemeClr val="accent1"/>
+          </a:fillRef>
+          <a:effectRef idx="0">
+            <a:schemeClr val="accent1"/>
+          </a:effectRef>
+          <a:fontRef idx="minor">
+            <a:schemeClr val="lt1"/>
+          </a:fontRef>
+        </p:style>
+      </p:sp>
+      <p:sp>
+        <p:nvSpPr>
+          <p:cNvPr id="8" name="Rectangle 7"/>
+          <p:cNvSpPr/>
+          <p:nvPr/>
+        </p:nvSpPr>
+        <p:spPr>
+          <a:xfrm>
+            <a:off x="15" y="6334316"/>
+            <a:ext cx="12188825" cy="64008"/>
+          </a:xfrm>
+          <a:prstGeom prst="rect">
+            <a:avLst/>
+          </a:prstGeom>
+          <a:solidFill>
+            <a:schemeClr val="accent1"/>
+          </a:solidFill>
+          <a:ln>
+            <a:noFill/>
+          </a:ln>
+        </p:spPr>
+        <p:style>
+          <a:lnRef idx="2">
+            <a:schemeClr val="accent1">
+              <a:shade val="50000"/>
+            </a:schemeClr>
+          </a:lnRef>
+          <a:fillRef idx="1">
+            <a:schemeClr val="accent1"/>
+          </a:fillRef>
+          <a:effectRef idx="0">
+            <a:schemeClr val="accent1"/>
+          </a:effectRef>
+          <a:fontRef idx="minor">
+            <a:schemeClr val="lt1"/>
+          </a:fontRef>
+        </p:style>
+      </p:sp>
+      <p:sp>
+        <p:nvSpPr>
+          <p:cNvPr id="2" name="Title 1"/>
           <p:cNvSpPr>
             <a:spLocks noGrp="1"/>
           </p:cNvSpPr>
@@ -974,63 +1539,71 @@
         </p:nvSpPr>
         <p:spPr>
           <a:xfrm>
-            <a:off x="831850" y="1709738"/>
-            <a:ext cx="10515600" cy="2852737"/>
-          </a:xfrm>
-        </p:spPr>
-        <p:txBody>
-          <a:bodyPr anchor="b"/>
+            <a:off x="1097280" y="758952"/>
+            <a:ext cx="10058400" cy="3566160"/>
+          </a:xfrm>
+        </p:spPr>
+        <p:txBody>
+          <a:bodyPr anchor="b" anchorCtr="0">
+            <a:normAutofit/>
+          </a:bodyPr>
           <a:lstStyle>
             <a:lvl1pPr>
-              <a:defRPr sz="6000"/>
-            </a:lvl1pPr>
-          </a:lstStyle>
-          <a:p>
-            <a:r>
-              <a:rPr lang="en-US"/>
-              <a:t>Click to edit Master title style</a:t>
-            </a:r>
-          </a:p>
-        </p:txBody>
-      </p:sp>
-      <p:sp>
-        <p:nvSpPr>
-          <p:cNvPr id="3" name="Text Placeholder 2">
-            <a:extLst>
-              <a:ext uri="{FF2B5EF4-FFF2-40B4-BE49-F238E27FC236}">
-                <a16:creationId xmlns:a16="http://schemas.microsoft.com/office/drawing/2014/main" id="{0EE84276-844A-B28B-EDC0-E36F67ED02CF}"/>
-              </a:ext>
-            </a:extLst>
-          </p:cNvPr>
-          <p:cNvSpPr>
-            <a:spLocks noGrp="1"/>
-          </p:cNvSpPr>
-          <p:nvPr>
-            <p:ph type="body" idx="1"/>
-          </p:nvPr>
-        </p:nvSpPr>
-        <p:spPr>
-          <a:xfrm>
-            <a:off x="831850" y="4589463"/>
-            <a:ext cx="10515600" cy="1500187"/>
-          </a:xfrm>
-        </p:spPr>
-        <p:txBody>
-          <a:bodyPr/>
-          <a:lstStyle>
-            <a:lvl1pPr marL="0" indent="0">
-              <a:buNone/>
-              <a:defRPr sz="2400">
+              <a:lnSpc>
+                <a:spcPct val="85000"/>
+              </a:lnSpc>
+              <a:defRPr sz="8000" b="0">
                 <a:solidFill>
                   <a:schemeClr val="tx1">
-                    <a:tint val="75000"/>
+                    <a:lumMod val="85000"/>
+                    <a:lumOff val="15000"/>
                   </a:schemeClr>
                 </a:solidFill>
               </a:defRPr>
             </a:lvl1pPr>
+          </a:lstStyle>
+          <a:p>
+            <a:r>
+              <a:rPr lang="en-US"/>
+              <a:t>Click to edit Master title style</a:t>
+            </a:r>
+            <a:endParaRPr lang="en-US" dirty="0"/>
+          </a:p>
+        </p:txBody>
+      </p:sp>
+      <p:sp>
+        <p:nvSpPr>
+          <p:cNvPr id="3" name="Text Placeholder 2"/>
+          <p:cNvSpPr>
+            <a:spLocks noGrp="1"/>
+          </p:cNvSpPr>
+          <p:nvPr>
+            <p:ph type="body" idx="1"/>
+          </p:nvPr>
+        </p:nvSpPr>
+        <p:spPr>
+          <a:xfrm>
+            <a:off x="1097280" y="4453128"/>
+            <a:ext cx="10058400" cy="1143000"/>
+          </a:xfrm>
+        </p:spPr>
+        <p:txBody>
+          <a:bodyPr lIns="91440" rIns="91440" anchor="t" anchorCtr="0">
+            <a:normAutofit/>
+          </a:bodyPr>
+          <a:lstStyle>
+            <a:lvl1pPr marL="0" indent="0">
+              <a:buNone/>
+              <a:defRPr sz="2400" cap="all" spc="200" baseline="0">
+                <a:solidFill>
+                  <a:schemeClr val="tx2"/>
+                </a:solidFill>
+                <a:latin typeface="+mj-lt"/>
+              </a:defRPr>
+            </a:lvl1pPr>
             <a:lvl2pPr marL="457200" indent="0">
               <a:buNone/>
-              <a:defRPr sz="2000">
+              <a:defRPr sz="1800">
                 <a:solidFill>
                   <a:schemeClr val="tx1">
                     <a:tint val="75000"/>
@@ -1040,7 +1613,7 @@
             </a:lvl2pPr>
             <a:lvl3pPr marL="914400" indent="0">
               <a:buNone/>
-              <a:defRPr sz="1800">
+              <a:defRPr sz="1600">
                 <a:solidFill>
                   <a:schemeClr val="tx1">
                     <a:tint val="75000"/>
@@ -1050,7 +1623,7 @@
             </a:lvl3pPr>
             <a:lvl4pPr marL="1371600" indent="0">
               <a:buNone/>
-              <a:defRPr sz="1600">
+              <a:defRPr sz="1400">
                 <a:solidFill>
                   <a:schemeClr val="tx1">
                     <a:tint val="75000"/>
@@ -1060,7 +1633,7 @@
             </a:lvl4pPr>
             <a:lvl5pPr marL="1828800" indent="0">
               <a:buNone/>
-              <a:defRPr sz="1600">
+              <a:defRPr sz="1400">
                 <a:solidFill>
                   <a:schemeClr val="tx1">
                     <a:tint val="75000"/>
@@ -1070,7 +1643,7 @@
             </a:lvl5pPr>
             <a:lvl6pPr marL="2286000" indent="0">
               <a:buNone/>
-              <a:defRPr sz="1600">
+              <a:defRPr sz="1400">
                 <a:solidFill>
                   <a:schemeClr val="tx1">
                     <a:tint val="75000"/>
@@ -1080,7 +1653,7 @@
             </a:lvl6pPr>
             <a:lvl7pPr marL="2743200" indent="0">
               <a:buNone/>
-              <a:defRPr sz="1600">
+              <a:defRPr sz="1400">
                 <a:solidFill>
                   <a:schemeClr val="tx1">
                     <a:tint val="75000"/>
@@ -1090,7 +1663,7 @@
             </a:lvl7pPr>
             <a:lvl8pPr marL="3200400" indent="0">
               <a:buNone/>
-              <a:defRPr sz="1600">
+              <a:defRPr sz="1400">
                 <a:solidFill>
                   <a:schemeClr val="tx1">
                     <a:tint val="75000"/>
@@ -1100,7 +1673,7 @@
             </a:lvl8pPr>
             <a:lvl9pPr marL="3657600" indent="0">
               <a:buNone/>
-              <a:defRPr sz="1600">
+              <a:defRPr sz="1400">
                 <a:solidFill>
                   <a:schemeClr val="tx1">
                     <a:tint val="75000"/>
@@ -1120,13 +1693,7 @@
       </p:sp>
       <p:sp>
         <p:nvSpPr>
-          <p:cNvPr id="4" name="Date Placeholder 3">
-            <a:extLst>
-              <a:ext uri="{FF2B5EF4-FFF2-40B4-BE49-F238E27FC236}">
-                <a16:creationId xmlns:a16="http://schemas.microsoft.com/office/drawing/2014/main" id="{CCA0F1A5-5437-5579-83DA-719D978DDBE3}"/>
-              </a:ext>
-            </a:extLst>
-          </p:cNvPr>
+          <p:cNvPr id="4" name="Date Placeholder 3"/>
           <p:cNvSpPr>
             <a:spLocks noGrp="1"/>
           </p:cNvSpPr>
@@ -1139,7 +1706,7 @@
           <a:bodyPr/>
           <a:lstStyle/>
           <a:p>
-            <a:fld id="{F755C95E-9898-4742-9708-0CF6314E9C1F}" type="datetimeFigureOut">
+            <a:fld id="{E540FA49-596B-44E9-B4A7-14AB2A0843DD}" type="datetime1">
               <a:rPr lang="en-US" smtClean="0"/>
               <a:t>2023-01-16</a:t>
             </a:fld>
@@ -1149,13 +1716,7 @@
       </p:sp>
       <p:sp>
         <p:nvSpPr>
-          <p:cNvPr id="5" name="Footer Placeholder 4">
-            <a:extLst>
-              <a:ext uri="{FF2B5EF4-FFF2-40B4-BE49-F238E27FC236}">
-                <a16:creationId xmlns:a16="http://schemas.microsoft.com/office/drawing/2014/main" id="{CE1EA23C-2E5F-6787-4DD3-6580069BA65E}"/>
-              </a:ext>
-            </a:extLst>
-          </p:cNvPr>
+          <p:cNvPr id="5" name="Footer Placeholder 4"/>
           <p:cNvSpPr>
             <a:spLocks noGrp="1"/>
           </p:cNvSpPr>
@@ -1168,19 +1729,16 @@
           <a:bodyPr/>
           <a:lstStyle/>
           <a:p>
-            <a:endParaRPr lang="en-US"/>
-          </a:p>
-        </p:txBody>
-      </p:sp>
-      <p:sp>
-        <p:nvSpPr>
-          <p:cNvPr id="6" name="Slide Number Placeholder 5">
-            <a:extLst>
-              <a:ext uri="{FF2B5EF4-FFF2-40B4-BE49-F238E27FC236}">
-                <a16:creationId xmlns:a16="http://schemas.microsoft.com/office/drawing/2014/main" id="{17A59377-3D6C-1E2D-A3B7-F7E18F30E57D}"/>
-              </a:ext>
-            </a:extLst>
-          </p:cNvPr>
+            <a:r>
+              <a:rPr lang="en-US"/>
+              <a:t>Készítette: Toroczkai Attila</a:t>
+            </a:r>
+          </a:p>
+        </p:txBody>
+      </p:sp>
+      <p:sp>
+        <p:nvSpPr>
+          <p:cNvPr id="6" name="Slide Number Placeholder 5"/>
           <p:cNvSpPr>
             <a:spLocks noGrp="1"/>
           </p:cNvSpPr>
@@ -1201,10 +1759,48 @@
           </a:p>
         </p:txBody>
       </p:sp>
+      <p:cxnSp>
+        <p:nvCxnSpPr>
+          <p:cNvPr id="9" name="Straight Connector 8"/>
+          <p:cNvCxnSpPr/>
+          <p:nvPr/>
+        </p:nvCxnSpPr>
+        <p:spPr>
+          <a:xfrm>
+            <a:off x="1207658" y="4343400"/>
+            <a:ext cx="9875520" cy="0"/>
+          </a:xfrm>
+          <a:prstGeom prst="line">
+            <a:avLst/>
+          </a:prstGeom>
+          <a:ln w="6350">
+            <a:solidFill>
+              <a:schemeClr val="tx1">
+                <a:lumMod val="50000"/>
+                <a:lumOff val="50000"/>
+              </a:schemeClr>
+            </a:solidFill>
+          </a:ln>
+        </p:spPr>
+        <p:style>
+          <a:lnRef idx="1">
+            <a:schemeClr val="accent1"/>
+          </a:lnRef>
+          <a:fillRef idx="0">
+            <a:schemeClr val="accent1"/>
+          </a:fillRef>
+          <a:effectRef idx="0">
+            <a:schemeClr val="accent1"/>
+          </a:effectRef>
+          <a:fontRef idx="minor">
+            <a:schemeClr val="tx1"/>
+          </a:fontRef>
+        </p:style>
+      </p:cxnSp>
     </p:spTree>
     <p:extLst>
       <p:ext uri="{BB962C8B-B14F-4D97-AF65-F5344CB8AC3E}">
-        <p14:creationId xmlns:p14="http://schemas.microsoft.com/office/powerpoint/2010/main" val="3388369819"/>
+        <p14:creationId xmlns:p14="http://schemas.microsoft.com/office/powerpoint/2010/main" val="666085592"/>
       </p:ext>
     </p:extLst>
   </p:cSld>
@@ -1233,13 +1829,7 @@
       </p:grpSpPr>
       <p:sp>
         <p:nvSpPr>
-          <p:cNvPr id="2" name="Title 1">
-            <a:extLst>
-              <a:ext uri="{FF2B5EF4-FFF2-40B4-BE49-F238E27FC236}">
-                <a16:creationId xmlns:a16="http://schemas.microsoft.com/office/drawing/2014/main" id="{140BDF42-DFE2-40CA-4C01-D24EAF969DF0}"/>
-              </a:ext>
-            </a:extLst>
-          </p:cNvPr>
+          <p:cNvPr id="8" name="Title 7"/>
           <p:cNvSpPr>
             <a:spLocks noGrp="1"/>
           </p:cNvSpPr>
@@ -1247,164 +1837,154 @@
             <p:ph type="title"/>
           </p:nvPr>
         </p:nvSpPr>
+        <p:spPr>
+          <a:xfrm>
+            <a:off x="1097280" y="286603"/>
+            <a:ext cx="10058400" cy="1450757"/>
+          </a:xfrm>
+        </p:spPr>
+        <p:txBody>
+          <a:bodyPr/>
+          <a:lstStyle/>
+          <a:p>
+            <a:r>
+              <a:rPr lang="en-US"/>
+              <a:t>Click to edit Master title style</a:t>
+            </a:r>
+            <a:endParaRPr lang="en-US" dirty="0"/>
+          </a:p>
+        </p:txBody>
+      </p:sp>
+      <p:sp>
+        <p:nvSpPr>
+          <p:cNvPr id="3" name="Content Placeholder 2"/>
+          <p:cNvSpPr>
+            <a:spLocks noGrp="1"/>
+          </p:cNvSpPr>
+          <p:nvPr>
+            <p:ph sz="half" idx="1"/>
+          </p:nvPr>
+        </p:nvSpPr>
+        <p:spPr>
+          <a:xfrm>
+            <a:off x="1097279" y="1845734"/>
+            <a:ext cx="4937760" cy="4023360"/>
+          </a:xfrm>
+        </p:spPr>
+        <p:txBody>
+          <a:bodyPr/>
+          <a:lstStyle/>
+          <a:p>
+            <a:pPr lvl="0"/>
+            <a:r>
+              <a:rPr lang="en-US"/>
+              <a:t>Click to edit Master text styles</a:t>
+            </a:r>
+          </a:p>
+          <a:p>
+            <a:pPr lvl="1"/>
+            <a:r>
+              <a:rPr lang="en-US"/>
+              <a:t>Second level</a:t>
+            </a:r>
+          </a:p>
+          <a:p>
+            <a:pPr lvl="2"/>
+            <a:r>
+              <a:rPr lang="en-US"/>
+              <a:t>Third level</a:t>
+            </a:r>
+          </a:p>
+          <a:p>
+            <a:pPr lvl="3"/>
+            <a:r>
+              <a:rPr lang="en-US"/>
+              <a:t>Fourth level</a:t>
+            </a:r>
+          </a:p>
+          <a:p>
+            <a:pPr lvl="4"/>
+            <a:r>
+              <a:rPr lang="en-US"/>
+              <a:t>Fifth level</a:t>
+            </a:r>
+            <a:endParaRPr lang="en-US" dirty="0"/>
+          </a:p>
+        </p:txBody>
+      </p:sp>
+      <p:sp>
+        <p:nvSpPr>
+          <p:cNvPr id="4" name="Content Placeholder 3"/>
+          <p:cNvSpPr>
+            <a:spLocks noGrp="1"/>
+          </p:cNvSpPr>
+          <p:nvPr>
+            <p:ph sz="half" idx="2"/>
+          </p:nvPr>
+        </p:nvSpPr>
+        <p:spPr>
+          <a:xfrm>
+            <a:off x="6217920" y="1845735"/>
+            <a:ext cx="4937760" cy="4023360"/>
+          </a:xfrm>
+        </p:spPr>
+        <p:txBody>
+          <a:bodyPr/>
+          <a:lstStyle/>
+          <a:p>
+            <a:pPr lvl="0"/>
+            <a:r>
+              <a:rPr lang="en-US"/>
+              <a:t>Click to edit Master text styles</a:t>
+            </a:r>
+          </a:p>
+          <a:p>
+            <a:pPr lvl="1"/>
+            <a:r>
+              <a:rPr lang="en-US"/>
+              <a:t>Second level</a:t>
+            </a:r>
+          </a:p>
+          <a:p>
+            <a:pPr lvl="2"/>
+            <a:r>
+              <a:rPr lang="en-US"/>
+              <a:t>Third level</a:t>
+            </a:r>
+          </a:p>
+          <a:p>
+            <a:pPr lvl="3"/>
+            <a:r>
+              <a:rPr lang="en-US"/>
+              <a:t>Fourth level</a:t>
+            </a:r>
+          </a:p>
+          <a:p>
+            <a:pPr lvl="4"/>
+            <a:r>
+              <a:rPr lang="en-US"/>
+              <a:t>Fifth level</a:t>
+            </a:r>
+            <a:endParaRPr lang="en-US" dirty="0"/>
+          </a:p>
+        </p:txBody>
+      </p:sp>
+      <p:sp>
+        <p:nvSpPr>
+          <p:cNvPr id="5" name="Date Placeholder 4"/>
+          <p:cNvSpPr>
+            <a:spLocks noGrp="1"/>
+          </p:cNvSpPr>
+          <p:nvPr>
+            <p:ph type="dt" sz="half" idx="10"/>
+          </p:nvPr>
+        </p:nvSpPr>
         <p:spPr/>
         <p:txBody>
           <a:bodyPr/>
           <a:lstStyle/>
           <a:p>
-            <a:r>
-              <a:rPr lang="en-US"/>
-              <a:t>Click to edit Master title style</a:t>
-            </a:r>
-          </a:p>
-        </p:txBody>
-      </p:sp>
-      <p:sp>
-        <p:nvSpPr>
-          <p:cNvPr id="3" name="Content Placeholder 2">
-            <a:extLst>
-              <a:ext uri="{FF2B5EF4-FFF2-40B4-BE49-F238E27FC236}">
-                <a16:creationId xmlns:a16="http://schemas.microsoft.com/office/drawing/2014/main" id="{C4A5DC6C-E099-D10E-2EE0-A8ACC4B2D951}"/>
-              </a:ext>
-            </a:extLst>
-          </p:cNvPr>
-          <p:cNvSpPr>
-            <a:spLocks noGrp="1"/>
-          </p:cNvSpPr>
-          <p:nvPr>
-            <p:ph sz="half" idx="1"/>
-          </p:nvPr>
-        </p:nvSpPr>
-        <p:spPr>
-          <a:xfrm>
-            <a:off x="838200" y="1825625"/>
-            <a:ext cx="5181600" cy="4351338"/>
-          </a:xfrm>
-        </p:spPr>
-        <p:txBody>
-          <a:bodyPr/>
-          <a:lstStyle/>
-          <a:p>
-            <a:pPr lvl="0"/>
-            <a:r>
-              <a:rPr lang="en-US"/>
-              <a:t>Click to edit Master text styles</a:t>
-            </a:r>
-          </a:p>
-          <a:p>
-            <a:pPr lvl="1"/>
-            <a:r>
-              <a:rPr lang="en-US"/>
-              <a:t>Second level</a:t>
-            </a:r>
-          </a:p>
-          <a:p>
-            <a:pPr lvl="2"/>
-            <a:r>
-              <a:rPr lang="en-US"/>
-              <a:t>Third level</a:t>
-            </a:r>
-          </a:p>
-          <a:p>
-            <a:pPr lvl="3"/>
-            <a:r>
-              <a:rPr lang="en-US"/>
-              <a:t>Fourth level</a:t>
-            </a:r>
-          </a:p>
-          <a:p>
-            <a:pPr lvl="4"/>
-            <a:r>
-              <a:rPr lang="en-US"/>
-              <a:t>Fifth level</a:t>
-            </a:r>
-          </a:p>
-        </p:txBody>
-      </p:sp>
-      <p:sp>
-        <p:nvSpPr>
-          <p:cNvPr id="4" name="Content Placeholder 3">
-            <a:extLst>
-              <a:ext uri="{FF2B5EF4-FFF2-40B4-BE49-F238E27FC236}">
-                <a16:creationId xmlns:a16="http://schemas.microsoft.com/office/drawing/2014/main" id="{0F33C345-1BC7-87CE-4DB7-946C8FD30919}"/>
-              </a:ext>
-            </a:extLst>
-          </p:cNvPr>
-          <p:cNvSpPr>
-            <a:spLocks noGrp="1"/>
-          </p:cNvSpPr>
-          <p:nvPr>
-            <p:ph sz="half" idx="2"/>
-          </p:nvPr>
-        </p:nvSpPr>
-        <p:spPr>
-          <a:xfrm>
-            <a:off x="6172200" y="1825625"/>
-            <a:ext cx="5181600" cy="4351338"/>
-          </a:xfrm>
-        </p:spPr>
-        <p:txBody>
-          <a:bodyPr/>
-          <a:lstStyle/>
-          <a:p>
-            <a:pPr lvl="0"/>
-            <a:r>
-              <a:rPr lang="en-US"/>
-              <a:t>Click to edit Master text styles</a:t>
-            </a:r>
-          </a:p>
-          <a:p>
-            <a:pPr lvl="1"/>
-            <a:r>
-              <a:rPr lang="en-US"/>
-              <a:t>Second level</a:t>
-            </a:r>
-          </a:p>
-          <a:p>
-            <a:pPr lvl="2"/>
-            <a:r>
-              <a:rPr lang="en-US"/>
-              <a:t>Third level</a:t>
-            </a:r>
-          </a:p>
-          <a:p>
-            <a:pPr lvl="3"/>
-            <a:r>
-              <a:rPr lang="en-US"/>
-              <a:t>Fourth level</a:t>
-            </a:r>
-          </a:p>
-          <a:p>
-            <a:pPr lvl="4"/>
-            <a:r>
-              <a:rPr lang="en-US"/>
-              <a:t>Fifth level</a:t>
-            </a:r>
-          </a:p>
-        </p:txBody>
-      </p:sp>
-      <p:sp>
-        <p:nvSpPr>
-          <p:cNvPr id="5" name="Date Placeholder 4">
-            <a:extLst>
-              <a:ext uri="{FF2B5EF4-FFF2-40B4-BE49-F238E27FC236}">
-                <a16:creationId xmlns:a16="http://schemas.microsoft.com/office/drawing/2014/main" id="{E6671294-89CC-EFC5-70AC-4254AF096D05}"/>
-              </a:ext>
-            </a:extLst>
-          </p:cNvPr>
-          <p:cNvSpPr>
-            <a:spLocks noGrp="1"/>
-          </p:cNvSpPr>
-          <p:nvPr>
-            <p:ph type="dt" sz="half" idx="10"/>
-          </p:nvPr>
-        </p:nvSpPr>
-        <p:spPr/>
-        <p:txBody>
-          <a:bodyPr/>
-          <a:lstStyle/>
-          <a:p>
-            <a:fld id="{F755C95E-9898-4742-9708-0CF6314E9C1F}" type="datetimeFigureOut">
+            <a:fld id="{4FBFCC6F-9B3F-4174-9278-743144818241}" type="datetime1">
               <a:rPr lang="en-US" smtClean="0"/>
               <a:t>2023-01-16</a:t>
             </a:fld>
@@ -1414,13 +1994,7 @@
       </p:sp>
       <p:sp>
         <p:nvSpPr>
-          <p:cNvPr id="6" name="Footer Placeholder 5">
-            <a:extLst>
-              <a:ext uri="{FF2B5EF4-FFF2-40B4-BE49-F238E27FC236}">
-                <a16:creationId xmlns:a16="http://schemas.microsoft.com/office/drawing/2014/main" id="{4691637C-47C7-8DC4-5551-1033E8178E5F}"/>
-              </a:ext>
-            </a:extLst>
-          </p:cNvPr>
+          <p:cNvPr id="6" name="Footer Placeholder 5"/>
           <p:cNvSpPr>
             <a:spLocks noGrp="1"/>
           </p:cNvSpPr>
@@ -1433,19 +2007,16 @@
           <a:bodyPr/>
           <a:lstStyle/>
           <a:p>
-            <a:endParaRPr lang="en-US"/>
-          </a:p>
-        </p:txBody>
-      </p:sp>
-      <p:sp>
-        <p:nvSpPr>
-          <p:cNvPr id="7" name="Slide Number Placeholder 6">
-            <a:extLst>
-              <a:ext uri="{FF2B5EF4-FFF2-40B4-BE49-F238E27FC236}">
-                <a16:creationId xmlns:a16="http://schemas.microsoft.com/office/drawing/2014/main" id="{1CF33A44-0DC2-F5A1-202A-872C477DF14A}"/>
-              </a:ext>
-            </a:extLst>
-          </p:cNvPr>
+            <a:r>
+              <a:rPr lang="en-US"/>
+              <a:t>Készítette: Toroczkai Attila</a:t>
+            </a:r>
+          </a:p>
+        </p:txBody>
+      </p:sp>
+      <p:sp>
+        <p:nvSpPr>
+          <p:cNvPr id="7" name="Slide Number Placeholder 6"/>
           <p:cNvSpPr>
             <a:spLocks noGrp="1"/>
           </p:cNvSpPr>
@@ -1469,7 +2040,7 @@
     </p:spTree>
     <p:extLst>
       <p:ext uri="{BB962C8B-B14F-4D97-AF65-F5344CB8AC3E}">
-        <p14:creationId xmlns:p14="http://schemas.microsoft.com/office/powerpoint/2010/main" val="2560071954"/>
+        <p14:creationId xmlns:p14="http://schemas.microsoft.com/office/powerpoint/2010/main" val="4066195210"/>
       </p:ext>
     </p:extLst>
   </p:cSld>
@@ -1498,13 +2069,7 @@
       </p:grpSpPr>
       <p:sp>
         <p:nvSpPr>
-          <p:cNvPr id="2" name="Title 1">
-            <a:extLst>
-              <a:ext uri="{FF2B5EF4-FFF2-40B4-BE49-F238E27FC236}">
-                <a16:creationId xmlns:a16="http://schemas.microsoft.com/office/drawing/2014/main" id="{D3743D91-07C7-29F1-C3FA-FC09EEDFF749}"/>
-              </a:ext>
-            </a:extLst>
-          </p:cNvPr>
+          <p:cNvPr id="10" name="Title 9"/>
           <p:cNvSpPr>
             <a:spLocks noGrp="1"/>
           </p:cNvSpPr>
@@ -1514,8 +2079,8 @@
         </p:nvSpPr>
         <p:spPr>
           <a:xfrm>
-            <a:off x="839788" y="365125"/>
-            <a:ext cx="10515600" cy="1325563"/>
+            <a:off x="1097280" y="286603"/>
+            <a:ext cx="10058400" cy="1450757"/>
           </a:xfrm>
         </p:spPr>
         <p:txBody>
@@ -1526,18 +2091,13 @@
               <a:rPr lang="en-US"/>
               <a:t>Click to edit Master title style</a:t>
             </a:r>
-          </a:p>
-        </p:txBody>
-      </p:sp>
-      <p:sp>
-        <p:nvSpPr>
-          <p:cNvPr id="3" name="Text Placeholder 2">
-            <a:extLst>
-              <a:ext uri="{FF2B5EF4-FFF2-40B4-BE49-F238E27FC236}">
-                <a16:creationId xmlns:a16="http://schemas.microsoft.com/office/drawing/2014/main" id="{EBB6FD6E-3A62-D433-2D96-31C0E10BFEE8}"/>
-              </a:ext>
-            </a:extLst>
-          </p:cNvPr>
+            <a:endParaRPr lang="en-US" dirty="0"/>
+          </a:p>
+        </p:txBody>
+      </p:sp>
+      <p:sp>
+        <p:nvSpPr>
+          <p:cNvPr id="3" name="Text Placeholder 2"/>
           <p:cNvSpPr>
             <a:spLocks noGrp="1"/>
           </p:cNvSpPr>
@@ -1547,16 +2107,22 @@
         </p:nvSpPr>
         <p:spPr>
           <a:xfrm>
-            <a:off x="839788" y="1681163"/>
-            <a:ext cx="5157787" cy="823912"/>
-          </a:xfrm>
-        </p:spPr>
-        <p:txBody>
-          <a:bodyPr anchor="b"/>
+            <a:off x="1097280" y="1846052"/>
+            <a:ext cx="4937760" cy="736282"/>
+          </a:xfrm>
+        </p:spPr>
+        <p:txBody>
+          <a:bodyPr lIns="91440" rIns="91440" anchor="ctr">
+            <a:normAutofit/>
+          </a:bodyPr>
           <a:lstStyle>
             <a:lvl1pPr marL="0" indent="0">
               <a:buNone/>
-              <a:defRPr sz="2400" b="1"/>
+              <a:defRPr sz="2000" b="0" cap="all" baseline="0">
+                <a:solidFill>
+                  <a:schemeClr val="tx2"/>
+                </a:solidFill>
+              </a:defRPr>
             </a:lvl1pPr>
             <a:lvl2pPr marL="457200" indent="0">
               <a:buNone/>
@@ -1602,13 +2168,7 @@
       </p:sp>
       <p:sp>
         <p:nvSpPr>
-          <p:cNvPr id="4" name="Content Placeholder 3">
-            <a:extLst>
-              <a:ext uri="{FF2B5EF4-FFF2-40B4-BE49-F238E27FC236}">
-                <a16:creationId xmlns:a16="http://schemas.microsoft.com/office/drawing/2014/main" id="{ECA3AE4D-C4DE-34DD-2042-B954F4CA1AFE}"/>
-              </a:ext>
-            </a:extLst>
-          </p:cNvPr>
+          <p:cNvPr id="4" name="Content Placeholder 3"/>
           <p:cNvSpPr>
             <a:spLocks noGrp="1"/>
           </p:cNvSpPr>
@@ -1618,8 +2178,8 @@
         </p:nvSpPr>
         <p:spPr>
           <a:xfrm>
-            <a:off x="839788" y="2505075"/>
-            <a:ext cx="5157787" cy="3684588"/>
+            <a:off x="1097280" y="2582334"/>
+            <a:ext cx="4937760" cy="3378200"/>
           </a:xfrm>
         </p:spPr>
         <p:txBody>
@@ -1659,18 +2219,13 @@
               <a:rPr lang="en-US"/>
               <a:t>Fifth level</a:t>
             </a:r>
-          </a:p>
-        </p:txBody>
-      </p:sp>
-      <p:sp>
-        <p:nvSpPr>
-          <p:cNvPr id="5" name="Text Placeholder 4">
-            <a:extLst>
-              <a:ext uri="{FF2B5EF4-FFF2-40B4-BE49-F238E27FC236}">
-                <a16:creationId xmlns:a16="http://schemas.microsoft.com/office/drawing/2014/main" id="{2CDB1248-C45A-CFF4-0636-83ED3718E2C2}"/>
-              </a:ext>
-            </a:extLst>
-          </p:cNvPr>
+            <a:endParaRPr lang="en-US" dirty="0"/>
+          </a:p>
+        </p:txBody>
+      </p:sp>
+      <p:sp>
+        <p:nvSpPr>
+          <p:cNvPr id="5" name="Text Placeholder 4"/>
           <p:cNvSpPr>
             <a:spLocks noGrp="1"/>
           </p:cNvSpPr>
@@ -1680,16 +2235,22 @@
         </p:nvSpPr>
         <p:spPr>
           <a:xfrm>
-            <a:off x="6172200" y="1681163"/>
-            <a:ext cx="5183188" cy="823912"/>
-          </a:xfrm>
-        </p:spPr>
-        <p:txBody>
-          <a:bodyPr anchor="b"/>
+            <a:off x="6217920" y="1846052"/>
+            <a:ext cx="4937760" cy="736282"/>
+          </a:xfrm>
+        </p:spPr>
+        <p:txBody>
+          <a:bodyPr lIns="91440" rIns="91440" anchor="ctr">
+            <a:normAutofit/>
+          </a:bodyPr>
           <a:lstStyle>
             <a:lvl1pPr marL="0" indent="0">
               <a:buNone/>
-              <a:defRPr sz="2400" b="1"/>
+              <a:defRPr sz="2000" b="0" cap="all" baseline="0">
+                <a:solidFill>
+                  <a:schemeClr val="tx2"/>
+                </a:solidFill>
+              </a:defRPr>
             </a:lvl1pPr>
             <a:lvl2pPr marL="457200" indent="0">
               <a:buNone/>
@@ -1735,13 +2296,7 @@
       </p:sp>
       <p:sp>
         <p:nvSpPr>
-          <p:cNvPr id="6" name="Content Placeholder 5">
-            <a:extLst>
-              <a:ext uri="{FF2B5EF4-FFF2-40B4-BE49-F238E27FC236}">
-                <a16:creationId xmlns:a16="http://schemas.microsoft.com/office/drawing/2014/main" id="{7AC31197-1523-02F9-F569-C46692E02BB9}"/>
-              </a:ext>
-            </a:extLst>
-          </p:cNvPr>
+          <p:cNvPr id="6" name="Content Placeholder 5"/>
           <p:cNvSpPr>
             <a:spLocks noGrp="1"/>
           </p:cNvSpPr>
@@ -1751,8 +2306,8 @@
         </p:nvSpPr>
         <p:spPr>
           <a:xfrm>
-            <a:off x="6172200" y="2505075"/>
-            <a:ext cx="5183188" cy="3684588"/>
+            <a:off x="6217920" y="2582334"/>
+            <a:ext cx="4937760" cy="3378200"/>
           </a:xfrm>
         </p:spPr>
         <p:txBody>
@@ -1792,18 +2347,13 @@
               <a:rPr lang="en-US"/>
               <a:t>Fifth level</a:t>
             </a:r>
-          </a:p>
-        </p:txBody>
-      </p:sp>
-      <p:sp>
-        <p:nvSpPr>
-          <p:cNvPr id="7" name="Date Placeholder 6">
-            <a:extLst>
-              <a:ext uri="{FF2B5EF4-FFF2-40B4-BE49-F238E27FC236}">
-                <a16:creationId xmlns:a16="http://schemas.microsoft.com/office/drawing/2014/main" id="{C417401C-80B2-4030-1DC0-C118466B1B6B}"/>
-              </a:ext>
-            </a:extLst>
-          </p:cNvPr>
+            <a:endParaRPr lang="en-US" dirty="0"/>
+          </a:p>
+        </p:txBody>
+      </p:sp>
+      <p:sp>
+        <p:nvSpPr>
+          <p:cNvPr id="7" name="Date Placeholder 6"/>
           <p:cNvSpPr>
             <a:spLocks noGrp="1"/>
           </p:cNvSpPr>
@@ -1816,7 +2366,7 @@
           <a:bodyPr/>
           <a:lstStyle/>
           <a:p>
-            <a:fld id="{F755C95E-9898-4742-9708-0CF6314E9C1F}" type="datetimeFigureOut">
+            <a:fld id="{5E6711CC-B739-4869-80F9-208C5B414332}" type="datetime1">
               <a:rPr lang="en-US" smtClean="0"/>
               <a:t>2023-01-16</a:t>
             </a:fld>
@@ -1826,13 +2376,7 @@
       </p:sp>
       <p:sp>
         <p:nvSpPr>
-          <p:cNvPr id="8" name="Footer Placeholder 7">
-            <a:extLst>
-              <a:ext uri="{FF2B5EF4-FFF2-40B4-BE49-F238E27FC236}">
-                <a16:creationId xmlns:a16="http://schemas.microsoft.com/office/drawing/2014/main" id="{1C1FB6B5-604F-3BE1-EEF1-842F6F84E2BC}"/>
-              </a:ext>
-            </a:extLst>
-          </p:cNvPr>
+          <p:cNvPr id="8" name="Footer Placeholder 7"/>
           <p:cNvSpPr>
             <a:spLocks noGrp="1"/>
           </p:cNvSpPr>
@@ -1845,19 +2389,16 @@
           <a:bodyPr/>
           <a:lstStyle/>
           <a:p>
-            <a:endParaRPr lang="en-US"/>
-          </a:p>
-        </p:txBody>
-      </p:sp>
-      <p:sp>
-        <p:nvSpPr>
-          <p:cNvPr id="9" name="Slide Number Placeholder 8">
-            <a:extLst>
-              <a:ext uri="{FF2B5EF4-FFF2-40B4-BE49-F238E27FC236}">
-                <a16:creationId xmlns:a16="http://schemas.microsoft.com/office/drawing/2014/main" id="{94A86863-6DFD-983A-1F33-9C63430D22E3}"/>
-              </a:ext>
-            </a:extLst>
-          </p:cNvPr>
+            <a:r>
+              <a:rPr lang="en-US"/>
+              <a:t>Készítette: Toroczkai Attila</a:t>
+            </a:r>
+          </a:p>
+        </p:txBody>
+      </p:sp>
+      <p:sp>
+        <p:nvSpPr>
+          <p:cNvPr id="9" name="Slide Number Placeholder 8"/>
           <p:cNvSpPr>
             <a:spLocks noGrp="1"/>
           </p:cNvSpPr>
@@ -1881,7 +2422,7 @@
     </p:spTree>
     <p:extLst>
       <p:ext uri="{BB962C8B-B14F-4D97-AF65-F5344CB8AC3E}">
-        <p14:creationId xmlns:p14="http://schemas.microsoft.com/office/powerpoint/2010/main" val="3833005437"/>
+        <p14:creationId xmlns:p14="http://schemas.microsoft.com/office/powerpoint/2010/main" val="2808656281"/>
       </p:ext>
     </p:extLst>
   </p:cSld>
@@ -1910,13 +2451,7 @@
       </p:grpSpPr>
       <p:sp>
         <p:nvSpPr>
-          <p:cNvPr id="2" name="Title 1">
-            <a:extLst>
-              <a:ext uri="{FF2B5EF4-FFF2-40B4-BE49-F238E27FC236}">
-                <a16:creationId xmlns:a16="http://schemas.microsoft.com/office/drawing/2014/main" id="{736E1916-C487-0D11-62ED-6D63090DFFC1}"/>
-              </a:ext>
-            </a:extLst>
-          </p:cNvPr>
+          <p:cNvPr id="2" name="Title 1"/>
           <p:cNvSpPr>
             <a:spLocks noGrp="1"/>
           </p:cNvSpPr>
@@ -1933,18 +2468,13 @@
               <a:rPr lang="en-US"/>
               <a:t>Click to edit Master title style</a:t>
             </a:r>
-          </a:p>
-        </p:txBody>
-      </p:sp>
-      <p:sp>
-        <p:nvSpPr>
-          <p:cNvPr id="3" name="Date Placeholder 2">
-            <a:extLst>
-              <a:ext uri="{FF2B5EF4-FFF2-40B4-BE49-F238E27FC236}">
-                <a16:creationId xmlns:a16="http://schemas.microsoft.com/office/drawing/2014/main" id="{FB27BC0D-1244-0447-635E-692B2D7BEF7C}"/>
-              </a:ext>
-            </a:extLst>
-          </p:cNvPr>
+            <a:endParaRPr lang="en-US" dirty="0"/>
+          </a:p>
+        </p:txBody>
+      </p:sp>
+      <p:sp>
+        <p:nvSpPr>
+          <p:cNvPr id="3" name="Date Placeholder 2"/>
           <p:cNvSpPr>
             <a:spLocks noGrp="1"/>
           </p:cNvSpPr>
@@ -1957,7 +2487,7 @@
           <a:bodyPr/>
           <a:lstStyle/>
           <a:p>
-            <a:fld id="{F755C95E-9898-4742-9708-0CF6314E9C1F}" type="datetimeFigureOut">
+            <a:fld id="{079B3E8C-F6B7-4AEB-8FBD-7F3C5F08A52D}" type="datetime1">
               <a:rPr lang="en-US" smtClean="0"/>
               <a:t>2023-01-16</a:t>
             </a:fld>
@@ -1967,13 +2497,7 @@
       </p:sp>
       <p:sp>
         <p:nvSpPr>
-          <p:cNvPr id="4" name="Footer Placeholder 3">
-            <a:extLst>
-              <a:ext uri="{FF2B5EF4-FFF2-40B4-BE49-F238E27FC236}">
-                <a16:creationId xmlns:a16="http://schemas.microsoft.com/office/drawing/2014/main" id="{1DE816F2-84CF-2E7B-B999-6C83B8BFEFA0}"/>
-              </a:ext>
-            </a:extLst>
-          </p:cNvPr>
+          <p:cNvPr id="4" name="Footer Placeholder 3"/>
           <p:cNvSpPr>
             <a:spLocks noGrp="1"/>
           </p:cNvSpPr>
@@ -1986,19 +2510,16 @@
           <a:bodyPr/>
           <a:lstStyle/>
           <a:p>
-            <a:endParaRPr lang="en-US"/>
-          </a:p>
-        </p:txBody>
-      </p:sp>
-      <p:sp>
-        <p:nvSpPr>
-          <p:cNvPr id="5" name="Slide Number Placeholder 4">
-            <a:extLst>
-              <a:ext uri="{FF2B5EF4-FFF2-40B4-BE49-F238E27FC236}">
-                <a16:creationId xmlns:a16="http://schemas.microsoft.com/office/drawing/2014/main" id="{3EF0AA59-96B5-F74D-4732-43187DB9A467}"/>
-              </a:ext>
-            </a:extLst>
-          </p:cNvPr>
+            <a:r>
+              <a:rPr lang="en-US"/>
+              <a:t>Készítette: Toroczkai Attila</a:t>
+            </a:r>
+          </a:p>
+        </p:txBody>
+      </p:sp>
+      <p:sp>
+        <p:nvSpPr>
+          <p:cNvPr id="5" name="Slide Number Placeholder 4"/>
           <p:cNvSpPr>
             <a:spLocks noGrp="1"/>
           </p:cNvSpPr>
@@ -2022,7 +2543,7 @@
     </p:spTree>
     <p:extLst>
       <p:ext uri="{BB962C8B-B14F-4D97-AF65-F5344CB8AC3E}">
-        <p14:creationId xmlns:p14="http://schemas.microsoft.com/office/powerpoint/2010/main" val="838350581"/>
+        <p14:creationId xmlns:p14="http://schemas.microsoft.com/office/powerpoint/2010/main" val="1987734866"/>
       </p:ext>
     </p:extLst>
   </p:cSld>
@@ -2033,7 +2554,7 @@
 </file>
 
 <file path=ppt/slideLayouts/slideLayout7.xml><?xml version="1.0" encoding="utf-8"?>
-<p:sldLayout xmlns:a="http://schemas.openxmlformats.org/drawingml/2006/main" xmlns:r="http://schemas.openxmlformats.org/officeDocument/2006/relationships" xmlns:p="http://schemas.openxmlformats.org/presentationml/2006/main" type="blank" preserve="1">
+<p:sldLayout xmlns:a="http://schemas.openxmlformats.org/drawingml/2006/main" xmlns:r="http://schemas.openxmlformats.org/officeDocument/2006/relationships" xmlns:p="http://schemas.openxmlformats.org/presentationml/2006/main" showMasterSp="0" type="blank" preserve="1">
   <p:cSld name="Blank">
     <p:spTree>
       <p:nvGrpSpPr>
@@ -2051,13 +2572,83 @@
       </p:grpSpPr>
       <p:sp>
         <p:nvSpPr>
-          <p:cNvPr id="2" name="Date Placeholder 1">
-            <a:extLst>
-              <a:ext uri="{FF2B5EF4-FFF2-40B4-BE49-F238E27FC236}">
-                <a16:creationId xmlns:a16="http://schemas.microsoft.com/office/drawing/2014/main" id="{A36CCE20-CD30-C41D-B38A-C591E7943C1C}"/>
-              </a:ext>
-            </a:extLst>
-          </p:cNvPr>
+          <p:cNvPr id="5" name="Rectangle 4"/>
+          <p:cNvSpPr/>
+          <p:nvPr/>
+        </p:nvSpPr>
+        <p:spPr>
+          <a:xfrm>
+            <a:off x="3175" y="6400800"/>
+            <a:ext cx="12188825" cy="457200"/>
+          </a:xfrm>
+          <a:prstGeom prst="rect">
+            <a:avLst/>
+          </a:prstGeom>
+          <a:solidFill>
+            <a:schemeClr val="accent2"/>
+          </a:solidFill>
+          <a:ln>
+            <a:noFill/>
+          </a:ln>
+        </p:spPr>
+        <p:style>
+          <a:lnRef idx="2">
+            <a:schemeClr val="accent1">
+              <a:shade val="50000"/>
+            </a:schemeClr>
+          </a:lnRef>
+          <a:fillRef idx="1">
+            <a:schemeClr val="accent1"/>
+          </a:fillRef>
+          <a:effectRef idx="0">
+            <a:schemeClr val="accent1"/>
+          </a:effectRef>
+          <a:fontRef idx="minor">
+            <a:schemeClr val="lt1"/>
+          </a:fontRef>
+        </p:style>
+      </p:sp>
+      <p:sp>
+        <p:nvSpPr>
+          <p:cNvPr id="6" name="Rectangle 5"/>
+          <p:cNvSpPr/>
+          <p:nvPr/>
+        </p:nvSpPr>
+        <p:spPr>
+          <a:xfrm>
+            <a:off x="15" y="6334316"/>
+            <a:ext cx="12188825" cy="64008"/>
+          </a:xfrm>
+          <a:prstGeom prst="rect">
+            <a:avLst/>
+          </a:prstGeom>
+          <a:solidFill>
+            <a:schemeClr val="accent1"/>
+          </a:solidFill>
+          <a:ln>
+            <a:noFill/>
+          </a:ln>
+        </p:spPr>
+        <p:style>
+          <a:lnRef idx="2">
+            <a:schemeClr val="accent1">
+              <a:shade val="50000"/>
+            </a:schemeClr>
+          </a:lnRef>
+          <a:fillRef idx="1">
+            <a:schemeClr val="accent1"/>
+          </a:fillRef>
+          <a:effectRef idx="0">
+            <a:schemeClr val="accent1"/>
+          </a:effectRef>
+          <a:fontRef idx="minor">
+            <a:schemeClr val="lt1"/>
+          </a:fontRef>
+        </p:style>
+      </p:sp>
+      <p:sp>
+        <p:nvSpPr>
+          <p:cNvPr id="7" name="Date Placeholder 6"/>
           <p:cNvSpPr>
             <a:spLocks noGrp="1"/>
           </p:cNvSpPr>
@@ -2070,7 +2661,7 @@
           <a:bodyPr/>
           <a:lstStyle/>
           <a:p>
-            <a:fld id="{F755C95E-9898-4742-9708-0CF6314E9C1F}" type="datetimeFigureOut">
+            <a:fld id="{B63742D4-907A-44F6-9EC6-12BD839FC88D}" type="datetime1">
               <a:rPr lang="en-US" smtClean="0"/>
               <a:t>2023-01-16</a:t>
             </a:fld>
@@ -2080,13 +2671,7 @@
       </p:sp>
       <p:sp>
         <p:nvSpPr>
-          <p:cNvPr id="3" name="Footer Placeholder 2">
-            <a:extLst>
-              <a:ext uri="{FF2B5EF4-FFF2-40B4-BE49-F238E27FC236}">
-                <a16:creationId xmlns:a16="http://schemas.microsoft.com/office/drawing/2014/main" id="{58AC532D-76B0-AEB6-C778-2C0EDA1E7478}"/>
-              </a:ext>
-            </a:extLst>
-          </p:cNvPr>
+          <p:cNvPr id="8" name="Footer Placeholder 7"/>
           <p:cNvSpPr>
             <a:spLocks noGrp="1"/>
           </p:cNvSpPr>
@@ -2097,21 +2682,26 @@
         <p:spPr/>
         <p:txBody>
           <a:bodyPr/>
-          <a:lstStyle/>
-          <a:p>
-            <a:endParaRPr lang="en-US"/>
-          </a:p>
-        </p:txBody>
-      </p:sp>
-      <p:sp>
-        <p:nvSpPr>
-          <p:cNvPr id="4" name="Slide Number Placeholder 3">
-            <a:extLst>
-              <a:ext uri="{FF2B5EF4-FFF2-40B4-BE49-F238E27FC236}">
-                <a16:creationId xmlns:a16="http://schemas.microsoft.com/office/drawing/2014/main" id="{69142E25-67D2-73BC-E664-1B1E66418D6D}"/>
-              </a:ext>
-            </a:extLst>
-          </p:cNvPr>
+          <a:lstStyle>
+            <a:lvl1pPr>
+              <a:defRPr>
+                <a:solidFill>
+                  <a:srgbClr val="FFFFFF"/>
+                </a:solidFill>
+              </a:defRPr>
+            </a:lvl1pPr>
+          </a:lstStyle>
+          <a:p>
+            <a:r>
+              <a:rPr lang="en-US"/>
+              <a:t>Készítette: Toroczkai Attila</a:t>
+            </a:r>
+          </a:p>
+        </p:txBody>
+      </p:sp>
+      <p:sp>
+        <p:nvSpPr>
+          <p:cNvPr id="9" name="Slide Number Placeholder 8"/>
           <p:cNvSpPr>
             <a:spLocks noGrp="1"/>
           </p:cNvSpPr>
@@ -2135,7 +2725,7 @@
     </p:spTree>
     <p:extLst>
       <p:ext uri="{BB962C8B-B14F-4D97-AF65-F5344CB8AC3E}">
-        <p14:creationId xmlns:p14="http://schemas.microsoft.com/office/powerpoint/2010/main" val="4088493247"/>
+        <p14:creationId xmlns:p14="http://schemas.microsoft.com/office/powerpoint/2010/main" val="2859091906"/>
       </p:ext>
     </p:extLst>
   </p:cSld>
@@ -2146,7 +2736,7 @@
 </file>
 
 <file path=ppt/slideLayouts/slideLayout8.xml><?xml version="1.0" encoding="utf-8"?>
-<p:sldLayout xmlns:a="http://schemas.openxmlformats.org/drawingml/2006/main" xmlns:r="http://schemas.openxmlformats.org/officeDocument/2006/relationships" xmlns:p="http://schemas.openxmlformats.org/presentationml/2006/main" type="objTx" preserve="1">
+<p:sldLayout xmlns:a="http://schemas.openxmlformats.org/drawingml/2006/main" xmlns:r="http://schemas.openxmlformats.org/officeDocument/2006/relationships" xmlns:p="http://schemas.openxmlformats.org/presentationml/2006/main" showMasterSp="0" type="objTx" preserve="1">
   <p:cSld name="Content with Caption">
     <p:spTree>
       <p:nvGrpSpPr>
@@ -2164,13 +2754,83 @@
       </p:grpSpPr>
       <p:sp>
         <p:nvSpPr>
-          <p:cNvPr id="2" name="Title 1">
-            <a:extLst>
-              <a:ext uri="{FF2B5EF4-FFF2-40B4-BE49-F238E27FC236}">
-                <a16:creationId xmlns:a16="http://schemas.microsoft.com/office/drawing/2014/main" id="{860BB285-9AD7-AD86-014F-53EC41810964}"/>
-              </a:ext>
-            </a:extLst>
-          </p:cNvPr>
+          <p:cNvPr id="8" name="Rectangle 7"/>
+          <p:cNvSpPr/>
+          <p:nvPr/>
+        </p:nvSpPr>
+        <p:spPr>
+          <a:xfrm>
+            <a:off x="16" y="0"/>
+            <a:ext cx="4050791" cy="6858000"/>
+          </a:xfrm>
+          <a:prstGeom prst="rect">
+            <a:avLst/>
+          </a:prstGeom>
+          <a:solidFill>
+            <a:schemeClr val="accent2"/>
+          </a:solidFill>
+          <a:ln>
+            <a:noFill/>
+          </a:ln>
+        </p:spPr>
+        <p:style>
+          <a:lnRef idx="2">
+            <a:schemeClr val="accent1">
+              <a:shade val="50000"/>
+            </a:schemeClr>
+          </a:lnRef>
+          <a:fillRef idx="1">
+            <a:schemeClr val="accent1"/>
+          </a:fillRef>
+          <a:effectRef idx="0">
+            <a:schemeClr val="accent1"/>
+          </a:effectRef>
+          <a:fontRef idx="minor">
+            <a:schemeClr val="lt1"/>
+          </a:fontRef>
+        </p:style>
+      </p:sp>
+      <p:sp>
+        <p:nvSpPr>
+          <p:cNvPr id="9" name="Rectangle 8"/>
+          <p:cNvSpPr/>
+          <p:nvPr/>
+        </p:nvSpPr>
+        <p:spPr>
+          <a:xfrm>
+            <a:off x="4040071" y="0"/>
+            <a:ext cx="64008" cy="6858000"/>
+          </a:xfrm>
+          <a:prstGeom prst="rect">
+            <a:avLst/>
+          </a:prstGeom>
+          <a:solidFill>
+            <a:schemeClr val="accent1"/>
+          </a:solidFill>
+          <a:ln>
+            <a:noFill/>
+          </a:ln>
+        </p:spPr>
+        <p:style>
+          <a:lnRef idx="2">
+            <a:schemeClr val="accent1">
+              <a:shade val="50000"/>
+            </a:schemeClr>
+          </a:lnRef>
+          <a:fillRef idx="1">
+            <a:schemeClr val="accent1"/>
+          </a:fillRef>
+          <a:effectRef idx="0">
+            <a:schemeClr val="accent1"/>
+          </a:effectRef>
+          <a:fontRef idx="minor">
+            <a:schemeClr val="lt1"/>
+          </a:fontRef>
+        </p:style>
+      </p:sp>
+      <p:sp>
+        <p:nvSpPr>
+          <p:cNvPr id="2" name="Title 1"/>
           <p:cNvSpPr>
             <a:spLocks noGrp="1"/>
           </p:cNvSpPr>
@@ -2180,15 +2840,21 @@
         </p:nvSpPr>
         <p:spPr>
           <a:xfrm>
-            <a:off x="839788" y="457200"/>
-            <a:ext cx="3932237" cy="1600200"/>
-          </a:xfrm>
-        </p:spPr>
-        <p:txBody>
-          <a:bodyPr anchor="b"/>
+            <a:off x="457200" y="594359"/>
+            <a:ext cx="3200400" cy="2286000"/>
+          </a:xfrm>
+        </p:spPr>
+        <p:txBody>
+          <a:bodyPr anchor="b">
+            <a:normAutofit/>
+          </a:bodyPr>
           <a:lstStyle>
             <a:lvl1pPr>
-              <a:defRPr sz="3200"/>
+              <a:defRPr sz="3600" b="0">
+                <a:solidFill>
+                  <a:srgbClr val="FFFFFF"/>
+                </a:solidFill>
+              </a:defRPr>
             </a:lvl1pPr>
           </a:lstStyle>
           <a:p>
@@ -2196,18 +2862,13 @@
               <a:rPr lang="en-US"/>
               <a:t>Click to edit Master title style</a:t>
             </a:r>
-          </a:p>
-        </p:txBody>
-      </p:sp>
-      <p:sp>
-        <p:nvSpPr>
-          <p:cNvPr id="3" name="Content Placeholder 2">
-            <a:extLst>
-              <a:ext uri="{FF2B5EF4-FFF2-40B4-BE49-F238E27FC236}">
-                <a16:creationId xmlns:a16="http://schemas.microsoft.com/office/drawing/2014/main" id="{F962446E-6234-0AE8-A478-3449C5BE18E6}"/>
-              </a:ext>
-            </a:extLst>
-          </p:cNvPr>
+            <a:endParaRPr lang="en-US" dirty="0"/>
+          </a:p>
+        </p:txBody>
+      </p:sp>
+      <p:sp>
+        <p:nvSpPr>
+          <p:cNvPr id="3" name="Content Placeholder 2"/>
           <p:cNvSpPr>
             <a:spLocks noGrp="1"/>
           </p:cNvSpPr>
@@ -2217,41 +2878,13 @@
         </p:nvSpPr>
         <p:spPr>
           <a:xfrm>
-            <a:off x="5183188" y="987425"/>
-            <a:ext cx="6172200" cy="4873625"/>
+            <a:off x="4800600" y="731520"/>
+            <a:ext cx="6492240" cy="5257800"/>
           </a:xfrm>
         </p:spPr>
         <p:txBody>
           <a:bodyPr/>
-          <a:lstStyle>
-            <a:lvl1pPr>
-              <a:defRPr sz="3200"/>
-            </a:lvl1pPr>
-            <a:lvl2pPr>
-              <a:defRPr sz="2800"/>
-            </a:lvl2pPr>
-            <a:lvl3pPr>
-              <a:defRPr sz="2400"/>
-            </a:lvl3pPr>
-            <a:lvl4pPr>
-              <a:defRPr sz="2000"/>
-            </a:lvl4pPr>
-            <a:lvl5pPr>
-              <a:defRPr sz="2000"/>
-            </a:lvl5pPr>
-            <a:lvl6pPr>
-              <a:defRPr sz="2000"/>
-            </a:lvl6pPr>
-            <a:lvl7pPr>
-              <a:defRPr sz="2000"/>
-            </a:lvl7pPr>
-            <a:lvl8pPr>
-              <a:defRPr sz="2000"/>
-            </a:lvl8pPr>
-            <a:lvl9pPr>
-              <a:defRPr sz="2000"/>
-            </a:lvl9pPr>
-          </a:lstStyle>
+          <a:lstStyle/>
           <a:p>
             <a:pPr lvl="0"/>
             <a:r>
@@ -2286,18 +2919,13 @@
               <a:rPr lang="en-US"/>
               <a:t>Fifth level</a:t>
             </a:r>
-          </a:p>
-        </p:txBody>
-      </p:sp>
-      <p:sp>
-        <p:nvSpPr>
-          <p:cNvPr id="4" name="Text Placeholder 3">
-            <a:extLst>
-              <a:ext uri="{FF2B5EF4-FFF2-40B4-BE49-F238E27FC236}">
-                <a16:creationId xmlns:a16="http://schemas.microsoft.com/office/drawing/2014/main" id="{4B46BF49-0807-66ED-40A3-ABB7B12C3AAA}"/>
-              </a:ext>
-            </a:extLst>
-          </p:cNvPr>
+            <a:endParaRPr lang="en-US" dirty="0"/>
+          </a:p>
+        </p:txBody>
+      </p:sp>
+      <p:sp>
+        <p:nvSpPr>
+          <p:cNvPr id="4" name="Text Placeholder 3"/>
           <p:cNvSpPr>
             <a:spLocks noGrp="1"/>
           </p:cNvSpPr>
@@ -2307,48 +2935,54 @@
         </p:nvSpPr>
         <p:spPr>
           <a:xfrm>
-            <a:off x="839788" y="2057400"/>
-            <a:ext cx="3932237" cy="3811588"/>
-          </a:xfrm>
-        </p:spPr>
-        <p:txBody>
-          <a:bodyPr/>
+            <a:off x="457200" y="2926080"/>
+            <a:ext cx="3200400" cy="3379124"/>
+          </a:xfrm>
+        </p:spPr>
+        <p:txBody>
+          <a:bodyPr lIns="91440" rIns="91440">
+            <a:normAutofit/>
+          </a:bodyPr>
           <a:lstStyle>
             <a:lvl1pPr marL="0" indent="0">
               <a:buNone/>
-              <a:defRPr sz="1600"/>
+              <a:defRPr sz="1500">
+                <a:solidFill>
+                  <a:srgbClr val="FFFFFF"/>
+                </a:solidFill>
+              </a:defRPr>
             </a:lvl1pPr>
             <a:lvl2pPr marL="457200" indent="0">
               <a:buNone/>
-              <a:defRPr sz="1400"/>
+              <a:defRPr sz="1200"/>
             </a:lvl2pPr>
             <a:lvl3pPr marL="914400" indent="0">
               <a:buNone/>
-              <a:defRPr sz="1200"/>
+              <a:defRPr sz="1000"/>
             </a:lvl3pPr>
             <a:lvl4pPr marL="1371600" indent="0">
               <a:buNone/>
-              <a:defRPr sz="1000"/>
+              <a:defRPr sz="900"/>
             </a:lvl4pPr>
             <a:lvl5pPr marL="1828800" indent="0">
               <a:buNone/>
-              <a:defRPr sz="1000"/>
+              <a:defRPr sz="900"/>
             </a:lvl5pPr>
             <a:lvl6pPr marL="2286000" indent="0">
               <a:buNone/>
-              <a:defRPr sz="1000"/>
+              <a:defRPr sz="900"/>
             </a:lvl6pPr>
             <a:lvl7pPr marL="2743200" indent="0">
               <a:buNone/>
-              <a:defRPr sz="1000"/>
+              <a:defRPr sz="900"/>
             </a:lvl7pPr>
             <a:lvl8pPr marL="3200400" indent="0">
               <a:buNone/>
-              <a:defRPr sz="1000"/>
+              <a:defRPr sz="900"/>
             </a:lvl8pPr>
             <a:lvl9pPr marL="3657600" indent="0">
               <a:buNone/>
-              <a:defRPr sz="1000"/>
+              <a:defRPr sz="900"/>
             </a:lvl9pPr>
           </a:lstStyle>
           <a:p>
@@ -2362,13 +2996,7 @@
       </p:sp>
       <p:sp>
         <p:nvSpPr>
-          <p:cNvPr id="5" name="Date Placeholder 4">
-            <a:extLst>
-              <a:ext uri="{FF2B5EF4-FFF2-40B4-BE49-F238E27FC236}">
-                <a16:creationId xmlns:a16="http://schemas.microsoft.com/office/drawing/2014/main" id="{E7000E71-FD6D-FA25-C129-BC24C93D0757}"/>
-              </a:ext>
-            </a:extLst>
-          </p:cNvPr>
+          <p:cNvPr id="5" name="Date Placeholder 4"/>
           <p:cNvSpPr>
             <a:spLocks noGrp="1"/>
           </p:cNvSpPr>
@@ -2376,12 +3004,21 @@
             <p:ph type="dt" sz="half" idx="10"/>
           </p:nvPr>
         </p:nvSpPr>
-        <p:spPr/>
+        <p:spPr>
+          <a:xfrm>
+            <a:off x="465512" y="6459785"/>
+            <a:ext cx="2618510" cy="365125"/>
+          </a:xfrm>
+        </p:spPr>
         <p:txBody>
           <a:bodyPr/>
-          <a:lstStyle/>
-          <a:p>
-            <a:fld id="{F755C95E-9898-4742-9708-0CF6314E9C1F}" type="datetimeFigureOut">
+          <a:lstStyle>
+            <a:lvl1pPr algn="l">
+              <a:defRPr/>
+            </a:lvl1pPr>
+          </a:lstStyle>
+          <a:p>
+            <a:fld id="{E433A922-BA77-417C-BCD2-51831E28C26C}" type="datetime1">
               <a:rPr lang="en-US" smtClean="0"/>
               <a:t>2023-01-16</a:t>
             </a:fld>
@@ -2391,13 +3028,7 @@
       </p:sp>
       <p:sp>
         <p:nvSpPr>
-          <p:cNvPr id="6" name="Footer Placeholder 5">
-            <a:extLst>
-              <a:ext uri="{FF2B5EF4-FFF2-40B4-BE49-F238E27FC236}">
-                <a16:creationId xmlns:a16="http://schemas.microsoft.com/office/drawing/2014/main" id="{24657EC2-5F70-7607-6A9A-DDD0BA0F9CAF}"/>
-              </a:ext>
-            </a:extLst>
-          </p:cNvPr>
+          <p:cNvPr id="6" name="Footer Placeholder 5"/>
           <p:cNvSpPr>
             <a:spLocks noGrp="1"/>
           </p:cNvSpPr>
@@ -2405,35 +3036,53 @@
             <p:ph type="ftr" sz="quarter" idx="11"/>
           </p:nvPr>
         </p:nvSpPr>
+        <p:spPr>
+          <a:xfrm>
+            <a:off x="4800600" y="6459785"/>
+            <a:ext cx="4648200" cy="365125"/>
+          </a:xfrm>
+        </p:spPr>
+        <p:txBody>
+          <a:bodyPr/>
+          <a:lstStyle>
+            <a:lvl1pPr algn="l">
+              <a:defRPr>
+                <a:solidFill>
+                  <a:schemeClr val="tx2"/>
+                </a:solidFill>
+              </a:defRPr>
+            </a:lvl1pPr>
+          </a:lstStyle>
+          <a:p>
+            <a:r>
+              <a:rPr lang="en-US"/>
+              <a:t>Készítette: Toroczkai Attila</a:t>
+            </a:r>
+          </a:p>
+        </p:txBody>
+      </p:sp>
+      <p:sp>
+        <p:nvSpPr>
+          <p:cNvPr id="7" name="Slide Number Placeholder 6"/>
+          <p:cNvSpPr>
+            <a:spLocks noGrp="1"/>
+          </p:cNvSpPr>
+          <p:nvPr>
+            <p:ph type="sldNum" sz="quarter" idx="12"/>
+          </p:nvPr>
+        </p:nvSpPr>
         <p:spPr/>
         <p:txBody>
           <a:bodyPr/>
-          <a:lstStyle/>
-          <a:p>
-            <a:endParaRPr lang="en-US"/>
-          </a:p>
-        </p:txBody>
-      </p:sp>
-      <p:sp>
-        <p:nvSpPr>
-          <p:cNvPr id="7" name="Slide Number Placeholder 6">
-            <a:extLst>
-              <a:ext uri="{FF2B5EF4-FFF2-40B4-BE49-F238E27FC236}">
-                <a16:creationId xmlns:a16="http://schemas.microsoft.com/office/drawing/2014/main" id="{6E50533A-512C-174A-5408-CF08FB81B51E}"/>
-              </a:ext>
-            </a:extLst>
-          </p:cNvPr>
-          <p:cNvSpPr>
-            <a:spLocks noGrp="1"/>
-          </p:cNvSpPr>
-          <p:nvPr>
-            <p:ph type="sldNum" sz="quarter" idx="12"/>
-          </p:nvPr>
-        </p:nvSpPr>
-        <p:spPr/>
-        <p:txBody>
-          <a:bodyPr/>
-          <a:lstStyle/>
+          <a:lstStyle>
+            <a:lvl1pPr>
+              <a:defRPr>
+                <a:solidFill>
+                  <a:schemeClr val="tx2"/>
+                </a:solidFill>
+              </a:defRPr>
+            </a:lvl1pPr>
+          </a:lstStyle>
           <a:p>
             <a:fld id="{027C7FFB-17DE-44D1-BBF2-D00BC12E4F3A}" type="slidenum">
               <a:rPr lang="en-US" smtClean="0"/>
@@ -2446,7 +3095,7 @@
     </p:spTree>
     <p:extLst>
       <p:ext uri="{BB962C8B-B14F-4D97-AF65-F5344CB8AC3E}">
-        <p14:creationId xmlns:p14="http://schemas.microsoft.com/office/powerpoint/2010/main" val="524734490"/>
+        <p14:creationId xmlns:p14="http://schemas.microsoft.com/office/powerpoint/2010/main" val="123429603"/>
       </p:ext>
     </p:extLst>
   </p:cSld>
@@ -2457,7 +3106,7 @@
 </file>
 
 <file path=ppt/slideLayouts/slideLayout9.xml><?xml version="1.0" encoding="utf-8"?>
-<p:sldLayout xmlns:a="http://schemas.openxmlformats.org/drawingml/2006/main" xmlns:r="http://schemas.openxmlformats.org/officeDocument/2006/relationships" xmlns:p="http://schemas.openxmlformats.org/presentationml/2006/main" type="picTx" preserve="1">
+<p:sldLayout xmlns:a="http://schemas.openxmlformats.org/drawingml/2006/main" xmlns:r="http://schemas.openxmlformats.org/officeDocument/2006/relationships" xmlns:p="http://schemas.openxmlformats.org/presentationml/2006/main" showMasterSp="0" type="picTx" preserve="1">
   <p:cSld name="Picture with Caption">
     <p:spTree>
       <p:nvGrpSpPr>
@@ -2475,13 +3124,83 @@
       </p:grpSpPr>
       <p:sp>
         <p:nvSpPr>
-          <p:cNvPr id="2" name="Title 1">
-            <a:extLst>
-              <a:ext uri="{FF2B5EF4-FFF2-40B4-BE49-F238E27FC236}">
-                <a16:creationId xmlns:a16="http://schemas.microsoft.com/office/drawing/2014/main" id="{E3AEA1E7-A729-971E-1FBF-6493D755B367}"/>
-              </a:ext>
-            </a:extLst>
-          </p:cNvPr>
+          <p:cNvPr id="8" name="Rectangle 7"/>
+          <p:cNvSpPr/>
+          <p:nvPr/>
+        </p:nvSpPr>
+        <p:spPr>
+          <a:xfrm>
+            <a:off x="0" y="4953000"/>
+            <a:ext cx="12188825" cy="1905000"/>
+          </a:xfrm>
+          <a:prstGeom prst="rect">
+            <a:avLst/>
+          </a:prstGeom>
+          <a:solidFill>
+            <a:schemeClr val="accent2"/>
+          </a:solidFill>
+          <a:ln>
+            <a:noFill/>
+          </a:ln>
+        </p:spPr>
+        <p:style>
+          <a:lnRef idx="2">
+            <a:schemeClr val="accent1">
+              <a:shade val="50000"/>
+            </a:schemeClr>
+          </a:lnRef>
+          <a:fillRef idx="1">
+            <a:schemeClr val="accent1"/>
+          </a:fillRef>
+          <a:effectRef idx="0">
+            <a:schemeClr val="accent1"/>
+          </a:effectRef>
+          <a:fontRef idx="minor">
+            <a:schemeClr val="lt1"/>
+          </a:fontRef>
+        </p:style>
+      </p:sp>
+      <p:sp>
+        <p:nvSpPr>
+          <p:cNvPr id="9" name="Rectangle 8"/>
+          <p:cNvSpPr/>
+          <p:nvPr/>
+        </p:nvSpPr>
+        <p:spPr>
+          <a:xfrm>
+            <a:off x="15" y="4915076"/>
+            <a:ext cx="12188825" cy="64008"/>
+          </a:xfrm>
+          <a:prstGeom prst="rect">
+            <a:avLst/>
+          </a:prstGeom>
+          <a:solidFill>
+            <a:schemeClr val="accent1"/>
+          </a:solidFill>
+          <a:ln>
+            <a:noFill/>
+          </a:ln>
+        </p:spPr>
+        <p:style>
+          <a:lnRef idx="2">
+            <a:schemeClr val="accent1">
+              <a:shade val="50000"/>
+            </a:schemeClr>
+          </a:lnRef>
+          <a:fillRef idx="1">
+            <a:schemeClr val="accent1"/>
+          </a:fillRef>
+          <a:effectRef idx="0">
+            <a:schemeClr val="accent1"/>
+          </a:effectRef>
+          <a:fontRef idx="minor">
+            <a:schemeClr val="lt1"/>
+          </a:fontRef>
+        </p:style>
+      </p:sp>
+      <p:sp>
+        <p:nvSpPr>
+          <p:cNvPr id="2" name="Title 1"/>
           <p:cNvSpPr>
             <a:spLocks noGrp="1"/>
           </p:cNvSpPr>
@@ -2491,15 +3210,21 @@
         </p:nvSpPr>
         <p:spPr>
           <a:xfrm>
-            <a:off x="839788" y="457200"/>
-            <a:ext cx="3932237" cy="1600200"/>
-          </a:xfrm>
-        </p:spPr>
-        <p:txBody>
-          <a:bodyPr anchor="b"/>
+            <a:off x="1097280" y="5074920"/>
+            <a:ext cx="10113264" cy="822960"/>
+          </a:xfrm>
+        </p:spPr>
+        <p:txBody>
+          <a:bodyPr lIns="91440" tIns="0" rIns="91440" bIns="0" anchor="b">
+            <a:noAutofit/>
+          </a:bodyPr>
           <a:lstStyle>
             <a:lvl1pPr>
-              <a:defRPr sz="3200"/>
+              <a:defRPr sz="3600" b="0">
+                <a:solidFill>
+                  <a:srgbClr val="FFFFFF"/>
+                </a:solidFill>
+              </a:defRPr>
             </a:lvl1pPr>
           </a:lstStyle>
           <a:p>
@@ -2507,20 +3232,15 @@
               <a:rPr lang="en-US"/>
               <a:t>Click to edit Master title style</a:t>
             </a:r>
-          </a:p>
-        </p:txBody>
-      </p:sp>
-      <p:sp>
-        <p:nvSpPr>
-          <p:cNvPr id="3" name="Picture Placeholder 2">
-            <a:extLst>
-              <a:ext uri="{FF2B5EF4-FFF2-40B4-BE49-F238E27FC236}">
-                <a16:creationId xmlns:a16="http://schemas.microsoft.com/office/drawing/2014/main" id="{8334C1E3-7FD3-FE11-EF2E-D3E83C79577C}"/>
-              </a:ext>
-            </a:extLst>
-          </p:cNvPr>
-          <p:cNvSpPr>
-            <a:spLocks noGrp="1"/>
+            <a:endParaRPr lang="en-US" dirty="0"/>
+          </a:p>
+        </p:txBody>
+      </p:sp>
+      <p:sp>
+        <p:nvSpPr>
+          <p:cNvPr id="3" name="Picture Placeholder 2"/>
+          <p:cNvSpPr>
+            <a:spLocks noGrp="1" noChangeAspect="1"/>
           </p:cNvSpPr>
           <p:nvPr>
             <p:ph type="pic" idx="1"/>
@@ -2528,16 +3248,26 @@
         </p:nvSpPr>
         <p:spPr>
           <a:xfrm>
-            <a:off x="5183188" y="987425"/>
-            <a:ext cx="6172200" cy="4873625"/>
-          </a:xfrm>
-        </p:spPr>
-        <p:txBody>
-          <a:bodyPr/>
+            <a:off x="15" y="0"/>
+            <a:ext cx="12191985" cy="4915076"/>
+          </a:xfrm>
+          <a:blipFill>
+            <a:blip r:embed="rId2"/>
+            <a:stretch>
+              <a:fillRect/>
+            </a:stretch>
+          </a:blipFill>
+        </p:spPr>
+        <p:txBody>
+          <a:bodyPr lIns="457200" tIns="457200" anchor="t"/>
           <a:lstStyle>
             <a:lvl1pPr marL="0" indent="0">
               <a:buNone/>
-              <a:defRPr sz="3200"/>
+              <a:defRPr sz="3200">
+                <a:solidFill>
+                  <a:schemeClr val="bg1"/>
+                </a:solidFill>
+              </a:defRPr>
             </a:lvl1pPr>
             <a:lvl2pPr marL="457200" indent="0">
               <a:buNone/>
@@ -2573,19 +3303,17 @@
             </a:lvl9pPr>
           </a:lstStyle>
           <a:p>
-            <a:endParaRPr lang="en-US"/>
-          </a:p>
-        </p:txBody>
-      </p:sp>
-      <p:sp>
-        <p:nvSpPr>
-          <p:cNvPr id="4" name="Text Placeholder 3">
-            <a:extLst>
-              <a:ext uri="{FF2B5EF4-FFF2-40B4-BE49-F238E27FC236}">
-                <a16:creationId xmlns:a16="http://schemas.microsoft.com/office/drawing/2014/main" id="{9B525EB1-B8B0-E2EA-6476-9671D90C1626}"/>
-              </a:ext>
-            </a:extLst>
-          </p:cNvPr>
+            <a:r>
+              <a:rPr lang="en-US"/>
+              <a:t>Click icon to add picture</a:t>
+            </a:r>
+            <a:endParaRPr lang="en-US" dirty="0"/>
+          </a:p>
+        </p:txBody>
+      </p:sp>
+      <p:sp>
+        <p:nvSpPr>
+          <p:cNvPr id="4" name="Text Placeholder 3"/>
           <p:cNvSpPr>
             <a:spLocks noGrp="1"/>
           </p:cNvSpPr>
@@ -2595,48 +3323,60 @@
         </p:nvSpPr>
         <p:spPr>
           <a:xfrm>
-            <a:off x="839788" y="2057400"/>
-            <a:ext cx="3932237" cy="3811588"/>
-          </a:xfrm>
-        </p:spPr>
-        <p:txBody>
-          <a:bodyPr/>
+            <a:off x="1097280" y="5907023"/>
+            <a:ext cx="10113264" cy="594360"/>
+          </a:xfrm>
+        </p:spPr>
+        <p:txBody>
+          <a:bodyPr lIns="91440" tIns="0" rIns="91440" bIns="0">
+            <a:normAutofit/>
+          </a:bodyPr>
           <a:lstStyle>
             <a:lvl1pPr marL="0" indent="0">
+              <a:spcBef>
+                <a:spcPts val="0"/>
+              </a:spcBef>
+              <a:spcAft>
+                <a:spcPts val="600"/>
+              </a:spcAft>
               <a:buNone/>
-              <a:defRPr sz="1600"/>
+              <a:defRPr sz="1500">
+                <a:solidFill>
+                  <a:srgbClr val="FFFFFF"/>
+                </a:solidFill>
+              </a:defRPr>
             </a:lvl1pPr>
             <a:lvl2pPr marL="457200" indent="0">
               <a:buNone/>
-              <a:defRPr sz="1400"/>
+              <a:defRPr sz="1200"/>
             </a:lvl2pPr>
             <a:lvl3pPr marL="914400" indent="0">
               <a:buNone/>
-              <a:defRPr sz="1200"/>
+              <a:defRPr sz="1000"/>
             </a:lvl3pPr>
             <a:lvl4pPr marL="1371600" indent="0">
               <a:buNone/>
-              <a:defRPr sz="1000"/>
+              <a:defRPr sz="900"/>
             </a:lvl4pPr>
             <a:lvl5pPr marL="1828800" indent="0">
               <a:buNone/>
-              <a:defRPr sz="1000"/>
+              <a:defRPr sz="900"/>
             </a:lvl5pPr>
             <a:lvl6pPr marL="2286000" indent="0">
               <a:buNone/>
-              <a:defRPr sz="1000"/>
+              <a:defRPr sz="900"/>
             </a:lvl6pPr>
             <a:lvl7pPr marL="2743200" indent="0">
               <a:buNone/>
-              <a:defRPr sz="1000"/>
+              <a:defRPr sz="900"/>
             </a:lvl7pPr>
             <a:lvl8pPr marL="3200400" indent="0">
               <a:buNone/>
-              <a:defRPr sz="1000"/>
+              <a:defRPr sz="900"/>
             </a:lvl8pPr>
             <a:lvl9pPr marL="3657600" indent="0">
               <a:buNone/>
-              <a:defRPr sz="1000"/>
+              <a:defRPr sz="900"/>
             </a:lvl9pPr>
           </a:lstStyle>
           <a:p>
@@ -2650,13 +3390,7 @@
       </p:sp>
       <p:sp>
         <p:nvSpPr>
-          <p:cNvPr id="5" name="Date Placeholder 4">
-            <a:extLst>
-              <a:ext uri="{FF2B5EF4-FFF2-40B4-BE49-F238E27FC236}">
-                <a16:creationId xmlns:a16="http://schemas.microsoft.com/office/drawing/2014/main" id="{386ADDC1-E1B8-D47B-D226-D12A464542AD}"/>
-              </a:ext>
-            </a:extLst>
-          </p:cNvPr>
+          <p:cNvPr id="5" name="Date Placeholder 4"/>
           <p:cNvSpPr>
             <a:spLocks noGrp="1"/>
           </p:cNvSpPr>
@@ -2669,7 +3403,7 @@
           <a:bodyPr/>
           <a:lstStyle/>
           <a:p>
-            <a:fld id="{F755C95E-9898-4742-9708-0CF6314E9C1F}" type="datetimeFigureOut">
+            <a:fld id="{3E92BB41-AB59-4D62-84D1-4AAC77E694D6}" type="datetime1">
               <a:rPr lang="en-US" smtClean="0"/>
               <a:t>2023-01-16</a:t>
             </a:fld>
@@ -2679,13 +3413,7 @@
       </p:sp>
       <p:sp>
         <p:nvSpPr>
-          <p:cNvPr id="6" name="Footer Placeholder 5">
-            <a:extLst>
-              <a:ext uri="{FF2B5EF4-FFF2-40B4-BE49-F238E27FC236}">
-                <a16:creationId xmlns:a16="http://schemas.microsoft.com/office/drawing/2014/main" id="{16300D86-F544-9D91-9B18-92E5AF75930B}"/>
-              </a:ext>
-            </a:extLst>
-          </p:cNvPr>
+          <p:cNvPr id="6" name="Footer Placeholder 5"/>
           <p:cNvSpPr>
             <a:spLocks noGrp="1"/>
           </p:cNvSpPr>
@@ -2698,19 +3426,16 @@
           <a:bodyPr/>
           <a:lstStyle/>
           <a:p>
-            <a:endParaRPr lang="en-US"/>
-          </a:p>
-        </p:txBody>
-      </p:sp>
-      <p:sp>
-        <p:nvSpPr>
-          <p:cNvPr id="7" name="Slide Number Placeholder 6">
-            <a:extLst>
-              <a:ext uri="{FF2B5EF4-FFF2-40B4-BE49-F238E27FC236}">
-                <a16:creationId xmlns:a16="http://schemas.microsoft.com/office/drawing/2014/main" id="{4813774F-919A-70FC-99F6-E7F051BE4119}"/>
-              </a:ext>
-            </a:extLst>
-          </p:cNvPr>
+            <a:r>
+              <a:rPr lang="en-US"/>
+              <a:t>Készítette: Toroczkai Attila</a:t>
+            </a:r>
+          </a:p>
+        </p:txBody>
+      </p:sp>
+      <p:sp>
+        <p:nvSpPr>
+          <p:cNvPr id="7" name="Slide Number Placeholder 6"/>
           <p:cNvSpPr>
             <a:spLocks noGrp="1"/>
           </p:cNvSpPr>
@@ -2734,7 +3459,7 @@
     </p:spTree>
     <p:extLst>
       <p:ext uri="{BB962C8B-B14F-4D97-AF65-F5344CB8AC3E}">
-        <p14:creationId xmlns:p14="http://schemas.microsoft.com/office/powerpoint/2010/main" val="1031195984"/>
+        <p14:creationId xmlns:p14="http://schemas.microsoft.com/office/powerpoint/2010/main" val="141140362"/>
       </p:ext>
     </p:extLst>
   </p:cSld>
@@ -2768,149 +3493,207 @@
       </p:grpSpPr>
       <p:sp>
         <p:nvSpPr>
-          <p:cNvPr id="2" name="Title Placeholder 1">
-            <a:extLst>
-              <a:ext uri="{FF2B5EF4-FFF2-40B4-BE49-F238E27FC236}">
-                <a16:creationId xmlns:a16="http://schemas.microsoft.com/office/drawing/2014/main" id="{B2BD66A4-2813-0921-B880-4FB47D022942}"/>
-              </a:ext>
-            </a:extLst>
-          </p:cNvPr>
-          <p:cNvSpPr>
-            <a:spLocks noGrp="1"/>
-          </p:cNvSpPr>
-          <p:nvPr>
-            <p:ph type="title"/>
-          </p:nvPr>
-        </p:nvSpPr>
-        <p:spPr>
-          <a:xfrm>
-            <a:off x="838200" y="365125"/>
-            <a:ext cx="10515600" cy="1325563"/>
+          <p:cNvPr id="7" name="Rectangle 6"/>
+          <p:cNvSpPr/>
+          <p:nvPr/>
+        </p:nvSpPr>
+        <p:spPr>
+          <a:xfrm>
+            <a:off x="1" y="6400800"/>
+            <a:ext cx="12192000" cy="457200"/>
           </a:xfrm>
           <a:prstGeom prst="rect">
             <a:avLst/>
           </a:prstGeom>
-        </p:spPr>
-        <p:txBody>
-          <a:bodyPr vert="horz" lIns="91440" tIns="45720" rIns="91440" bIns="45720" rtlCol="0" anchor="ctr">
-            <a:normAutofit/>
-          </a:bodyPr>
-          <a:lstStyle/>
-          <a:p>
-            <a:r>
-              <a:rPr lang="en-US"/>
-              <a:t>Click to edit Master title style</a:t>
-            </a:r>
-          </a:p>
-        </p:txBody>
-      </p:sp>
-      <p:sp>
-        <p:nvSpPr>
-          <p:cNvPr id="3" name="Text Placeholder 2">
-            <a:extLst>
-              <a:ext uri="{FF2B5EF4-FFF2-40B4-BE49-F238E27FC236}">
-                <a16:creationId xmlns:a16="http://schemas.microsoft.com/office/drawing/2014/main" id="{CB12204B-414D-8665-AB5A-F3BCBE4A04C0}"/>
-              </a:ext>
-            </a:extLst>
-          </p:cNvPr>
-          <p:cNvSpPr>
-            <a:spLocks noGrp="1"/>
-          </p:cNvSpPr>
-          <p:nvPr>
-            <p:ph type="body" idx="1"/>
-          </p:nvPr>
-        </p:nvSpPr>
-        <p:spPr>
-          <a:xfrm>
-            <a:off x="838200" y="1825625"/>
-            <a:ext cx="10515600" cy="4351338"/>
+          <a:solidFill>
+            <a:schemeClr val="accent2"/>
+          </a:solidFill>
+          <a:ln>
+            <a:noFill/>
+          </a:ln>
+        </p:spPr>
+        <p:style>
+          <a:lnRef idx="2">
+            <a:schemeClr val="accent1">
+              <a:shade val="50000"/>
+            </a:schemeClr>
+          </a:lnRef>
+          <a:fillRef idx="1">
+            <a:schemeClr val="accent1"/>
+          </a:fillRef>
+          <a:effectRef idx="0">
+            <a:schemeClr val="accent1"/>
+          </a:effectRef>
+          <a:fontRef idx="minor">
+            <a:schemeClr val="lt1"/>
+          </a:fontRef>
+        </p:style>
+      </p:sp>
+      <p:sp>
+        <p:nvSpPr>
+          <p:cNvPr id="9" name="Rectangle 8"/>
+          <p:cNvSpPr/>
+          <p:nvPr/>
+        </p:nvSpPr>
+        <p:spPr>
+          <a:xfrm>
+            <a:off x="0" y="6334316"/>
+            <a:ext cx="12192001" cy="65998"/>
           </a:xfrm>
           <a:prstGeom prst="rect">
             <a:avLst/>
           </a:prstGeom>
-        </p:spPr>
-        <p:txBody>
-          <a:bodyPr vert="horz" lIns="91440" tIns="45720" rIns="91440" bIns="45720" rtlCol="0">
-            <a:normAutofit/>
-          </a:bodyPr>
-          <a:lstStyle/>
-          <a:p>
-            <a:pPr lvl="0"/>
-            <a:r>
-              <a:rPr lang="en-US"/>
-              <a:t>Click to edit Master text styles</a:t>
-            </a:r>
-          </a:p>
-          <a:p>
-            <a:pPr lvl="1"/>
-            <a:r>
-              <a:rPr lang="en-US"/>
-              <a:t>Second level</a:t>
-            </a:r>
-          </a:p>
-          <a:p>
-            <a:pPr lvl="2"/>
-            <a:r>
-              <a:rPr lang="en-US"/>
-              <a:t>Third level</a:t>
-            </a:r>
-          </a:p>
-          <a:p>
-            <a:pPr lvl="3"/>
-            <a:r>
-              <a:rPr lang="en-US"/>
-              <a:t>Fourth level</a:t>
-            </a:r>
-          </a:p>
-          <a:p>
-            <a:pPr lvl="4"/>
-            <a:r>
-              <a:rPr lang="en-US"/>
-              <a:t>Fifth level</a:t>
-            </a:r>
-          </a:p>
-        </p:txBody>
-      </p:sp>
-      <p:sp>
-        <p:nvSpPr>
-          <p:cNvPr id="4" name="Date Placeholder 3">
-            <a:extLst>
-              <a:ext uri="{FF2B5EF4-FFF2-40B4-BE49-F238E27FC236}">
-                <a16:creationId xmlns:a16="http://schemas.microsoft.com/office/drawing/2014/main" id="{BC6846C6-31C9-B917-60A4-B6E29F9B7F4A}"/>
-              </a:ext>
-            </a:extLst>
-          </p:cNvPr>
-          <p:cNvSpPr>
-            <a:spLocks noGrp="1"/>
-          </p:cNvSpPr>
-          <p:nvPr>
-            <p:ph type="dt" sz="half" idx="2"/>
-          </p:nvPr>
-        </p:nvSpPr>
-        <p:spPr>
-          <a:xfrm>
-            <a:off x="838200" y="6356350"/>
-            <a:ext cx="2743200" cy="365125"/>
+          <a:solidFill>
+            <a:schemeClr val="accent1"/>
+          </a:solidFill>
+          <a:ln>
+            <a:noFill/>
+          </a:ln>
+        </p:spPr>
+        <p:style>
+          <a:lnRef idx="2">
+            <a:schemeClr val="accent1">
+              <a:shade val="50000"/>
+            </a:schemeClr>
+          </a:lnRef>
+          <a:fillRef idx="1">
+            <a:schemeClr val="accent1"/>
+          </a:fillRef>
+          <a:effectRef idx="0">
+            <a:schemeClr val="accent1"/>
+          </a:effectRef>
+          <a:fontRef idx="minor">
+            <a:schemeClr val="lt1"/>
+          </a:fontRef>
+        </p:style>
+      </p:sp>
+      <p:sp>
+        <p:nvSpPr>
+          <p:cNvPr id="2" name="Title Placeholder 1"/>
+          <p:cNvSpPr>
+            <a:spLocks noGrp="1"/>
+          </p:cNvSpPr>
+          <p:nvPr>
+            <p:ph type="title"/>
+          </p:nvPr>
+        </p:nvSpPr>
+        <p:spPr>
+          <a:xfrm>
+            <a:off x="1097280" y="286603"/>
+            <a:ext cx="10058400" cy="1450757"/>
           </a:xfrm>
           <a:prstGeom prst="rect">
             <a:avLst/>
           </a:prstGeom>
         </p:spPr>
         <p:txBody>
+          <a:bodyPr vert="horz" lIns="91440" tIns="45720" rIns="91440" bIns="45720" rtlCol="0" anchor="b">
+            <a:normAutofit/>
+          </a:bodyPr>
+          <a:lstStyle/>
+          <a:p>
+            <a:r>
+              <a:rPr lang="en-US"/>
+              <a:t>Click to edit Master title style</a:t>
+            </a:r>
+            <a:endParaRPr lang="en-US" dirty="0"/>
+          </a:p>
+        </p:txBody>
+      </p:sp>
+      <p:sp>
+        <p:nvSpPr>
+          <p:cNvPr id="3" name="Text Placeholder 2"/>
+          <p:cNvSpPr>
+            <a:spLocks noGrp="1"/>
+          </p:cNvSpPr>
+          <p:nvPr>
+            <p:ph type="body" idx="1"/>
+          </p:nvPr>
+        </p:nvSpPr>
+        <p:spPr>
+          <a:xfrm>
+            <a:off x="1097280" y="1845734"/>
+            <a:ext cx="10058400" cy="4023360"/>
+          </a:xfrm>
+          <a:prstGeom prst="rect">
+            <a:avLst/>
+          </a:prstGeom>
+        </p:spPr>
+        <p:txBody>
+          <a:bodyPr vert="horz" lIns="0" tIns="45720" rIns="0" bIns="45720" rtlCol="0">
+            <a:normAutofit/>
+          </a:bodyPr>
+          <a:lstStyle/>
+          <a:p>
+            <a:pPr lvl="0"/>
+            <a:r>
+              <a:rPr lang="en-US"/>
+              <a:t>Click to edit Master text styles</a:t>
+            </a:r>
+          </a:p>
+          <a:p>
+            <a:pPr lvl="1"/>
+            <a:r>
+              <a:rPr lang="en-US"/>
+              <a:t>Second level</a:t>
+            </a:r>
+          </a:p>
+          <a:p>
+            <a:pPr lvl="2"/>
+            <a:r>
+              <a:rPr lang="en-US"/>
+              <a:t>Third level</a:t>
+            </a:r>
+          </a:p>
+          <a:p>
+            <a:pPr lvl="3"/>
+            <a:r>
+              <a:rPr lang="en-US"/>
+              <a:t>Fourth level</a:t>
+            </a:r>
+          </a:p>
+          <a:p>
+            <a:pPr lvl="4"/>
+            <a:r>
+              <a:rPr lang="en-US"/>
+              <a:t>Fifth level</a:t>
+            </a:r>
+            <a:endParaRPr lang="en-US" dirty="0"/>
+          </a:p>
+        </p:txBody>
+      </p:sp>
+      <p:sp>
+        <p:nvSpPr>
+          <p:cNvPr id="4" name="Date Placeholder 3"/>
+          <p:cNvSpPr>
+            <a:spLocks noGrp="1"/>
+          </p:cNvSpPr>
+          <p:nvPr>
+            <p:ph type="dt" sz="half" idx="2"/>
+          </p:nvPr>
+        </p:nvSpPr>
+        <p:spPr>
+          <a:xfrm>
+            <a:off x="1097280" y="6459785"/>
+            <a:ext cx="2472271" cy="365125"/>
+          </a:xfrm>
+          <a:prstGeom prst="rect">
+            <a:avLst/>
+          </a:prstGeom>
+        </p:spPr>
+        <p:txBody>
           <a:bodyPr vert="horz" lIns="91440" tIns="45720" rIns="91440" bIns="45720" rtlCol="0" anchor="ctr"/>
           <a:lstStyle>
             <a:lvl1pPr algn="l">
-              <a:defRPr sz="1200">
+              <a:defRPr sz="900">
                 <a:solidFill>
-                  <a:schemeClr val="tx1">
-                    <a:tint val="75000"/>
-                  </a:schemeClr>
+                  <a:srgbClr val="FFFFFF"/>
                 </a:solidFill>
               </a:defRPr>
             </a:lvl1pPr>
           </a:lstStyle>
           <a:p>
-            <a:fld id="{F755C95E-9898-4742-9708-0CF6314E9C1F}" type="datetimeFigureOut">
+            <a:fld id="{A0923BE7-AD6B-4030-85AB-D15A96103F48}" type="datetime1">
               <a:rPr lang="en-US" smtClean="0"/>
               <a:t>2023-01-16</a:t>
             </a:fld>
@@ -2920,13 +3703,7 @@
       </p:sp>
       <p:sp>
         <p:nvSpPr>
-          <p:cNvPr id="5" name="Footer Placeholder 4">
-            <a:extLst>
-              <a:ext uri="{FF2B5EF4-FFF2-40B4-BE49-F238E27FC236}">
-                <a16:creationId xmlns:a16="http://schemas.microsoft.com/office/drawing/2014/main" id="{545C0968-73B2-C6E8-4B64-1468928BAF66}"/>
-              </a:ext>
-            </a:extLst>
-          </p:cNvPr>
+          <p:cNvPr id="5" name="Footer Placeholder 4"/>
           <p:cNvSpPr>
             <a:spLocks noGrp="1"/>
           </p:cNvSpPr>
@@ -2936,8 +3713,8 @@
         </p:nvSpPr>
         <p:spPr>
           <a:xfrm>
-            <a:off x="4038600" y="6356350"/>
-            <a:ext cx="4114800" cy="365125"/>
+            <a:off x="3686185" y="6459785"/>
+            <a:ext cx="4822804" cy="365125"/>
           </a:xfrm>
           <a:prstGeom prst="rect">
             <a:avLst/>
@@ -2947,29 +3724,24 @@
           <a:bodyPr vert="horz" lIns="91440" tIns="45720" rIns="91440" bIns="45720" rtlCol="0" anchor="ctr"/>
           <a:lstStyle>
             <a:lvl1pPr algn="ctr">
-              <a:defRPr sz="1200">
+              <a:defRPr sz="900" cap="all" baseline="0">
                 <a:solidFill>
-                  <a:schemeClr val="tx1">
-                    <a:tint val="75000"/>
-                  </a:schemeClr>
+                  <a:srgbClr val="FFFFFF"/>
                 </a:solidFill>
               </a:defRPr>
             </a:lvl1pPr>
           </a:lstStyle>
           <a:p>
-            <a:endParaRPr lang="en-US"/>
-          </a:p>
-        </p:txBody>
-      </p:sp>
-      <p:sp>
-        <p:nvSpPr>
-          <p:cNvPr id="6" name="Slide Number Placeholder 5">
-            <a:extLst>
-              <a:ext uri="{FF2B5EF4-FFF2-40B4-BE49-F238E27FC236}">
-                <a16:creationId xmlns:a16="http://schemas.microsoft.com/office/drawing/2014/main" id="{54AAD733-F80C-2334-1519-72D682E93905}"/>
-              </a:ext>
-            </a:extLst>
-          </p:cNvPr>
+            <a:r>
+              <a:rPr lang="en-US"/>
+              <a:t>Készítette: Toroczkai Attila</a:t>
+            </a:r>
+          </a:p>
+        </p:txBody>
+      </p:sp>
+      <p:sp>
+        <p:nvSpPr>
+          <p:cNvPr id="6" name="Slide Number Placeholder 5"/>
           <p:cNvSpPr>
             <a:spLocks noGrp="1"/>
           </p:cNvSpPr>
@@ -2979,8 +3751,8 @@
         </p:nvSpPr>
         <p:spPr>
           <a:xfrm>
-            <a:off x="8610600" y="6356350"/>
-            <a:ext cx="2743200" cy="365125"/>
+            <a:off x="9900458" y="6459785"/>
+            <a:ext cx="1312025" cy="365125"/>
           </a:xfrm>
           <a:prstGeom prst="rect">
             <a:avLst/>
@@ -2990,11 +3762,9 @@
           <a:bodyPr vert="horz" lIns="91440" tIns="45720" rIns="91440" bIns="45720" rtlCol="0" anchor="ctr"/>
           <a:lstStyle>
             <a:lvl1pPr algn="r">
-              <a:defRPr sz="1200">
+              <a:defRPr sz="1050">
                 <a:solidFill>
-                  <a:schemeClr val="tx1">
-                    <a:tint val="75000"/>
-                  </a:schemeClr>
+                  <a:srgbClr val="FFFFFF"/>
                 </a:solidFill>
               </a:defRPr>
             </a:lvl1pPr>
@@ -3008,40 +3778,82 @@
           </a:p>
         </p:txBody>
       </p:sp>
+      <p:cxnSp>
+        <p:nvCxnSpPr>
+          <p:cNvPr id="10" name="Straight Connector 9"/>
+          <p:cNvCxnSpPr/>
+          <p:nvPr/>
+        </p:nvCxnSpPr>
+        <p:spPr>
+          <a:xfrm>
+            <a:off x="1193532" y="1737845"/>
+            <a:ext cx="9966960" cy="0"/>
+          </a:xfrm>
+          <a:prstGeom prst="line">
+            <a:avLst/>
+          </a:prstGeom>
+          <a:ln w="6350">
+            <a:solidFill>
+              <a:schemeClr val="tx1">
+                <a:lumMod val="50000"/>
+                <a:lumOff val="50000"/>
+              </a:schemeClr>
+            </a:solidFill>
+          </a:ln>
+        </p:spPr>
+        <p:style>
+          <a:lnRef idx="1">
+            <a:schemeClr val="accent1"/>
+          </a:lnRef>
+          <a:fillRef idx="0">
+            <a:schemeClr val="accent1"/>
+          </a:fillRef>
+          <a:effectRef idx="0">
+            <a:schemeClr val="accent1"/>
+          </a:effectRef>
+          <a:fontRef idx="minor">
+            <a:schemeClr val="tx1"/>
+          </a:fontRef>
+        </p:style>
+      </p:cxnSp>
     </p:spTree>
     <p:extLst>
       <p:ext uri="{BB962C8B-B14F-4D97-AF65-F5344CB8AC3E}">
-        <p14:creationId xmlns:p14="http://schemas.microsoft.com/office/powerpoint/2010/main" val="1086716904"/>
+        <p14:creationId xmlns:p14="http://schemas.microsoft.com/office/powerpoint/2010/main" val="3581344403"/>
       </p:ext>
     </p:extLst>
   </p:cSld>
   <p:clrMap bg1="lt1" tx1="dk1" bg2="lt2" tx2="dk2" accent1="accent1" accent2="accent2" accent3="accent3" accent4="accent4" accent5="accent5" accent6="accent6" hlink="hlink" folHlink="folHlink"/>
   <p:sldLayoutIdLst>
-    <p:sldLayoutId id="2147483649" r:id="rId1"/>
-    <p:sldLayoutId id="2147483650" r:id="rId2"/>
-    <p:sldLayoutId id="2147483651" r:id="rId3"/>
-    <p:sldLayoutId id="2147483652" r:id="rId4"/>
-    <p:sldLayoutId id="2147483653" r:id="rId5"/>
-    <p:sldLayoutId id="2147483654" r:id="rId6"/>
-    <p:sldLayoutId id="2147483655" r:id="rId7"/>
-    <p:sldLayoutId id="2147483656" r:id="rId8"/>
-    <p:sldLayoutId id="2147483657" r:id="rId9"/>
-    <p:sldLayoutId id="2147483658" r:id="rId10"/>
-    <p:sldLayoutId id="2147483659" r:id="rId11"/>
+    <p:sldLayoutId id="2147483721" r:id="rId1"/>
+    <p:sldLayoutId id="2147483722" r:id="rId2"/>
+    <p:sldLayoutId id="2147483723" r:id="rId3"/>
+    <p:sldLayoutId id="2147483724" r:id="rId4"/>
+    <p:sldLayoutId id="2147483725" r:id="rId5"/>
+    <p:sldLayoutId id="2147483726" r:id="rId6"/>
+    <p:sldLayoutId id="2147483727" r:id="rId7"/>
+    <p:sldLayoutId id="2147483728" r:id="rId8"/>
+    <p:sldLayoutId id="2147483729" r:id="rId9"/>
+    <p:sldLayoutId id="2147483730" r:id="rId10"/>
+    <p:sldLayoutId id="2147483731" r:id="rId11"/>
   </p:sldLayoutIdLst>
+  <p:hf sldNum="0" hdr="0" dt="0"/>
   <p:txStyles>
     <p:titleStyle>
       <a:lvl1pPr algn="l" defTabSz="914400" rtl="0" eaLnBrk="1" latinLnBrk="0" hangingPunct="1">
         <a:lnSpc>
-          <a:spcPct val="90000"/>
+          <a:spcPct val="85000"/>
         </a:lnSpc>
         <a:spcBef>
           <a:spcPct val="0"/>
         </a:spcBef>
         <a:buNone/>
-        <a:defRPr sz="4400" kern="1200">
+        <a:defRPr sz="4800" kern="1200" spc="-50" baseline="0">
           <a:solidFill>
-            <a:schemeClr val="tx1"/>
+            <a:schemeClr val="tx1">
+              <a:lumMod val="75000"/>
+              <a:lumOff val="25000"/>
+            </a:schemeClr>
           </a:solidFill>
           <a:latin typeface="+mj-lt"/>
           <a:ea typeface="+mj-ea"/>
@@ -3050,162 +3862,244 @@
       </a:lvl1pPr>
     </p:titleStyle>
     <p:bodyStyle>
-      <a:lvl1pPr marL="228600" indent="-228600" algn="l" defTabSz="914400" rtl="0" eaLnBrk="1" latinLnBrk="0" hangingPunct="1">
+      <a:lvl1pPr marL="91440" indent="-91440" algn="l" defTabSz="914400" rtl="0" eaLnBrk="1" latinLnBrk="0" hangingPunct="1">
         <a:lnSpc>
           <a:spcPct val="90000"/>
         </a:lnSpc>
         <a:spcBef>
-          <a:spcPts val="1000"/>
+          <a:spcPts val="1200"/>
         </a:spcBef>
-        <a:buFont typeface="Arial" panose="020B0604020202020204" pitchFamily="34" charset="0"/>
-        <a:buChar char="•"/>
-        <a:defRPr sz="2800" kern="1200">
+        <a:spcAft>
+          <a:spcPts val="200"/>
+        </a:spcAft>
+        <a:buClr>
+          <a:schemeClr val="accent1"/>
+        </a:buClr>
+        <a:buSzPct val="100000"/>
+        <a:buFont typeface="Calibri" panose="020F0502020204030204" pitchFamily="34" charset="0"/>
+        <a:buChar char=" "/>
+        <a:defRPr sz="2000" kern="1200">
           <a:solidFill>
-            <a:schemeClr val="tx1"/>
+            <a:schemeClr val="tx1">
+              <a:lumMod val="75000"/>
+              <a:lumOff val="25000"/>
+            </a:schemeClr>
           </a:solidFill>
           <a:latin typeface="+mn-lt"/>
           <a:ea typeface="+mn-ea"/>
           <a:cs typeface="+mn-cs"/>
         </a:defRPr>
       </a:lvl1pPr>
-      <a:lvl2pPr marL="685800" indent="-228600" algn="l" defTabSz="914400" rtl="0" eaLnBrk="1" latinLnBrk="0" hangingPunct="1">
+      <a:lvl2pPr marL="384048" indent="-182880" algn="l" defTabSz="914400" rtl="0" eaLnBrk="1" latinLnBrk="0" hangingPunct="1">
         <a:lnSpc>
           <a:spcPct val="90000"/>
         </a:lnSpc>
         <a:spcBef>
-          <a:spcPts val="500"/>
+          <a:spcPts val="200"/>
         </a:spcBef>
-        <a:buFont typeface="Arial" panose="020B0604020202020204" pitchFamily="34" charset="0"/>
-        <a:buChar char="•"/>
-        <a:defRPr sz="2400" kern="1200">
+        <a:spcAft>
+          <a:spcPts val="400"/>
+        </a:spcAft>
+        <a:buClr>
+          <a:schemeClr val="accent1"/>
+        </a:buClr>
+        <a:buFont typeface="Calibri" pitchFamily="34" charset="0"/>
+        <a:buChar char="◦"/>
+        <a:defRPr sz="1800" kern="1200">
           <a:solidFill>
-            <a:schemeClr val="tx1"/>
+            <a:schemeClr val="tx1">
+              <a:lumMod val="75000"/>
+              <a:lumOff val="25000"/>
+            </a:schemeClr>
           </a:solidFill>
           <a:latin typeface="+mn-lt"/>
           <a:ea typeface="+mn-ea"/>
           <a:cs typeface="+mn-cs"/>
         </a:defRPr>
       </a:lvl2pPr>
-      <a:lvl3pPr marL="1143000" indent="-228600" algn="l" defTabSz="914400" rtl="0" eaLnBrk="1" latinLnBrk="0" hangingPunct="1">
+      <a:lvl3pPr marL="566928" indent="-182880" algn="l" defTabSz="914400" rtl="0" eaLnBrk="1" latinLnBrk="0" hangingPunct="1">
         <a:lnSpc>
           <a:spcPct val="90000"/>
         </a:lnSpc>
         <a:spcBef>
-          <a:spcPts val="500"/>
+          <a:spcPts val="200"/>
         </a:spcBef>
-        <a:buFont typeface="Arial" panose="020B0604020202020204" pitchFamily="34" charset="0"/>
-        <a:buChar char="•"/>
-        <a:defRPr sz="2000" kern="1200">
+        <a:spcAft>
+          <a:spcPts val="400"/>
+        </a:spcAft>
+        <a:buClr>
+          <a:schemeClr val="accent1"/>
+        </a:buClr>
+        <a:buFont typeface="Calibri" pitchFamily="34" charset="0"/>
+        <a:buChar char="◦"/>
+        <a:defRPr sz="1400" kern="1200">
           <a:solidFill>
-            <a:schemeClr val="tx1"/>
+            <a:schemeClr val="tx1">
+              <a:lumMod val="75000"/>
+              <a:lumOff val="25000"/>
+            </a:schemeClr>
           </a:solidFill>
           <a:latin typeface="+mn-lt"/>
           <a:ea typeface="+mn-ea"/>
           <a:cs typeface="+mn-cs"/>
         </a:defRPr>
       </a:lvl3pPr>
-      <a:lvl4pPr marL="1600200" indent="-228600" algn="l" defTabSz="914400" rtl="0" eaLnBrk="1" latinLnBrk="0" hangingPunct="1">
+      <a:lvl4pPr marL="749808" indent="-182880" algn="l" defTabSz="914400" rtl="0" eaLnBrk="1" latinLnBrk="0" hangingPunct="1">
         <a:lnSpc>
           <a:spcPct val="90000"/>
         </a:lnSpc>
         <a:spcBef>
-          <a:spcPts val="500"/>
+          <a:spcPts val="200"/>
         </a:spcBef>
-        <a:buFont typeface="Arial" panose="020B0604020202020204" pitchFamily="34" charset="0"/>
-        <a:buChar char="•"/>
-        <a:defRPr sz="1800" kern="1200">
+        <a:spcAft>
+          <a:spcPts val="400"/>
+        </a:spcAft>
+        <a:buClr>
+          <a:schemeClr val="accent1"/>
+        </a:buClr>
+        <a:buFont typeface="Calibri" pitchFamily="34" charset="0"/>
+        <a:buChar char="◦"/>
+        <a:defRPr sz="1400" kern="1200">
           <a:solidFill>
-            <a:schemeClr val="tx1"/>
+            <a:schemeClr val="tx1">
+              <a:lumMod val="75000"/>
+              <a:lumOff val="25000"/>
+            </a:schemeClr>
           </a:solidFill>
           <a:latin typeface="+mn-lt"/>
           <a:ea typeface="+mn-ea"/>
           <a:cs typeface="+mn-cs"/>
         </a:defRPr>
       </a:lvl4pPr>
-      <a:lvl5pPr marL="2057400" indent="-228600" algn="l" defTabSz="914400" rtl="0" eaLnBrk="1" latinLnBrk="0" hangingPunct="1">
+      <a:lvl5pPr marL="932688" indent="-182880" algn="l" defTabSz="914400" rtl="0" eaLnBrk="1" latinLnBrk="0" hangingPunct="1">
         <a:lnSpc>
           <a:spcPct val="90000"/>
         </a:lnSpc>
         <a:spcBef>
-          <a:spcPts val="500"/>
+          <a:spcPts val="200"/>
         </a:spcBef>
-        <a:buFont typeface="Arial" panose="020B0604020202020204" pitchFamily="34" charset="0"/>
-        <a:buChar char="•"/>
-        <a:defRPr sz="1800" kern="1200">
+        <a:spcAft>
+          <a:spcPts val="400"/>
+        </a:spcAft>
+        <a:buClr>
+          <a:schemeClr val="accent1"/>
+        </a:buClr>
+        <a:buFont typeface="Calibri" pitchFamily="34" charset="0"/>
+        <a:buChar char="◦"/>
+        <a:defRPr sz="1400" kern="1200">
           <a:solidFill>
-            <a:schemeClr val="tx1"/>
+            <a:schemeClr val="tx1">
+              <a:lumMod val="75000"/>
+              <a:lumOff val="25000"/>
+            </a:schemeClr>
           </a:solidFill>
           <a:latin typeface="+mn-lt"/>
           <a:ea typeface="+mn-ea"/>
           <a:cs typeface="+mn-cs"/>
         </a:defRPr>
       </a:lvl5pPr>
-      <a:lvl6pPr marL="2514600" indent="-228600" algn="l" defTabSz="914400" rtl="0" eaLnBrk="1" latinLnBrk="0" hangingPunct="1">
+      <a:lvl6pPr marL="1100000" indent="-228600" algn="l" defTabSz="914400" rtl="0" eaLnBrk="1" latinLnBrk="0" hangingPunct="1">
         <a:lnSpc>
           <a:spcPct val="90000"/>
         </a:lnSpc>
         <a:spcBef>
-          <a:spcPts val="500"/>
+          <a:spcPts val="200"/>
         </a:spcBef>
-        <a:buFont typeface="Arial" panose="020B0604020202020204" pitchFamily="34" charset="0"/>
-        <a:buChar char="•"/>
-        <a:defRPr sz="1800" kern="1200">
+        <a:spcAft>
+          <a:spcPts val="400"/>
+        </a:spcAft>
+        <a:buClr>
+          <a:schemeClr val="accent1"/>
+        </a:buClr>
+        <a:buFont typeface="Calibri" pitchFamily="34" charset="0"/>
+        <a:buChar char="◦"/>
+        <a:defRPr sz="1400" kern="1200">
           <a:solidFill>
-            <a:schemeClr val="tx1"/>
+            <a:schemeClr val="tx1">
+              <a:lumMod val="75000"/>
+              <a:lumOff val="25000"/>
+            </a:schemeClr>
           </a:solidFill>
           <a:latin typeface="+mn-lt"/>
           <a:ea typeface="+mn-ea"/>
           <a:cs typeface="+mn-cs"/>
         </a:defRPr>
       </a:lvl6pPr>
-      <a:lvl7pPr marL="2971800" indent="-228600" algn="l" defTabSz="914400" rtl="0" eaLnBrk="1" latinLnBrk="0" hangingPunct="1">
+      <a:lvl7pPr marL="1300000" indent="-228600" algn="l" defTabSz="914400" rtl="0" eaLnBrk="1" latinLnBrk="0" hangingPunct="1">
         <a:lnSpc>
           <a:spcPct val="90000"/>
         </a:lnSpc>
         <a:spcBef>
-          <a:spcPts val="500"/>
+          <a:spcPts val="200"/>
         </a:spcBef>
-        <a:buFont typeface="Arial" panose="020B0604020202020204" pitchFamily="34" charset="0"/>
-        <a:buChar char="•"/>
-        <a:defRPr sz="1800" kern="1200">
+        <a:spcAft>
+          <a:spcPts val="400"/>
+        </a:spcAft>
+        <a:buClr>
+          <a:schemeClr val="accent1"/>
+        </a:buClr>
+        <a:buFont typeface="Calibri" pitchFamily="34" charset="0"/>
+        <a:buChar char="◦"/>
+        <a:defRPr sz="1400" kern="1200">
           <a:solidFill>
-            <a:schemeClr val="tx1"/>
+            <a:schemeClr val="tx1">
+              <a:lumMod val="75000"/>
+              <a:lumOff val="25000"/>
+            </a:schemeClr>
           </a:solidFill>
           <a:latin typeface="+mn-lt"/>
           <a:ea typeface="+mn-ea"/>
           <a:cs typeface="+mn-cs"/>
         </a:defRPr>
       </a:lvl7pPr>
-      <a:lvl8pPr marL="3429000" indent="-228600" algn="l" defTabSz="914400" rtl="0" eaLnBrk="1" latinLnBrk="0" hangingPunct="1">
+      <a:lvl8pPr marL="1500000" indent="-228600" algn="l" defTabSz="914400" rtl="0" eaLnBrk="1" latinLnBrk="0" hangingPunct="1">
         <a:lnSpc>
           <a:spcPct val="90000"/>
         </a:lnSpc>
         <a:spcBef>
-          <a:spcPts val="500"/>
+          <a:spcPts val="200"/>
         </a:spcBef>
-        <a:buFont typeface="Arial" panose="020B0604020202020204" pitchFamily="34" charset="0"/>
-        <a:buChar char="•"/>
-        <a:defRPr sz="1800" kern="1200">
+        <a:spcAft>
+          <a:spcPts val="400"/>
+        </a:spcAft>
+        <a:buClr>
+          <a:schemeClr val="accent1"/>
+        </a:buClr>
+        <a:buFont typeface="Calibri" pitchFamily="34" charset="0"/>
+        <a:buChar char="◦"/>
+        <a:defRPr sz="1400" kern="1200">
           <a:solidFill>
-            <a:schemeClr val="tx1"/>
+            <a:schemeClr val="tx1">
+              <a:lumMod val="75000"/>
+              <a:lumOff val="25000"/>
+            </a:schemeClr>
           </a:solidFill>
           <a:latin typeface="+mn-lt"/>
           <a:ea typeface="+mn-ea"/>
           <a:cs typeface="+mn-cs"/>
         </a:defRPr>
       </a:lvl8pPr>
-      <a:lvl9pPr marL="3886200" indent="-228600" algn="l" defTabSz="914400" rtl="0" eaLnBrk="1" latinLnBrk="0" hangingPunct="1">
+      <a:lvl9pPr marL="1700000" indent="-228600" algn="l" defTabSz="914400" rtl="0" eaLnBrk="1" latinLnBrk="0" hangingPunct="1">
         <a:lnSpc>
           <a:spcPct val="90000"/>
         </a:lnSpc>
         <a:spcBef>
-          <a:spcPts val="500"/>
+          <a:spcPts val="200"/>
         </a:spcBef>
-        <a:buFont typeface="Arial" panose="020B0604020202020204" pitchFamily="34" charset="0"/>
-        <a:buChar char="•"/>
-        <a:defRPr sz="1800" kern="1200">
+        <a:spcAft>
+          <a:spcPts val="400"/>
+        </a:spcAft>
+        <a:buClr>
+          <a:schemeClr val="accent1"/>
+        </a:buClr>
+        <a:buFont typeface="Calibri" pitchFamily="34" charset="0"/>
+        <a:buChar char="◦"/>
+        <a:defRPr sz="1400" kern="1200">
           <a:solidFill>
-            <a:schemeClr val="tx1"/>
+            <a:schemeClr val="tx1">
+              <a:lumMod val="75000"/>
+              <a:lumOff val="25000"/>
+            </a:schemeClr>
           </a:solidFill>
           <a:latin typeface="+mn-lt"/>
           <a:ea typeface="+mn-ea"/>
@@ -3385,6 +4279,34 @@
           </a:p>
         </p:txBody>
       </p:sp>
+      <p:sp>
+        <p:nvSpPr>
+          <p:cNvPr id="4" name="Footer Placeholder 3">
+            <a:extLst>
+              <a:ext uri="{FF2B5EF4-FFF2-40B4-BE49-F238E27FC236}">
+                <a16:creationId xmlns:a16="http://schemas.microsoft.com/office/drawing/2014/main" id="{37531021-293C-8532-DE6D-EFFE64E20FF9}"/>
+              </a:ext>
+            </a:extLst>
+          </p:cNvPr>
+          <p:cNvSpPr>
+            <a:spLocks noGrp="1"/>
+          </p:cNvSpPr>
+          <p:nvPr>
+            <p:ph type="ftr" sz="quarter" idx="11"/>
+          </p:nvPr>
+        </p:nvSpPr>
+        <p:spPr/>
+        <p:txBody>
+          <a:bodyPr/>
+          <a:lstStyle/>
+          <a:p>
+            <a:r>
+              <a:rPr lang="en-US"/>
+              <a:t>Készítette: Toroczkai Attila</a:t>
+            </a:r>
+          </a:p>
+        </p:txBody>
+      </p:sp>
     </p:spTree>
     <p:extLst>
       <p:ext uri="{BB962C8B-B14F-4D97-AF65-F5344CB8AC3E}">
@@ -3473,6 +4395,34 @@
           </a:p>
         </p:txBody>
       </p:sp>
+      <p:sp>
+        <p:nvSpPr>
+          <p:cNvPr id="4" name="Footer Placeholder 3">
+            <a:extLst>
+              <a:ext uri="{FF2B5EF4-FFF2-40B4-BE49-F238E27FC236}">
+                <a16:creationId xmlns:a16="http://schemas.microsoft.com/office/drawing/2014/main" id="{7E3FE883-7CBD-D85A-C05C-3C972C5A526D}"/>
+              </a:ext>
+            </a:extLst>
+          </p:cNvPr>
+          <p:cNvSpPr>
+            <a:spLocks noGrp="1"/>
+          </p:cNvSpPr>
+          <p:nvPr>
+            <p:ph type="ftr" sz="quarter" idx="11"/>
+          </p:nvPr>
+        </p:nvSpPr>
+        <p:spPr/>
+        <p:txBody>
+          <a:bodyPr/>
+          <a:lstStyle/>
+          <a:p>
+            <a:r>
+              <a:rPr lang="en-US"/>
+              <a:t>Készítette: Toroczkai Attila</a:t>
+            </a:r>
+          </a:p>
+        </p:txBody>
+      </p:sp>
     </p:spTree>
     <p:extLst>
       <p:ext uri="{BB962C8B-B14F-4D97-AF65-F5344CB8AC3E}">
@@ -3551,7 +4501,7 @@
         <p:spPr/>
         <p:txBody>
           <a:bodyPr>
-            <a:normAutofit lnSpcReduction="10000"/>
+            <a:normAutofit/>
           </a:bodyPr>
           <a:lstStyle/>
           <a:p>
@@ -3634,6 +4584,34 @@
               <a:t>), mely HTML, CSS, JavaScript technológiákat használ.</a:t>
             </a:r>
             <a:endParaRPr lang="en-US" dirty="0"/>
+          </a:p>
+        </p:txBody>
+      </p:sp>
+      <p:sp>
+        <p:nvSpPr>
+          <p:cNvPr id="4" name="Footer Placeholder 3">
+            <a:extLst>
+              <a:ext uri="{FF2B5EF4-FFF2-40B4-BE49-F238E27FC236}">
+                <a16:creationId xmlns:a16="http://schemas.microsoft.com/office/drawing/2014/main" id="{174DAAC4-8A7A-D3DC-F21D-29FAC833F60F}"/>
+              </a:ext>
+            </a:extLst>
+          </p:cNvPr>
+          <p:cNvSpPr>
+            <a:spLocks noGrp="1"/>
+          </p:cNvSpPr>
+          <p:nvPr>
+            <p:ph type="ftr" sz="quarter" idx="11"/>
+          </p:nvPr>
+        </p:nvSpPr>
+        <p:spPr/>
+        <p:txBody>
+          <a:bodyPr/>
+          <a:lstStyle/>
+          <a:p>
+            <a:r>
+              <a:rPr lang="en-US"/>
+              <a:t>Készítette: Toroczkai Attila</a:t>
+            </a:r>
           </a:p>
         </p:txBody>
       </p:sp>
@@ -3714,7 +4692,9 @@
         </p:nvSpPr>
         <p:spPr/>
         <p:txBody>
-          <a:bodyPr/>
+          <a:bodyPr>
+            <a:normAutofit/>
+          </a:bodyPr>
           <a:lstStyle/>
           <a:p>
             <a:r>
@@ -3767,21 +4747,37 @@
           <a:p>
             <a:r>
               <a:rPr lang="hu-HU" dirty="0"/>
-              <a:t>A software jelenleg a 8080-as </a:t>
-            </a:r>
-            <a:r>
-              <a:rPr lang="hu-HU" dirty="0" err="1"/>
-              <a:t>porton</a:t>
-            </a:r>
-            <a:r>
-              <a:rPr lang="hu-HU" dirty="0"/>
-              <a:t> </a:t>
-            </a:r>
-            <a:r>
-              <a:rPr lang="hu-HU" dirty="0" err="1"/>
-              <a:t>müködik</a:t>
+              <a:t>A software jelenleg a 8080-as portón működik</a:t>
             </a:r>
             <a:endParaRPr lang="en-US" dirty="0"/>
+          </a:p>
+        </p:txBody>
+      </p:sp>
+      <p:sp>
+        <p:nvSpPr>
+          <p:cNvPr id="4" name="Footer Placeholder 3">
+            <a:extLst>
+              <a:ext uri="{FF2B5EF4-FFF2-40B4-BE49-F238E27FC236}">
+                <a16:creationId xmlns:a16="http://schemas.microsoft.com/office/drawing/2014/main" id="{8C205AA8-3D55-A158-80F8-9D7D69C076CD}"/>
+              </a:ext>
+            </a:extLst>
+          </p:cNvPr>
+          <p:cNvSpPr>
+            <a:spLocks noGrp="1"/>
+          </p:cNvSpPr>
+          <p:nvPr>
+            <p:ph type="ftr" sz="quarter" idx="11"/>
+          </p:nvPr>
+        </p:nvSpPr>
+        <p:spPr/>
+        <p:txBody>
+          <a:bodyPr/>
+          <a:lstStyle/>
+          <a:p>
+            <a:r>
+              <a:rPr lang="en-US"/>
+              <a:t>Készítette: Toroczkai Attila</a:t>
+            </a:r>
           </a:p>
         </p:txBody>
       </p:sp>
@@ -3869,6 +4865,34 @@
           </a:p>
         </p:txBody>
       </p:sp>
+      <p:sp>
+        <p:nvSpPr>
+          <p:cNvPr id="3" name="Footer Placeholder 2">
+            <a:extLst>
+              <a:ext uri="{FF2B5EF4-FFF2-40B4-BE49-F238E27FC236}">
+                <a16:creationId xmlns:a16="http://schemas.microsoft.com/office/drawing/2014/main" id="{CEC8F600-193D-1AEE-9E74-58B7F1394A37}"/>
+              </a:ext>
+            </a:extLst>
+          </p:cNvPr>
+          <p:cNvSpPr>
+            <a:spLocks noGrp="1"/>
+          </p:cNvSpPr>
+          <p:nvPr>
+            <p:ph type="ftr" sz="quarter" idx="11"/>
+          </p:nvPr>
+        </p:nvSpPr>
+        <p:spPr/>
+        <p:txBody>
+          <a:bodyPr/>
+          <a:lstStyle/>
+          <a:p>
+            <a:r>
+              <a:rPr lang="en-US"/>
+              <a:t>Készítette: Toroczkai Attila</a:t>
+            </a:r>
+          </a:p>
+        </p:txBody>
+      </p:sp>
     </p:spTree>
     <p:extLst>
       <p:ext uri="{BB962C8B-B14F-4D97-AF65-F5344CB8AC3E}">
@@ -3915,9 +4939,16 @@
             <p:ph type="title"/>
           </p:nvPr>
         </p:nvSpPr>
-        <p:spPr/>
-        <p:txBody>
-          <a:bodyPr/>
+        <p:spPr>
+          <a:xfrm>
+            <a:off x="1451579" y="804519"/>
+            <a:ext cx="9603275" cy="551089"/>
+          </a:xfrm>
+        </p:spPr>
+        <p:txBody>
+          <a:bodyPr>
+            <a:normAutofit fontScale="90000"/>
+          </a:bodyPr>
           <a:lstStyle/>
           <a:p>
             <a:r>
@@ -3925,6 +4956,34 @@
               <a:t>Felhasználok</a:t>
             </a:r>
             <a:endParaRPr lang="en-US" dirty="0"/>
+          </a:p>
+        </p:txBody>
+      </p:sp>
+      <p:sp>
+        <p:nvSpPr>
+          <p:cNvPr id="9" name="Footer Placeholder 8">
+            <a:extLst>
+              <a:ext uri="{FF2B5EF4-FFF2-40B4-BE49-F238E27FC236}">
+                <a16:creationId xmlns:a16="http://schemas.microsoft.com/office/drawing/2014/main" id="{58C0BF97-C009-BEC1-EDA2-A92DD615428C}"/>
+              </a:ext>
+            </a:extLst>
+          </p:cNvPr>
+          <p:cNvSpPr>
+            <a:spLocks noGrp="1"/>
+          </p:cNvSpPr>
+          <p:nvPr>
+            <p:ph type="ftr" sz="quarter" idx="11"/>
+          </p:nvPr>
+        </p:nvSpPr>
+        <p:spPr/>
+        <p:txBody>
+          <a:bodyPr/>
+          <a:lstStyle/>
+          <a:p>
+            <a:r>
+              <a:rPr lang="en-US"/>
+              <a:t>Készítette: Toroczkai Attila</a:t>
+            </a:r>
           </a:p>
         </p:txBody>
       </p:sp>
@@ -3994,12 +5053,84 @@
           </a:p>
         </p:txBody>
       </p:sp>
+      <p:sp>
+        <p:nvSpPr>
+          <p:cNvPr id="11" name="TextBox 10">
+            <a:extLst>
+              <a:ext uri="{FF2B5EF4-FFF2-40B4-BE49-F238E27FC236}">
+                <a16:creationId xmlns:a16="http://schemas.microsoft.com/office/drawing/2014/main" id="{7FAD0CA1-9D57-7970-5378-2D8FFCFE032D}"/>
+              </a:ext>
+            </a:extLst>
+          </p:cNvPr>
+          <p:cNvSpPr txBox="1"/>
+          <p:nvPr/>
+        </p:nvSpPr>
+        <p:spPr>
+          <a:xfrm>
+            <a:off x="9686925" y="1813441"/>
+            <a:ext cx="2327432" cy="369332"/>
+          </a:xfrm>
+          <a:prstGeom prst="rect">
+            <a:avLst/>
+          </a:prstGeom>
+          <a:noFill/>
+        </p:spPr>
+        <p:txBody>
+          <a:bodyPr wrap="none" rtlCol="0">
+            <a:spAutoFit/>
+          </a:bodyPr>
+          <a:lstStyle/>
+          <a:p>
+            <a:r>
+              <a:rPr lang="hu-HU" dirty="0"/>
+              <a:t>2. Kategóriák képernyő</a:t>
+            </a:r>
+            <a:endParaRPr lang="en-US" dirty="0"/>
+          </a:p>
+        </p:txBody>
+      </p:sp>
+      <p:sp>
+        <p:nvSpPr>
+          <p:cNvPr id="14" name="TextBox 13">
+            <a:extLst>
+              <a:ext uri="{FF2B5EF4-FFF2-40B4-BE49-F238E27FC236}">
+                <a16:creationId xmlns:a16="http://schemas.microsoft.com/office/drawing/2014/main" id="{542F3365-DA84-816F-7E84-63175522D067}"/>
+              </a:ext>
+            </a:extLst>
+          </p:cNvPr>
+          <p:cNvSpPr txBox="1"/>
+          <p:nvPr/>
+        </p:nvSpPr>
+        <p:spPr>
+          <a:xfrm>
+            <a:off x="1276350" y="3295415"/>
+            <a:ext cx="4317913" cy="369332"/>
+          </a:xfrm>
+          <a:prstGeom prst="rect">
+            <a:avLst/>
+          </a:prstGeom>
+          <a:noFill/>
+        </p:spPr>
+        <p:txBody>
+          <a:bodyPr wrap="none" rtlCol="0">
+            <a:spAutoFit/>
+          </a:bodyPr>
+          <a:lstStyle/>
+          <a:p>
+            <a:r>
+              <a:rPr lang="hu-HU" dirty="0"/>
+              <a:t>3. Kategóriákhoz tartozó termékek képernyő</a:t>
+            </a:r>
+            <a:endParaRPr lang="en-US" dirty="0"/>
+          </a:p>
+        </p:txBody>
+      </p:sp>
       <p:pic>
         <p:nvPicPr>
-          <p:cNvPr id="10" name="Picture 9">
+          <p:cNvPr id="4" name="Picture 3">
             <a:extLst>
               <a:ext uri="{FF2B5EF4-FFF2-40B4-BE49-F238E27FC236}">
-                <a16:creationId xmlns:a16="http://schemas.microsoft.com/office/drawing/2014/main" id="{6619AC81-0A4C-0611-5D03-B5994258EE3E}"/>
+                <a16:creationId xmlns:a16="http://schemas.microsoft.com/office/drawing/2014/main" id="{6F85B524-D869-FCF1-B6D9-3BC113489BE3}"/>
               </a:ext>
             </a:extLst>
           </p:cNvPr>
@@ -4016,64 +5147,20 @@
         </p:blipFill>
         <p:spPr>
           <a:xfrm>
-            <a:off x="6595866" y="1522412"/>
-            <a:ext cx="2810267" cy="2019582"/>
+            <a:off x="6713340" y="1355608"/>
+            <a:ext cx="2829320" cy="1733792"/>
           </a:xfrm>
           <a:prstGeom prst="rect">
             <a:avLst/>
           </a:prstGeom>
         </p:spPr>
       </p:pic>
-      <p:sp>
-        <p:nvSpPr>
-          <p:cNvPr id="11" name="TextBox 10">
+      <p:pic>
+        <p:nvPicPr>
+          <p:cNvPr id="7" name="Picture 6">
             <a:extLst>
               <a:ext uri="{FF2B5EF4-FFF2-40B4-BE49-F238E27FC236}">
-                <a16:creationId xmlns:a16="http://schemas.microsoft.com/office/drawing/2014/main" id="{7FAD0CA1-9D57-7970-5378-2D8FFCFE032D}"/>
-              </a:ext>
-            </a:extLst>
-          </p:cNvPr>
-          <p:cNvSpPr txBox="1"/>
-          <p:nvPr/>
-        </p:nvSpPr>
-        <p:spPr>
-          <a:xfrm>
-            <a:off x="9686925" y="1813441"/>
-            <a:ext cx="2327432" cy="369332"/>
-          </a:xfrm>
-          <a:prstGeom prst="rect">
-            <a:avLst/>
-          </a:prstGeom>
-          <a:noFill/>
-        </p:spPr>
-        <p:txBody>
-          <a:bodyPr wrap="none" rtlCol="0">
-            <a:spAutoFit/>
-          </a:bodyPr>
-          <a:lstStyle/>
-          <a:p>
-            <a:r>
-              <a:rPr lang="hu-HU" dirty="0"/>
-              <a:t>2. </a:t>
-            </a:r>
-            <a:r>
-              <a:rPr lang="hu-HU" dirty="0" err="1"/>
-              <a:t>Kategoriák</a:t>
-            </a:r>
-            <a:r>
-              <a:rPr lang="hu-HU" dirty="0"/>
-              <a:t> képernyő</a:t>
-            </a:r>
-            <a:endParaRPr lang="en-US" dirty="0"/>
-          </a:p>
-        </p:txBody>
-      </p:sp>
-      <p:pic>
-        <p:nvPicPr>
-          <p:cNvPr id="13" name="Picture 12">
-            <a:extLst>
-              <a:ext uri="{FF2B5EF4-FFF2-40B4-BE49-F238E27FC236}">
-                <a16:creationId xmlns:a16="http://schemas.microsoft.com/office/drawing/2014/main" id="{991CDD0F-96B0-01B5-3BDB-DDACF0FBF463}"/>
+                <a16:creationId xmlns:a16="http://schemas.microsoft.com/office/drawing/2014/main" id="{F9960481-6429-363F-92CD-2EA8204E68C0}"/>
               </a:ext>
             </a:extLst>
           </p:cNvPr>
@@ -4090,58 +5177,14 @@
         </p:blipFill>
         <p:spPr>
           <a:xfrm>
-            <a:off x="161925" y="3664747"/>
-            <a:ext cx="12030075" cy="2328210"/>
+            <a:off x="0" y="3768601"/>
+            <a:ext cx="12192000" cy="2320504"/>
           </a:xfrm>
           <a:prstGeom prst="rect">
             <a:avLst/>
           </a:prstGeom>
         </p:spPr>
       </p:pic>
-      <p:sp>
-        <p:nvSpPr>
-          <p:cNvPr id="14" name="TextBox 13">
-            <a:extLst>
-              <a:ext uri="{FF2B5EF4-FFF2-40B4-BE49-F238E27FC236}">
-                <a16:creationId xmlns:a16="http://schemas.microsoft.com/office/drawing/2014/main" id="{542F3365-DA84-816F-7E84-63175522D067}"/>
-              </a:ext>
-            </a:extLst>
-          </p:cNvPr>
-          <p:cNvSpPr txBox="1"/>
-          <p:nvPr/>
-        </p:nvSpPr>
-        <p:spPr>
-          <a:xfrm>
-            <a:off x="1276350" y="3295415"/>
-            <a:ext cx="4317913" cy="369332"/>
-          </a:xfrm>
-          <a:prstGeom prst="rect">
-            <a:avLst/>
-          </a:prstGeom>
-          <a:noFill/>
-        </p:spPr>
-        <p:txBody>
-          <a:bodyPr wrap="none" rtlCol="0">
-            <a:spAutoFit/>
-          </a:bodyPr>
-          <a:lstStyle/>
-          <a:p>
-            <a:r>
-              <a:rPr lang="hu-HU" dirty="0"/>
-              <a:t>3. </a:t>
-            </a:r>
-            <a:r>
-              <a:rPr lang="hu-HU" dirty="0" err="1"/>
-              <a:t>Kategoriákhoz</a:t>
-            </a:r>
-            <a:r>
-              <a:rPr lang="hu-HU" dirty="0"/>
-              <a:t> tartozó termékek képernyő</a:t>
-            </a:r>
-            <a:endParaRPr lang="en-US" dirty="0"/>
-          </a:p>
-        </p:txBody>
-      </p:sp>
     </p:spTree>
     <p:extLst>
       <p:ext uri="{BB962C8B-B14F-4D97-AF65-F5344CB8AC3E}">
@@ -4304,6 +5347,34 @@
           </a:p>
         </p:txBody>
       </p:sp>
+      <p:sp>
+        <p:nvSpPr>
+          <p:cNvPr id="2" name="Footer Placeholder 1">
+            <a:extLst>
+              <a:ext uri="{FF2B5EF4-FFF2-40B4-BE49-F238E27FC236}">
+                <a16:creationId xmlns:a16="http://schemas.microsoft.com/office/drawing/2014/main" id="{A20D78CB-C138-C2C6-CF92-DCD90C2F0D8E}"/>
+              </a:ext>
+            </a:extLst>
+          </p:cNvPr>
+          <p:cNvSpPr>
+            <a:spLocks noGrp="1"/>
+          </p:cNvSpPr>
+          <p:nvPr>
+            <p:ph type="ftr" sz="quarter" idx="11"/>
+          </p:nvPr>
+        </p:nvSpPr>
+        <p:spPr/>
+        <p:txBody>
+          <a:bodyPr/>
+          <a:lstStyle/>
+          <a:p>
+            <a:r>
+              <a:rPr lang="en-US"/>
+              <a:t>Készítette: Toroczkai Attila</a:t>
+            </a:r>
+          </a:p>
+        </p:txBody>
+      </p:sp>
     </p:spTree>
     <p:extLst>
       <p:ext uri="{BB962C8B-B14F-4D97-AF65-F5344CB8AC3E}">
@@ -4350,7 +5421,12 @@
             <p:ph type="title"/>
           </p:nvPr>
         </p:nvSpPr>
-        <p:spPr/>
+        <p:spPr>
+          <a:xfrm>
+            <a:off x="1097280" y="286603"/>
+            <a:ext cx="10058400" cy="971005"/>
+          </a:xfrm>
+        </p:spPr>
         <p:txBody>
           <a:bodyPr/>
           <a:lstStyle/>
@@ -4360,6 +5436,63 @@
               <a:t>Adminisztrátor</a:t>
             </a:r>
             <a:endParaRPr lang="en-US" dirty="0"/>
+          </a:p>
+        </p:txBody>
+      </p:sp>
+      <p:pic>
+        <p:nvPicPr>
+          <p:cNvPr id="8" name="Content Placeholder 7">
+            <a:extLst>
+              <a:ext uri="{FF2B5EF4-FFF2-40B4-BE49-F238E27FC236}">
+                <a16:creationId xmlns:a16="http://schemas.microsoft.com/office/drawing/2014/main" id="{1E6945F9-A500-BB2A-A469-9C81B6289CDE}"/>
+              </a:ext>
+            </a:extLst>
+          </p:cNvPr>
+          <p:cNvPicPr>
+            <a:picLocks noGrp="1" noChangeAspect="1"/>
+          </p:cNvPicPr>
+          <p:nvPr>
+            <p:ph idx="1"/>
+          </p:nvPr>
+        </p:nvPicPr>
+        <p:blipFill>
+          <a:blip r:embed="rId2"/>
+          <a:stretch>
+            <a:fillRect/>
+          </a:stretch>
+        </p:blipFill>
+        <p:spPr>
+          <a:xfrm>
+            <a:off x="752830" y="1809502"/>
+            <a:ext cx="7770246" cy="4351338"/>
+          </a:xfrm>
+        </p:spPr>
+      </p:pic>
+      <p:sp>
+        <p:nvSpPr>
+          <p:cNvPr id="9" name="Footer Placeholder 8">
+            <a:extLst>
+              <a:ext uri="{FF2B5EF4-FFF2-40B4-BE49-F238E27FC236}">
+                <a16:creationId xmlns:a16="http://schemas.microsoft.com/office/drawing/2014/main" id="{DFEBB874-835E-E2B6-1137-A234F0B813E6}"/>
+              </a:ext>
+            </a:extLst>
+          </p:cNvPr>
+          <p:cNvSpPr>
+            <a:spLocks noGrp="1"/>
+          </p:cNvSpPr>
+          <p:nvPr>
+            <p:ph type="ftr" sz="quarter" idx="11"/>
+          </p:nvPr>
+        </p:nvSpPr>
+        <p:spPr/>
+        <p:txBody>
+          <a:bodyPr/>
+          <a:lstStyle/>
+          <a:p>
+            <a:r>
+              <a:rPr lang="en-US"/>
+              <a:t>Készítette: Toroczkai Attila</a:t>
+            </a:r>
           </a:p>
         </p:txBody>
       </p:sp>
@@ -4377,7 +5510,7 @@
         </p:nvSpPr>
         <p:spPr>
           <a:xfrm>
-            <a:off x="858669" y="1589643"/>
+            <a:off x="858669" y="1440170"/>
             <a:ext cx="5237331" cy="369332"/>
           </a:xfrm>
           <a:prstGeom prst="rect">
@@ -4421,7 +5554,7 @@
         </p:nvSpPr>
         <p:spPr>
           <a:xfrm>
-            <a:off x="9009231" y="2690336"/>
+            <a:off x="9009231" y="2507843"/>
             <a:ext cx="2324100" cy="1477328"/>
           </a:xfrm>
           <a:prstGeom prst="rect">
@@ -4457,8 +5590,8 @@
         </p:nvSpPr>
         <p:spPr>
           <a:xfrm>
-            <a:off x="9029700" y="5481724"/>
-            <a:ext cx="2324100" cy="1200329"/>
+            <a:off x="8720667" y="5481724"/>
+            <a:ext cx="3327400" cy="646331"/>
           </a:xfrm>
           <a:prstGeom prst="rect">
             <a:avLst/>
@@ -4479,35 +5612,6 @@
           </a:p>
         </p:txBody>
       </p:sp>
-      <p:pic>
-        <p:nvPicPr>
-          <p:cNvPr id="18" name="Content Placeholder 17">
-            <a:extLst>
-              <a:ext uri="{FF2B5EF4-FFF2-40B4-BE49-F238E27FC236}">
-                <a16:creationId xmlns:a16="http://schemas.microsoft.com/office/drawing/2014/main" id="{D2C43578-A869-85CB-8BBB-2702256678AC}"/>
-              </a:ext>
-            </a:extLst>
-          </p:cNvPr>
-          <p:cNvPicPr>
-            <a:picLocks noGrp="1" noChangeAspect="1"/>
-          </p:cNvPicPr>
-          <p:nvPr>
-            <p:ph idx="1"/>
-          </p:nvPr>
-        </p:nvPicPr>
-        <p:blipFill>
-          <a:blip r:embed="rId2"/>
-          <a:stretch>
-            <a:fillRect/>
-          </a:stretch>
-        </p:blipFill>
-        <p:spPr>
-          <a:xfrm>
-            <a:off x="858669" y="1854200"/>
-            <a:ext cx="7468714" cy="4351338"/>
-          </a:xfrm>
-        </p:spPr>
-      </p:pic>
       <p:sp>
         <p:nvSpPr>
           <p:cNvPr id="19" name="TextBox 18">
@@ -4522,8 +5626,8 @@
         </p:nvSpPr>
         <p:spPr>
           <a:xfrm>
-            <a:off x="9009231" y="5104220"/>
-            <a:ext cx="2324100" cy="369332"/>
+            <a:off x="8720667" y="4944911"/>
+            <a:ext cx="2704416" cy="369332"/>
           </a:xfrm>
           <a:prstGeom prst="rect">
             <a:avLst/>
@@ -4574,12 +5678,84 @@
           <a:chExt cx="0" cy="0"/>
         </a:xfrm>
       </p:grpSpPr>
+      <p:sp>
+        <p:nvSpPr>
+          <p:cNvPr id="8" name="TextBox 7">
+            <a:extLst>
+              <a:ext uri="{FF2B5EF4-FFF2-40B4-BE49-F238E27FC236}">
+                <a16:creationId xmlns:a16="http://schemas.microsoft.com/office/drawing/2014/main" id="{AB982B1D-A041-8255-E68A-CEB0766777FD}"/>
+              </a:ext>
+            </a:extLst>
+          </p:cNvPr>
+          <p:cNvSpPr txBox="1"/>
+          <p:nvPr/>
+        </p:nvSpPr>
+        <p:spPr>
+          <a:xfrm>
+            <a:off x="1171575" y="1304925"/>
+            <a:ext cx="3225819" cy="369332"/>
+          </a:xfrm>
+          <a:prstGeom prst="rect">
+            <a:avLst/>
+          </a:prstGeom>
+          <a:noFill/>
+        </p:spPr>
+        <p:txBody>
+          <a:bodyPr wrap="none" rtlCol="0">
+            <a:spAutoFit/>
+          </a:bodyPr>
+          <a:lstStyle/>
+          <a:p>
+            <a:r>
+              <a:rPr lang="hu-HU" dirty="0"/>
+              <a:t>Új termék hozzáadása képernyő:</a:t>
+            </a:r>
+            <a:endParaRPr lang="en-US" dirty="0"/>
+          </a:p>
+        </p:txBody>
+      </p:sp>
+      <p:sp>
+        <p:nvSpPr>
+          <p:cNvPr id="9" name="TextBox 8">
+            <a:extLst>
+              <a:ext uri="{FF2B5EF4-FFF2-40B4-BE49-F238E27FC236}">
+                <a16:creationId xmlns:a16="http://schemas.microsoft.com/office/drawing/2014/main" id="{6867B74D-8EBC-AD8F-0FAB-41C942588390}"/>
+              </a:ext>
+            </a:extLst>
+          </p:cNvPr>
+          <p:cNvSpPr txBox="1"/>
+          <p:nvPr/>
+        </p:nvSpPr>
+        <p:spPr>
+          <a:xfrm>
+            <a:off x="6657474" y="1301234"/>
+            <a:ext cx="3041923" cy="369332"/>
+          </a:xfrm>
+          <a:prstGeom prst="rect">
+            <a:avLst/>
+          </a:prstGeom>
+          <a:noFill/>
+        </p:spPr>
+        <p:txBody>
+          <a:bodyPr wrap="none" rtlCol="0">
+            <a:spAutoFit/>
+          </a:bodyPr>
+          <a:lstStyle/>
+          <a:p>
+            <a:r>
+              <a:rPr lang="hu-HU" dirty="0"/>
+              <a:t>Termék módosítása képernyő:</a:t>
+            </a:r>
+            <a:endParaRPr lang="en-US" dirty="0"/>
+          </a:p>
+        </p:txBody>
+      </p:sp>
       <p:pic>
         <p:nvPicPr>
-          <p:cNvPr id="5" name="Picture 4">
+          <p:cNvPr id="3" name="Picture 2">
             <a:extLst>
               <a:ext uri="{FF2B5EF4-FFF2-40B4-BE49-F238E27FC236}">
-                <a16:creationId xmlns:a16="http://schemas.microsoft.com/office/drawing/2014/main" id="{4FF838C6-2615-8A5C-CF5D-4143BA1CEC02}"/>
+                <a16:creationId xmlns:a16="http://schemas.microsoft.com/office/drawing/2014/main" id="{55127F26-9A2C-BF72-4DB9-34A5BBE4114B}"/>
               </a:ext>
             </a:extLst>
           </p:cNvPr>
@@ -4596,8 +5772,8 @@
         </p:blipFill>
         <p:spPr>
           <a:xfrm>
-            <a:off x="499407" y="1619250"/>
-            <a:ext cx="4530095" cy="3619500"/>
+            <a:off x="581452" y="1670566"/>
+            <a:ext cx="4565483" cy="3487203"/>
           </a:xfrm>
           <a:prstGeom prst="rect">
             <a:avLst/>
@@ -4606,10 +5782,10 @@
       </p:pic>
       <p:pic>
         <p:nvPicPr>
-          <p:cNvPr id="7" name="Picture 6">
+          <p:cNvPr id="6" name="Picture 5">
             <a:extLst>
               <a:ext uri="{FF2B5EF4-FFF2-40B4-BE49-F238E27FC236}">
-                <a16:creationId xmlns:a16="http://schemas.microsoft.com/office/drawing/2014/main" id="{3D299313-B3E2-ECC2-10F5-17F36DD65D64}"/>
+                <a16:creationId xmlns:a16="http://schemas.microsoft.com/office/drawing/2014/main" id="{80773F7D-F9EB-ECB4-68BD-8871EBDE0EC9}"/>
               </a:ext>
             </a:extLst>
           </p:cNvPr>
@@ -4626,8 +5802,8 @@
         </p:blipFill>
         <p:spPr>
           <a:xfrm>
-            <a:off x="6276975" y="1807923"/>
-            <a:ext cx="3924301" cy="3430827"/>
+            <a:off x="6096000" y="1670566"/>
+            <a:ext cx="4249678" cy="3606800"/>
           </a:xfrm>
           <a:prstGeom prst="rect">
             <a:avLst/>
@@ -4636,73 +5812,29 @@
       </p:pic>
       <p:sp>
         <p:nvSpPr>
-          <p:cNvPr id="8" name="TextBox 7">
+          <p:cNvPr id="10" name="Footer Placeholder 9">
             <a:extLst>
               <a:ext uri="{FF2B5EF4-FFF2-40B4-BE49-F238E27FC236}">
-                <a16:creationId xmlns:a16="http://schemas.microsoft.com/office/drawing/2014/main" id="{AB982B1D-A041-8255-E68A-CEB0766777FD}"/>
+                <a16:creationId xmlns:a16="http://schemas.microsoft.com/office/drawing/2014/main" id="{48207482-3605-427C-C97C-2B3048CF328D}"/>
               </a:ext>
             </a:extLst>
           </p:cNvPr>
-          <p:cNvSpPr txBox="1"/>
-          <p:nvPr/>
-        </p:nvSpPr>
-        <p:spPr>
-          <a:xfrm>
-            <a:off x="1171575" y="1304925"/>
-            <a:ext cx="3225819" cy="369332"/>
-          </a:xfrm>
-          <a:prstGeom prst="rect">
-            <a:avLst/>
-          </a:prstGeom>
-          <a:noFill/>
-        </p:spPr>
-        <p:txBody>
-          <a:bodyPr wrap="none" rtlCol="0">
-            <a:spAutoFit/>
-          </a:bodyPr>
-          <a:lstStyle/>
-          <a:p>
-            <a:r>
-              <a:rPr lang="hu-HU" dirty="0"/>
-              <a:t>Új termék hozzáadása képernyő:</a:t>
-            </a:r>
-            <a:endParaRPr lang="en-US" dirty="0"/>
-          </a:p>
-        </p:txBody>
-      </p:sp>
-      <p:sp>
-        <p:nvSpPr>
-          <p:cNvPr id="9" name="TextBox 8">
-            <a:extLst>
-              <a:ext uri="{FF2B5EF4-FFF2-40B4-BE49-F238E27FC236}">
-                <a16:creationId xmlns:a16="http://schemas.microsoft.com/office/drawing/2014/main" id="{6867B74D-8EBC-AD8F-0FAB-41C942588390}"/>
-              </a:ext>
-            </a:extLst>
-          </p:cNvPr>
-          <p:cNvSpPr txBox="1"/>
-          <p:nvPr/>
-        </p:nvSpPr>
-        <p:spPr>
-          <a:xfrm>
-            <a:off x="6657474" y="1301234"/>
-            <a:ext cx="3041923" cy="369332"/>
-          </a:xfrm>
-          <a:prstGeom prst="rect">
-            <a:avLst/>
-          </a:prstGeom>
-          <a:noFill/>
-        </p:spPr>
-        <p:txBody>
-          <a:bodyPr wrap="none" rtlCol="0">
-            <a:spAutoFit/>
-          </a:bodyPr>
-          <a:lstStyle/>
-          <a:p>
-            <a:r>
-              <a:rPr lang="hu-HU" dirty="0"/>
-              <a:t>Termék módosítása képernyő:</a:t>
-            </a:r>
-            <a:endParaRPr lang="en-US" dirty="0"/>
+          <p:cNvSpPr>
+            <a:spLocks noGrp="1"/>
+          </p:cNvSpPr>
+          <p:nvPr>
+            <p:ph type="ftr" sz="quarter" idx="11"/>
+          </p:nvPr>
+        </p:nvSpPr>
+        <p:spPr/>
+        <p:txBody>
+          <a:bodyPr/>
+          <a:lstStyle/>
+          <a:p>
+            <a:r>
+              <a:rPr lang="en-US"/>
+              <a:t>Készítette: Toroczkai Attila</a:t>
+            </a:r>
           </a:p>
         </p:txBody>
       </p:sp>
@@ -4720,6 +5852,289 @@
 </file>
 
 <file path=ppt/theme/theme1.xml><?xml version="1.0" encoding="utf-8"?>
+<a:theme xmlns:a="http://schemas.openxmlformats.org/drawingml/2006/main" name="Retrospect">
+  <a:themeElements>
+    <a:clrScheme name="Retrospect">
+      <a:dk1>
+        <a:srgbClr val="000000"/>
+      </a:dk1>
+      <a:lt1>
+        <a:sysClr val="window" lastClr="FFFFFF"/>
+      </a:lt1>
+      <a:dk2>
+        <a:srgbClr val="637052"/>
+      </a:dk2>
+      <a:lt2>
+        <a:srgbClr val="CCDDEA"/>
+      </a:lt2>
+      <a:accent1>
+        <a:srgbClr val="E48312"/>
+      </a:accent1>
+      <a:accent2>
+        <a:srgbClr val="BD582C"/>
+      </a:accent2>
+      <a:accent3>
+        <a:srgbClr val="865640"/>
+      </a:accent3>
+      <a:accent4>
+        <a:srgbClr val="9B8357"/>
+      </a:accent4>
+      <a:accent5>
+        <a:srgbClr val="C2BC80"/>
+      </a:accent5>
+      <a:accent6>
+        <a:srgbClr val="94A088"/>
+      </a:accent6>
+      <a:hlink>
+        <a:srgbClr val="2998E3"/>
+      </a:hlink>
+      <a:folHlink>
+        <a:srgbClr val="8C8C8C"/>
+      </a:folHlink>
+    </a:clrScheme>
+    <a:fontScheme name="Retrospect">
+      <a:majorFont>
+        <a:latin typeface="Calibri Light" panose="020F0302020204030204"/>
+        <a:ea typeface=""/>
+        <a:cs typeface=""/>
+        <a:font script="Jpan" typeface="ＭＳ Ｐゴシック"/>
+        <a:font script="Hang" typeface="맑은 고딕"/>
+        <a:font script="Hans" typeface="宋体"/>
+        <a:font script="Hant" typeface="新細明體"/>
+        <a:font script="Arab" typeface="Times New Roman"/>
+        <a:font script="Hebr" typeface="Times New Roman"/>
+        <a:font script="Thai" typeface="Angsana New"/>
+        <a:font script="Ethi" typeface="Nyala"/>
+        <a:font script="Beng" typeface="Vrinda"/>
+        <a:font script="Gujr" typeface="Shruti"/>
+        <a:font script="Khmr" typeface="MoolBoran"/>
+        <a:font script="Knda" typeface="Tunga"/>
+        <a:font script="Guru" typeface="Raavi"/>
+        <a:font script="Cans" typeface="Euphemia"/>
+        <a:font script="Cher" typeface="Plantagenet Cherokee"/>
+        <a:font script="Yiii" typeface="Microsoft Yi Baiti"/>
+        <a:font script="Tibt" typeface="Microsoft Himalaya"/>
+        <a:font script="Thaa" typeface="MV Boli"/>
+        <a:font script="Deva" typeface="Mangal"/>
+        <a:font script="Telu" typeface="Gautami"/>
+        <a:font script="Taml" typeface="Latha"/>
+        <a:font script="Syrc" typeface="Estrangelo Edessa"/>
+        <a:font script="Orya" typeface="Kalinga"/>
+        <a:font script="Mlym" typeface="Kartika"/>
+        <a:font script="Laoo" typeface="DokChampa"/>
+        <a:font script="Sinh" typeface="Iskoola Pota"/>
+        <a:font script="Mong" typeface="Mongolian Baiti"/>
+        <a:font script="Viet" typeface="Times New Roman"/>
+        <a:font script="Uigh" typeface="Microsoft Uighur"/>
+        <a:font script="Geor" typeface="Sylfaen"/>
+      </a:majorFont>
+      <a:minorFont>
+        <a:latin typeface="Calibri" panose="020F0502020204030204"/>
+        <a:ea typeface=""/>
+        <a:cs typeface=""/>
+        <a:font script="Jpan" typeface="ＭＳ Ｐゴシック"/>
+        <a:font script="Hang" typeface="맑은 고딕"/>
+        <a:font script="Hans" typeface="宋体"/>
+        <a:font script="Hant" typeface="新細明體"/>
+        <a:font script="Arab" typeface="Arial"/>
+        <a:font script="Hebr" typeface="Arial"/>
+        <a:font script="Thai" typeface="Cordia New"/>
+        <a:font script="Ethi" typeface="Nyala"/>
+        <a:font script="Beng" typeface="Vrinda"/>
+        <a:font script="Gujr" typeface="Shruti"/>
+        <a:font script="Khmr" typeface="DaunPenh"/>
+        <a:font script="Knda" typeface="Tunga"/>
+        <a:font script="Guru" typeface="Raavi"/>
+        <a:font script="Cans" typeface="Euphemia"/>
+        <a:font script="Cher" typeface="Plantagenet Cherokee"/>
+        <a:font script="Yiii" typeface="Microsoft Yi Baiti"/>
+        <a:font script="Tibt" typeface="Microsoft Himalaya"/>
+        <a:font script="Thaa" typeface="MV Boli"/>
+        <a:font script="Deva" typeface="Mangal"/>
+        <a:font script="Telu" typeface="Gautami"/>
+        <a:font script="Taml" typeface="Latha"/>
+        <a:font script="Syrc" typeface="Estrangelo Edessa"/>
+        <a:font script="Orya" typeface="Kalinga"/>
+        <a:font script="Mlym" typeface="Kartika"/>
+        <a:font script="Laoo" typeface="DokChampa"/>
+        <a:font script="Sinh" typeface="Iskoola Pota"/>
+        <a:font script="Mong" typeface="Mongolian Baiti"/>
+        <a:font script="Viet" typeface="Arial"/>
+        <a:font script="Uigh" typeface="Microsoft Uighur"/>
+        <a:font script="Geor" typeface="Sylfaen"/>
+      </a:minorFont>
+    </a:fontScheme>
+    <a:fmtScheme name="Retrospect">
+      <a:fillStyleLst>
+        <a:solidFill>
+          <a:schemeClr val="phClr"/>
+        </a:solidFill>
+        <a:gradFill rotWithShape="1">
+          <a:gsLst>
+            <a:gs pos="0">
+              <a:schemeClr val="phClr">
+                <a:tint val="65000"/>
+                <a:shade val="92000"/>
+                <a:satMod val="130000"/>
+              </a:schemeClr>
+            </a:gs>
+            <a:gs pos="45000">
+              <a:schemeClr val="phClr">
+                <a:tint val="60000"/>
+                <a:shade val="99000"/>
+                <a:satMod val="120000"/>
+              </a:schemeClr>
+            </a:gs>
+            <a:gs pos="100000">
+              <a:schemeClr val="phClr">
+                <a:tint val="55000"/>
+                <a:satMod val="140000"/>
+              </a:schemeClr>
+            </a:gs>
+          </a:gsLst>
+          <a:path path="circle">
+            <a:fillToRect l="100000" t="100000" r="100000" b="100000"/>
+          </a:path>
+        </a:gradFill>
+        <a:gradFill rotWithShape="1">
+          <a:gsLst>
+            <a:gs pos="0">
+              <a:schemeClr val="phClr">
+                <a:shade val="85000"/>
+                <a:satMod val="130000"/>
+              </a:schemeClr>
+            </a:gs>
+            <a:gs pos="34000">
+              <a:schemeClr val="phClr">
+                <a:shade val="87000"/>
+                <a:satMod val="125000"/>
+              </a:schemeClr>
+            </a:gs>
+            <a:gs pos="70000">
+              <a:schemeClr val="phClr">
+                <a:tint val="100000"/>
+                <a:shade val="90000"/>
+                <a:satMod val="130000"/>
+              </a:schemeClr>
+            </a:gs>
+            <a:gs pos="100000">
+              <a:schemeClr val="phClr">
+                <a:tint val="100000"/>
+                <a:shade val="100000"/>
+                <a:satMod val="110000"/>
+              </a:schemeClr>
+            </a:gs>
+          </a:gsLst>
+          <a:path path="circle">
+            <a:fillToRect l="100000" t="100000" r="100000" b="100000"/>
+          </a:path>
+        </a:gradFill>
+      </a:fillStyleLst>
+      <a:lnStyleLst>
+        <a:ln w="12700" cap="flat" cmpd="sng" algn="ctr">
+          <a:solidFill>
+            <a:schemeClr val="phClr"/>
+          </a:solidFill>
+          <a:prstDash val="solid"/>
+        </a:ln>
+        <a:ln w="15875" cap="flat" cmpd="sng" algn="ctr">
+          <a:solidFill>
+            <a:schemeClr val="phClr"/>
+          </a:solidFill>
+          <a:prstDash val="solid"/>
+        </a:ln>
+        <a:ln w="25400" cap="flat" cmpd="sng" algn="ctr">
+          <a:solidFill>
+            <a:schemeClr val="phClr"/>
+          </a:solidFill>
+          <a:prstDash val="solid"/>
+        </a:ln>
+      </a:lnStyleLst>
+      <a:effectStyleLst>
+        <a:effectStyle>
+          <a:effectLst/>
+        </a:effectStyle>
+        <a:effectStyle>
+          <a:effectLst>
+            <a:outerShdw blurRad="38100" dist="25400" dir="2700000" algn="br" rotWithShape="0">
+              <a:srgbClr val="000000">
+                <a:alpha val="60000"/>
+              </a:srgbClr>
+            </a:outerShdw>
+          </a:effectLst>
+        </a:effectStyle>
+        <a:effectStyle>
+          <a:effectLst>
+            <a:outerShdw blurRad="44450" dist="25400" dir="2700000" algn="br" rotWithShape="0">
+              <a:srgbClr val="000000">
+                <a:alpha val="60000"/>
+              </a:srgbClr>
+            </a:outerShdw>
+          </a:effectLst>
+          <a:scene3d>
+            <a:camera prst="orthographicFront">
+              <a:rot lat="0" lon="0" rev="0"/>
+            </a:camera>
+            <a:lightRig rig="threePt" dir="t">
+              <a:rot lat="0" lon="0" rev="19800000"/>
+            </a:lightRig>
+          </a:scene3d>
+          <a:sp3d prstMaterial="flat">
+            <a:bevelT w="25400" h="31750"/>
+          </a:sp3d>
+        </a:effectStyle>
+      </a:effectStyleLst>
+      <a:bgFillStyleLst>
+        <a:solidFill>
+          <a:schemeClr val="phClr"/>
+        </a:solidFill>
+        <a:solidFill>
+          <a:schemeClr val="phClr">
+            <a:tint val="90000"/>
+            <a:shade val="97000"/>
+            <a:satMod val="130000"/>
+          </a:schemeClr>
+        </a:solidFill>
+        <a:gradFill rotWithShape="1">
+          <a:gsLst>
+            <a:gs pos="0">
+              <a:schemeClr val="phClr">
+                <a:tint val="96000"/>
+                <a:shade val="99000"/>
+                <a:satMod val="140000"/>
+              </a:schemeClr>
+            </a:gs>
+            <a:gs pos="65000">
+              <a:schemeClr val="phClr">
+                <a:tint val="100000"/>
+                <a:shade val="80000"/>
+                <a:satMod val="130000"/>
+              </a:schemeClr>
+            </a:gs>
+            <a:gs pos="100000">
+              <a:schemeClr val="phClr">
+                <a:tint val="100000"/>
+                <a:shade val="48000"/>
+                <a:satMod val="120000"/>
+              </a:schemeClr>
+            </a:gs>
+          </a:gsLst>
+          <a:lin ang="16200000" scaled="0"/>
+        </a:gradFill>
+      </a:bgFillStyleLst>
+    </a:fmtScheme>
+  </a:themeElements>
+  <a:objectDefaults/>
+  <a:extraClrSchemeLst/>
+  <a:extLst>
+    <a:ext uri="{05A4C25C-085E-4340-85A3-A5531E510DB2}">
+      <thm15:themeFamily xmlns:thm15="http://schemas.microsoft.com/office/thememl/2012/main" name="Retrospect" id="{5F128B03-DCCA-4EEB-AB3B-CF2899314A46}" vid="{3F1AAB62-24C6-49D2-8E01-B56FAC9A3DCD}"/>
+    </a:ext>
+  </a:extLst>
+</a:theme>
+</file>
+
+<file path=ppt/theme/theme2.xml><?xml version="1.0" encoding="utf-8"?>
 <a:theme xmlns:a="http://schemas.openxmlformats.org/drawingml/2006/main" name="Office Theme">
   <a:themeElements>
     <a:clrScheme name="Office">
